--- a/PPT/基于策略迭代的马尔可夫跳变系统最优跟踪控制_姚才康.pptx
+++ b/PPT/基于策略迭代的马尔可夫跳变系统最优跟踪控制_姚才康.pptx
@@ -9,10 +9,10 @@
     <p:sldMasterId id="2147483708" r:id="rId5"/>
   </p:sldMasterIdLst>
   <p:notesMasterIdLst>
-    <p:notesMasterId r:id="rId23"/>
+    <p:notesMasterId r:id="rId22"/>
   </p:notesMasterIdLst>
   <p:handoutMasterIdLst>
-    <p:handoutMasterId r:id="rId24"/>
+    <p:handoutMasterId r:id="rId23"/>
   </p:handoutMasterIdLst>
   <p:sldIdLst>
     <p:sldId id="493" r:id="rId6"/>
@@ -26,17 +26,16 @@
     <p:sldId id="8935" r:id="rId14"/>
     <p:sldId id="1302" r:id="rId15"/>
     <p:sldId id="1303" r:id="rId16"/>
-    <p:sldId id="8930" r:id="rId17"/>
-    <p:sldId id="8911" r:id="rId18"/>
-    <p:sldId id="8936" r:id="rId19"/>
-    <p:sldId id="1043" r:id="rId20"/>
-    <p:sldId id="8905" r:id="rId21"/>
-    <p:sldId id="1023" r:id="rId22"/>
+    <p:sldId id="8911" r:id="rId17"/>
+    <p:sldId id="8936" r:id="rId18"/>
+    <p:sldId id="1043" r:id="rId19"/>
+    <p:sldId id="8905" r:id="rId20"/>
+    <p:sldId id="1023" r:id="rId21"/>
   </p:sldIdLst>
   <p:sldSz cx="12192000" cy="6858000"/>
   <p:notesSz cx="6858000" cy="9144000"/>
   <p:custDataLst>
-    <p:tags r:id="rId25"/>
+    <p:tags r:id="rId24"/>
   </p:custDataLst>
   <p:defaultTextStyle>
     <a:defPPr>
@@ -248,7 +247,7 @@
           <a:p>
             <a:fld id="{73A88A1A-7F68-42E1-BBCD-7FB22F41615A}" type="datetimeFigureOut">
               <a:rPr lang="zh-CN" altLang="en-US" smtClean="0"/>
-              <a:t>2024/4/16</a:t>
+              <a:t>2024/4/19</a:t>
             </a:fld>
             <a:endParaRPr lang="zh-CN" altLang="en-US"/>
           </a:p>
@@ -413,7 +412,7 @@
           <a:p>
             <a:fld id="{EE0AA34F-5FB6-48CD-A351-7AE0CE2EF5EA}" type="datetimeFigureOut">
               <a:rPr lang="zh-CN" altLang="en-US" smtClean="0"/>
-              <a:t>2024/4/16</a:t>
+              <a:t>2024/4/19</a:t>
             </a:fld>
             <a:endParaRPr lang="zh-CN" altLang="en-US"/>
           </a:p>
@@ -991,23 +990,8 @@
           <a:bodyPr/>
           <a:lstStyle/>
           <a:p>
-            <a:pPr marL="0" marR="0" lvl="0" indent="0" algn="l" defTabSz="914400" rtl="0" eaLnBrk="1" fontAlgn="auto" latinLnBrk="0" hangingPunct="1">
-              <a:lnSpc>
-                <a:spcPct val="100000"/>
-              </a:lnSpc>
-              <a:spcBef>
-                <a:spcPts val="0"/>
-              </a:spcBef>
-              <a:spcAft>
-                <a:spcPts val="0"/>
-              </a:spcAft>
-              <a:buClrTx/>
-              <a:buSzTx/>
-              <a:buFontTx/>
-              <a:buNone/>
-              <a:defRPr/>
-            </a:pPr>
-            <a:endParaRPr lang="zh-CN" altLang="en-US" dirty="0"/>
+            <a:pPr eaLnBrk="1" hangingPunct="1"/>
+            <a:endParaRPr lang="zh-CN" altLang="en-US"/>
           </a:p>
         </p:txBody>
       </p:sp>
@@ -1160,7 +1144,7 @@
                 </a:solidFill>
                 <a:latin typeface="宋体" panose="02010600030101010101" pitchFamily="2" charset="-122"/>
               </a:rPr>
-              <a:t>13</a:t>
+              <a:t>14</a:t>
             </a:fld>
             <a:endParaRPr lang="zh-CN" altLang="en-US">
               <a:solidFill>
@@ -1451,249 +1435,6 @@
         </p:nvSpPr>
         <p:spPr>
           <a:xfrm>
-            <a:off x="381000" y="685800"/>
-            <a:ext cx="6096000" cy="3429000"/>
-          </a:xfrm>
-        </p:spPr>
-      </p:sp>
-      <p:sp>
-        <p:nvSpPr>
-          <p:cNvPr id="80899" name="备注占位符 2"/>
-          <p:cNvSpPr>
-            <a:spLocks noGrp="1"/>
-          </p:cNvSpPr>
-          <p:nvPr>
-            <p:ph type="body" idx="1"/>
-          </p:nvPr>
-        </p:nvSpPr>
-        <p:spPr>
-          <a:noFill/>
-          <a:extLst>
-            <a:ext uri="{909E8E84-426E-40DD-AFC4-6F175D3DCCD1}">
-              <a14:hiddenFill xmlns:a14="http://schemas.microsoft.com/office/drawing/2010/main">
-                <a:solidFill>
-                  <a:srgbClr val="FFFFFF"/>
-                </a:solidFill>
-              </a14:hiddenFill>
-            </a:ext>
-            <a:ext uri="{91240B29-F687-4F45-9708-019B960494DF}">
-              <a14:hiddenLine xmlns:a14="http://schemas.microsoft.com/office/drawing/2010/main" w="9525">
-                <a:solidFill>
-                  <a:srgbClr val="000000"/>
-                </a:solidFill>
-                <a:miter lim="800000"/>
-                <a:headEnd/>
-                <a:tailEnd/>
-              </a14:hiddenLine>
-            </a:ext>
-          </a:extLst>
-        </p:spPr>
-        <p:txBody>
-          <a:bodyPr/>
-          <a:lstStyle/>
-          <a:p>
-            <a:pPr eaLnBrk="1" hangingPunct="1"/>
-            <a:endParaRPr lang="zh-CN" altLang="en-US"/>
-          </a:p>
-        </p:txBody>
-      </p:sp>
-      <p:sp>
-        <p:nvSpPr>
-          <p:cNvPr id="80900" name="灯片编号占位符 3"/>
-          <p:cNvSpPr>
-            <a:spLocks noGrp="1"/>
-          </p:cNvSpPr>
-          <p:nvPr>
-            <p:ph type="sldNum" sz="quarter" idx="5"/>
-          </p:nvPr>
-        </p:nvSpPr>
-        <p:spPr>
-          <a:noFill/>
-          <a:extLst>
-            <a:ext uri="{909E8E84-426E-40DD-AFC4-6F175D3DCCD1}">
-              <a14:hiddenFill xmlns:a14="http://schemas.microsoft.com/office/drawing/2010/main">
-                <a:solidFill>
-                  <a:srgbClr val="FFFFFF"/>
-                </a:solidFill>
-              </a14:hiddenFill>
-            </a:ext>
-            <a:ext uri="{91240B29-F687-4F45-9708-019B960494DF}">
-              <a14:hiddenLine xmlns:a14="http://schemas.microsoft.com/office/drawing/2010/main" w="9525">
-                <a:solidFill>
-                  <a:srgbClr val="000000"/>
-                </a:solidFill>
-                <a:miter lim="800000"/>
-                <a:headEnd/>
-                <a:tailEnd/>
-              </a14:hiddenLine>
-            </a:ext>
-          </a:extLst>
-        </p:spPr>
-        <p:txBody>
-          <a:bodyPr/>
-          <a:lstStyle>
-            <a:lvl1pPr>
-              <a:defRPr>
-                <a:solidFill>
-                  <a:schemeClr val="tx1"/>
-                </a:solidFill>
-                <a:latin typeface="Arial" panose="020B0604020202020204" pitchFamily="34" charset="0"/>
-                <a:ea typeface="宋体" panose="02010600030101010101" pitchFamily="2" charset="-122"/>
-              </a:defRPr>
-            </a:lvl1pPr>
-            <a:lvl2pPr marL="742950" indent="-285750">
-              <a:defRPr>
-                <a:solidFill>
-                  <a:schemeClr val="tx1"/>
-                </a:solidFill>
-                <a:latin typeface="Arial" panose="020B0604020202020204" pitchFamily="34" charset="0"/>
-                <a:ea typeface="宋体" panose="02010600030101010101" pitchFamily="2" charset="-122"/>
-              </a:defRPr>
-            </a:lvl2pPr>
-            <a:lvl3pPr marL="1143000" indent="-228600">
-              <a:defRPr>
-                <a:solidFill>
-                  <a:schemeClr val="tx1"/>
-                </a:solidFill>
-                <a:latin typeface="Arial" panose="020B0604020202020204" pitchFamily="34" charset="0"/>
-                <a:ea typeface="宋体" panose="02010600030101010101" pitchFamily="2" charset="-122"/>
-              </a:defRPr>
-            </a:lvl3pPr>
-            <a:lvl4pPr marL="1600200" indent="-228600">
-              <a:defRPr>
-                <a:solidFill>
-                  <a:schemeClr val="tx1"/>
-                </a:solidFill>
-                <a:latin typeface="Arial" panose="020B0604020202020204" pitchFamily="34" charset="0"/>
-                <a:ea typeface="宋体" panose="02010600030101010101" pitchFamily="2" charset="-122"/>
-              </a:defRPr>
-            </a:lvl4pPr>
-            <a:lvl5pPr marL="2057400" indent="-228600">
-              <a:defRPr>
-                <a:solidFill>
-                  <a:schemeClr val="tx1"/>
-                </a:solidFill>
-                <a:latin typeface="Arial" panose="020B0604020202020204" pitchFamily="34" charset="0"/>
-                <a:ea typeface="宋体" panose="02010600030101010101" pitchFamily="2" charset="-122"/>
-              </a:defRPr>
-            </a:lvl5pPr>
-            <a:lvl6pPr marL="2514600" indent="-228600" eaLnBrk="0" fontAlgn="base" hangingPunct="0">
-              <a:spcBef>
-                <a:spcPct val="0"/>
-              </a:spcBef>
-              <a:spcAft>
-                <a:spcPct val="0"/>
-              </a:spcAft>
-              <a:defRPr>
-                <a:solidFill>
-                  <a:schemeClr val="tx1"/>
-                </a:solidFill>
-                <a:latin typeface="Arial" panose="020B0604020202020204" pitchFamily="34" charset="0"/>
-                <a:ea typeface="宋体" panose="02010600030101010101" pitchFamily="2" charset="-122"/>
-              </a:defRPr>
-            </a:lvl6pPr>
-            <a:lvl7pPr marL="2971800" indent="-228600" eaLnBrk="0" fontAlgn="base" hangingPunct="0">
-              <a:spcBef>
-                <a:spcPct val="0"/>
-              </a:spcBef>
-              <a:spcAft>
-                <a:spcPct val="0"/>
-              </a:spcAft>
-              <a:defRPr>
-                <a:solidFill>
-                  <a:schemeClr val="tx1"/>
-                </a:solidFill>
-                <a:latin typeface="Arial" panose="020B0604020202020204" pitchFamily="34" charset="0"/>
-                <a:ea typeface="宋体" panose="02010600030101010101" pitchFamily="2" charset="-122"/>
-              </a:defRPr>
-            </a:lvl7pPr>
-            <a:lvl8pPr marL="3429000" indent="-228600" eaLnBrk="0" fontAlgn="base" hangingPunct="0">
-              <a:spcBef>
-                <a:spcPct val="0"/>
-              </a:spcBef>
-              <a:spcAft>
-                <a:spcPct val="0"/>
-              </a:spcAft>
-              <a:defRPr>
-                <a:solidFill>
-                  <a:schemeClr val="tx1"/>
-                </a:solidFill>
-                <a:latin typeface="Arial" panose="020B0604020202020204" pitchFamily="34" charset="0"/>
-                <a:ea typeface="宋体" panose="02010600030101010101" pitchFamily="2" charset="-122"/>
-              </a:defRPr>
-            </a:lvl8pPr>
-            <a:lvl9pPr marL="3886200" indent="-228600" eaLnBrk="0" fontAlgn="base" hangingPunct="0">
-              <a:spcBef>
-                <a:spcPct val="0"/>
-              </a:spcBef>
-              <a:spcAft>
-                <a:spcPct val="0"/>
-              </a:spcAft>
-              <a:defRPr>
-                <a:solidFill>
-                  <a:schemeClr val="tx1"/>
-                </a:solidFill>
-                <a:latin typeface="Arial" panose="020B0604020202020204" pitchFamily="34" charset="0"/>
-                <a:ea typeface="宋体" panose="02010600030101010101" pitchFamily="2" charset="-122"/>
-              </a:defRPr>
-            </a:lvl9pPr>
-          </a:lstStyle>
-          <a:p>
-            <a:fld id="{6343BE50-9156-4A53-9BCF-C73E8A71B3D9}" type="slidenum">
-              <a:rPr lang="zh-CN" altLang="en-US" smtClean="0">
-                <a:solidFill>
-                  <a:prstClr val="black"/>
-                </a:solidFill>
-                <a:latin typeface="宋体" panose="02010600030101010101" pitchFamily="2" charset="-122"/>
-              </a:rPr>
-              <a:t>16</a:t>
-            </a:fld>
-            <a:endParaRPr lang="zh-CN" altLang="en-US">
-              <a:solidFill>
-                <a:prstClr val="black"/>
-              </a:solidFill>
-              <a:latin typeface="宋体" panose="02010600030101010101" pitchFamily="2" charset="-122"/>
-            </a:endParaRPr>
-          </a:p>
-        </p:txBody>
-      </p:sp>
-    </p:spTree>
-  </p:cSld>
-  <p:clrMapOvr>
-    <a:masterClrMapping/>
-  </p:clrMapOvr>
-</p:notes>
-</file>
-
-<file path=ppt/notesSlides/notesSlide13.xml><?xml version="1.0" encoding="utf-8"?>
-<p:notes xmlns:a="http://schemas.openxmlformats.org/drawingml/2006/main" xmlns:r="http://schemas.openxmlformats.org/officeDocument/2006/relationships" xmlns:p="http://schemas.openxmlformats.org/presentationml/2006/main">
-  <p:cSld>
-    <p:spTree>
-      <p:nvGrpSpPr>
-        <p:cNvPr id="1" name=""/>
-        <p:cNvGrpSpPr/>
-        <p:nvPr/>
-      </p:nvGrpSpPr>
-      <p:grpSpPr>
-        <a:xfrm>
-          <a:off x="0" y="0"/>
-          <a:ext cx="0" cy="0"/>
-          <a:chOff x="0" y="0"/>
-          <a:chExt cx="0" cy="0"/>
-        </a:xfrm>
-      </p:grpSpPr>
-      <p:sp>
-        <p:nvSpPr>
-          <p:cNvPr id="80898" name="幻灯片图像占位符 1"/>
-          <p:cNvSpPr>
-            <a:spLocks noGrp="1" noRot="1" noChangeAspect="1" noTextEdit="1"/>
-          </p:cNvSpPr>
-          <p:nvPr>
-            <p:ph type="sldImg"/>
-          </p:nvPr>
-        </p:nvSpPr>
-        <p:spPr>
-          <a:xfrm>
             <a:off x="2671763" y="509588"/>
             <a:ext cx="4530725" cy="2549525"/>
           </a:xfrm>
@@ -1913,7 +1654,7 @@
                 <a:ea typeface="宋体" panose="02010600030101010101" pitchFamily="2" charset="-122"/>
                 <a:cs typeface="+mn-cs"/>
               </a:rPr>
-              <a:t>17</a:t>
+              <a:t>16</a:t>
             </a:fld>
             <a:endParaRPr kumimoji="0" lang="zh-CN" altLang="en-US" sz="1200" b="0" i="0" u="none" strike="noStrike" kern="1200" cap="none" spc="0" normalizeH="0" baseline="0" noProof="0">
               <a:ln>
@@ -4075,35 +3816,23 @@
           <a:bodyPr/>
           <a:lstStyle/>
           <a:p>
-            <a:r>
-              <a:rPr lang="zh-CN" altLang="en-US" sz="1200" b="0" dirty="0">
-                <a:solidFill>
-                  <a:srgbClr val="C00000"/>
-                </a:solidFill>
-                <a:latin typeface="微软雅黑" panose="020B0503020204020204" pitchFamily="34" charset="-122"/>
-                <a:ea typeface="微软雅黑" panose="020B0503020204020204" pitchFamily="34" charset="-122"/>
-              </a:rPr>
-              <a:t>类似地，构造融合估计误差上界，将确定融合权重矩阵的问题转化为求解具有线性矩阵不等式约束的凸优化问题。</a:t>
-            </a:r>
-            <a:endParaRPr lang="en-US" altLang="zh-CN" sz="1200" b="0" dirty="0">
-              <a:solidFill>
-                <a:srgbClr val="C00000"/>
-              </a:solidFill>
-              <a:latin typeface="微软雅黑" panose="020B0503020204020204" pitchFamily="34" charset="-122"/>
-              <a:ea typeface="微软雅黑" panose="020B0503020204020204" pitchFamily="34" charset="-122"/>
-            </a:endParaRPr>
-          </a:p>
-          <a:p>
-            <a:r>
-              <a:rPr lang="zh-CN" altLang="en-US" sz="1200" b="0" dirty="0">
-                <a:solidFill>
-                  <a:srgbClr val="C00000"/>
-                </a:solidFill>
-                <a:latin typeface="微软雅黑" panose="020B0503020204020204" pitchFamily="34" charset="-122"/>
-                <a:ea typeface="微软雅黑" panose="020B0503020204020204" pitchFamily="34" charset="-122"/>
-              </a:rPr>
-              <a:t>从而设计了鲁棒的分布式非线性融合估计方法。</a:t>
-            </a:r>
+            <a:pPr marL="0" marR="0" lvl="0" indent="0" algn="l" defTabSz="914400" rtl="0" eaLnBrk="1" fontAlgn="auto" latinLnBrk="0" hangingPunct="1">
+              <a:lnSpc>
+                <a:spcPct val="100000"/>
+              </a:lnSpc>
+              <a:spcBef>
+                <a:spcPts val="0"/>
+              </a:spcBef>
+              <a:spcAft>
+                <a:spcPts val="0"/>
+              </a:spcAft>
+              <a:buClrTx/>
+              <a:buSzTx/>
+              <a:buFontTx/>
+              <a:buNone/>
+              <a:defRPr/>
+            </a:pPr>
+            <a:endParaRPr lang="zh-CN" altLang="en-US" dirty="0"/>
           </a:p>
         </p:txBody>
       </p:sp>
@@ -34771,1314 +34500,6 @@
       </p:sp>
       <p:sp>
         <p:nvSpPr>
-          <p:cNvPr id="38" name="文本框 37"/>
-          <p:cNvSpPr txBox="1"/>
-          <p:nvPr/>
-        </p:nvSpPr>
-        <p:spPr>
-          <a:xfrm>
-            <a:off x="565750" y="1195567"/>
-            <a:ext cx="3392769" cy="400110"/>
-          </a:xfrm>
-          <a:prstGeom prst="rect">
-            <a:avLst/>
-          </a:prstGeom>
-          <a:noFill/>
-        </p:spPr>
-        <p:txBody>
-          <a:bodyPr wrap="square" rtlCol="0">
-            <a:spAutoFit/>
-          </a:bodyPr>
-          <a:lstStyle/>
-          <a:p>
-            <a:pPr marL="342900" indent="-342900">
-              <a:buFont typeface="Wingdings" panose="05000000000000000000" pitchFamily="2" charset="2"/>
-              <a:buChar char="p"/>
-            </a:pPr>
-            <a:r>
-              <a:rPr lang="zh-CN" altLang="en-US" sz="2000" b="1" dirty="0">
-                <a:solidFill>
-                  <a:srgbClr val="002060"/>
-                </a:solidFill>
-                <a:latin typeface="微软雅黑" panose="020B0503020204020204" pitchFamily="34" charset="-122"/>
-                <a:ea typeface="微软雅黑" panose="020B0503020204020204" pitchFamily="34" charset="-122"/>
-              </a:rPr>
-              <a:t>构造估计平方误差上界：</a:t>
-            </a:r>
-          </a:p>
-        </p:txBody>
-      </p:sp>
-      <p:sp>
-        <p:nvSpPr>
-          <p:cNvPr id="49" name="文本框 45"/>
-          <p:cNvSpPr txBox="1">
-            <a:spLocks noChangeArrowheads="1"/>
-          </p:cNvSpPr>
-          <p:nvPr/>
-        </p:nvSpPr>
-        <p:spPr bwMode="auto">
-          <a:xfrm>
-            <a:off x="565750" y="548059"/>
-            <a:ext cx="10895714" cy="523220"/>
-          </a:xfrm>
-          <a:prstGeom prst="rect">
-            <a:avLst/>
-          </a:prstGeom>
-          <a:noFill/>
-          <a:ln>
-            <a:noFill/>
-          </a:ln>
-          <a:extLst>
-            <a:ext uri="{909E8E84-426E-40DD-AFC4-6F175D3DCCD1}">
-              <a14:hiddenFill xmlns:a14="http://schemas.microsoft.com/office/drawing/2010/main">
-                <a:solidFill>
-                  <a:srgbClr val="FFFFFF"/>
-                </a:solidFill>
-              </a14:hiddenFill>
-            </a:ext>
-            <a:ext uri="{91240B29-F687-4F45-9708-019B960494DF}">
-              <a14:hiddenLine xmlns:a14="http://schemas.microsoft.com/office/drawing/2010/main" w="9525">
-                <a:solidFill>
-                  <a:srgbClr val="000000"/>
-                </a:solidFill>
-                <a:miter lim="800000"/>
-                <a:headEnd/>
-                <a:tailEnd/>
-              </a14:hiddenLine>
-            </a:ext>
-          </a:extLst>
-        </p:spPr>
-        <p:txBody>
-          <a:bodyPr wrap="square">
-            <a:spAutoFit/>
-          </a:bodyPr>
-          <a:lstStyle>
-            <a:lvl1pPr>
-              <a:spcBef>
-                <a:spcPct val="20000"/>
-              </a:spcBef>
-              <a:buClr>
-                <a:srgbClr val="C00000"/>
-              </a:buClr>
-              <a:buSzPct val="85000"/>
-              <a:buFont typeface="Wingdings" panose="05000000000000000000" pitchFamily="2" charset="2"/>
-              <a:buChar char="p"/>
-              <a:defRPr sz="2800">
-                <a:solidFill>
-                  <a:schemeClr val="tx1"/>
-                </a:solidFill>
-                <a:latin typeface="Arial" panose="020B0604020202020204" pitchFamily="34" charset="0"/>
-              </a:defRPr>
-            </a:lvl1pPr>
-            <a:lvl2pPr marL="742950" indent="-285750">
-              <a:spcBef>
-                <a:spcPct val="20000"/>
-              </a:spcBef>
-              <a:buClr>
-                <a:srgbClr val="C00000"/>
-              </a:buClr>
-              <a:buSzPct val="85000"/>
-              <a:buFont typeface="Wingdings" panose="05000000000000000000" pitchFamily="2" charset="2"/>
-              <a:buChar char="Ø"/>
-              <a:defRPr sz="2400">
-                <a:solidFill>
-                  <a:schemeClr val="tx1"/>
-                </a:solidFill>
-                <a:latin typeface="Arial" panose="020B0604020202020204" pitchFamily="34" charset="0"/>
-              </a:defRPr>
-            </a:lvl2pPr>
-            <a:lvl3pPr marL="1143000" indent="-228600">
-              <a:spcBef>
-                <a:spcPct val="20000"/>
-              </a:spcBef>
-              <a:buClr>
-                <a:schemeClr val="accent1"/>
-              </a:buClr>
-              <a:buSzPct val="85000"/>
-              <a:buFont typeface="Wingdings" panose="05000000000000000000" pitchFamily="2" charset="2"/>
-              <a:buChar char="n"/>
-              <a:defRPr sz="2000">
-                <a:solidFill>
-                  <a:schemeClr val="tx1"/>
-                </a:solidFill>
-                <a:latin typeface="Arial" panose="020B0604020202020204" pitchFamily="34" charset="0"/>
-              </a:defRPr>
-            </a:lvl3pPr>
-            <a:lvl4pPr marL="1600200" indent="-228600">
-              <a:spcBef>
-                <a:spcPct val="20000"/>
-              </a:spcBef>
-              <a:buClr>
-                <a:schemeClr val="bg2"/>
-              </a:buClr>
-              <a:buFont typeface="Wingdings" panose="05000000000000000000" pitchFamily="2" charset="2"/>
-              <a:buChar char="§"/>
-              <a:defRPr sz="2000">
-                <a:solidFill>
-                  <a:schemeClr val="tx1"/>
-                </a:solidFill>
-                <a:latin typeface="Arial" panose="020B0604020202020204" pitchFamily="34" charset="0"/>
-              </a:defRPr>
-            </a:lvl4pPr>
-            <a:lvl5pPr marL="2057400" indent="-228600">
-              <a:spcBef>
-                <a:spcPct val="20000"/>
-              </a:spcBef>
-              <a:buClr>
-                <a:schemeClr val="tx2"/>
-              </a:buClr>
-              <a:buSzPct val="80000"/>
-              <a:buFont typeface="Wingdings" panose="05000000000000000000" pitchFamily="2" charset="2"/>
-              <a:buChar char="§"/>
-              <a:defRPr sz="2000">
-                <a:solidFill>
-                  <a:schemeClr val="tx1"/>
-                </a:solidFill>
-                <a:latin typeface="Arial" panose="020B0604020202020204" pitchFamily="34" charset="0"/>
-              </a:defRPr>
-            </a:lvl5pPr>
-            <a:lvl6pPr marL="2514600" indent="-228600" eaLnBrk="0" fontAlgn="base" hangingPunct="0">
-              <a:spcBef>
-                <a:spcPct val="20000"/>
-              </a:spcBef>
-              <a:spcAft>
-                <a:spcPct val="0"/>
-              </a:spcAft>
-              <a:buClr>
-                <a:schemeClr val="tx2"/>
-              </a:buClr>
-              <a:buSzPct val="80000"/>
-              <a:buFont typeface="Wingdings" panose="05000000000000000000" pitchFamily="2" charset="2"/>
-              <a:buChar char="§"/>
-              <a:defRPr sz="2000">
-                <a:solidFill>
-                  <a:schemeClr val="tx1"/>
-                </a:solidFill>
-                <a:latin typeface="Arial" panose="020B0604020202020204" pitchFamily="34" charset="0"/>
-              </a:defRPr>
-            </a:lvl6pPr>
-            <a:lvl7pPr marL="2971800" indent="-228600" eaLnBrk="0" fontAlgn="base" hangingPunct="0">
-              <a:spcBef>
-                <a:spcPct val="20000"/>
-              </a:spcBef>
-              <a:spcAft>
-                <a:spcPct val="0"/>
-              </a:spcAft>
-              <a:buClr>
-                <a:schemeClr val="tx2"/>
-              </a:buClr>
-              <a:buSzPct val="80000"/>
-              <a:buFont typeface="Wingdings" panose="05000000000000000000" pitchFamily="2" charset="2"/>
-              <a:buChar char="§"/>
-              <a:defRPr sz="2000">
-                <a:solidFill>
-                  <a:schemeClr val="tx1"/>
-                </a:solidFill>
-                <a:latin typeface="Arial" panose="020B0604020202020204" pitchFamily="34" charset="0"/>
-              </a:defRPr>
-            </a:lvl7pPr>
-            <a:lvl8pPr marL="3429000" indent="-228600" eaLnBrk="0" fontAlgn="base" hangingPunct="0">
-              <a:spcBef>
-                <a:spcPct val="20000"/>
-              </a:spcBef>
-              <a:spcAft>
-                <a:spcPct val="0"/>
-              </a:spcAft>
-              <a:buClr>
-                <a:schemeClr val="tx2"/>
-              </a:buClr>
-              <a:buSzPct val="80000"/>
-              <a:buFont typeface="Wingdings" panose="05000000000000000000" pitchFamily="2" charset="2"/>
-              <a:buChar char="§"/>
-              <a:defRPr sz="2000">
-                <a:solidFill>
-                  <a:schemeClr val="tx1"/>
-                </a:solidFill>
-                <a:latin typeface="Arial" panose="020B0604020202020204" pitchFamily="34" charset="0"/>
-              </a:defRPr>
-            </a:lvl8pPr>
-            <a:lvl9pPr marL="3886200" indent="-228600" eaLnBrk="0" fontAlgn="base" hangingPunct="0">
-              <a:spcBef>
-                <a:spcPct val="20000"/>
-              </a:spcBef>
-              <a:spcAft>
-                <a:spcPct val="0"/>
-              </a:spcAft>
-              <a:buClr>
-                <a:schemeClr val="tx2"/>
-              </a:buClr>
-              <a:buSzPct val="80000"/>
-              <a:buFont typeface="Wingdings" panose="05000000000000000000" pitchFamily="2" charset="2"/>
-              <a:buChar char="§"/>
-              <a:defRPr sz="2000">
-                <a:solidFill>
-                  <a:schemeClr val="tx1"/>
-                </a:solidFill>
-                <a:latin typeface="Arial" panose="020B0604020202020204" pitchFamily="34" charset="0"/>
-              </a:defRPr>
-            </a:lvl9pPr>
-          </a:lstStyle>
-          <a:p>
-            <a:pPr>
-              <a:buNone/>
-            </a:pPr>
-            <a:r>
-              <a:rPr lang="zh-CN" altLang="en-US" b="1" dirty="0">
-                <a:solidFill>
-                  <a:srgbClr val="C00000"/>
-                </a:solidFill>
-                <a:latin typeface="微软雅黑" panose="020B0503020204020204" pitchFamily="34" charset="-122"/>
-                <a:ea typeface="微软雅黑" panose="020B0503020204020204" pitchFamily="34" charset="-122"/>
-              </a:rPr>
-              <a:t>研究内容</a:t>
-            </a:r>
-            <a:r>
-              <a:rPr lang="en-US" altLang="zh-CN" b="1" dirty="0">
-                <a:solidFill>
-                  <a:srgbClr val="C00000"/>
-                </a:solidFill>
-                <a:latin typeface="微软雅黑" panose="020B0503020204020204" pitchFamily="34" charset="-122"/>
-                <a:ea typeface="微软雅黑" panose="020B0503020204020204" pitchFamily="34" charset="-122"/>
-              </a:rPr>
-              <a:t>1</a:t>
-            </a:r>
-            <a:r>
-              <a:rPr lang="zh-CN" altLang="en-US" b="1" dirty="0">
-                <a:solidFill>
-                  <a:srgbClr val="C00000"/>
-                </a:solidFill>
-                <a:latin typeface="微软雅黑" panose="020B0503020204020204" pitchFamily="34" charset="-122"/>
-                <a:ea typeface="微软雅黑" panose="020B0503020204020204" pitchFamily="34" charset="-122"/>
-              </a:rPr>
-              <a:t>：噪声统计信息未知下的分布式非线性融合估计</a:t>
-            </a:r>
-          </a:p>
-        </p:txBody>
-      </p:sp>
-      <p:pic>
-        <p:nvPicPr>
-          <p:cNvPr id="8" name="图片 7"/>
-          <p:cNvPicPr>
-            <a:picLocks noChangeAspect="1"/>
-          </p:cNvPicPr>
-          <p:nvPr/>
-        </p:nvPicPr>
-        <p:blipFill>
-          <a:blip r:embed="rId4"/>
-          <a:stretch>
-            <a:fillRect/>
-          </a:stretch>
-        </p:blipFill>
-        <p:spPr>
-          <a:xfrm>
-            <a:off x="2639616" y="1774635"/>
-            <a:ext cx="5657850" cy="428625"/>
-          </a:xfrm>
-          <a:prstGeom prst="rect">
-            <a:avLst/>
-          </a:prstGeom>
-        </p:spPr>
-      </p:pic>
-      <p:sp>
-        <p:nvSpPr>
-          <p:cNvPr id="34" name="文本框 33"/>
-          <p:cNvSpPr txBox="1"/>
-          <p:nvPr/>
-        </p:nvSpPr>
-        <p:spPr>
-          <a:xfrm>
-            <a:off x="590952" y="4932344"/>
-            <a:ext cx="2775782" cy="400110"/>
-          </a:xfrm>
-          <a:prstGeom prst="rect">
-            <a:avLst/>
-          </a:prstGeom>
-          <a:noFill/>
-        </p:spPr>
-        <p:txBody>
-          <a:bodyPr wrap="square" rtlCol="0">
-            <a:spAutoFit/>
-          </a:bodyPr>
-          <a:lstStyle/>
-          <a:p>
-            <a:pPr marL="342900" indent="-342900">
-              <a:buFont typeface="Wingdings" panose="05000000000000000000" pitchFamily="2" charset="2"/>
-              <a:buChar char="p"/>
-            </a:pPr>
-            <a:r>
-              <a:rPr lang="zh-CN" altLang="en-US" sz="2000" b="1" dirty="0">
-                <a:solidFill>
-                  <a:srgbClr val="002060"/>
-                </a:solidFill>
-                <a:latin typeface="微软雅黑" panose="020B0503020204020204" pitchFamily="34" charset="-122"/>
-                <a:ea typeface="微软雅黑" panose="020B0503020204020204" pitchFamily="34" charset="-122"/>
-              </a:rPr>
-              <a:t>选择优化目标：</a:t>
-            </a:r>
-          </a:p>
-        </p:txBody>
-      </p:sp>
-      <p:grpSp>
-        <p:nvGrpSpPr>
-          <p:cNvPr id="41" name="组合 40"/>
-          <p:cNvGrpSpPr/>
-          <p:nvPr/>
-        </p:nvGrpSpPr>
-        <p:grpSpPr>
-          <a:xfrm>
-            <a:off x="2063552" y="5510431"/>
-            <a:ext cx="4574444" cy="798194"/>
-            <a:chOff x="767408" y="5174009"/>
-            <a:chExt cx="4574444" cy="798194"/>
-          </a:xfrm>
-        </p:grpSpPr>
-        <p:pic>
-          <p:nvPicPr>
-            <p:cNvPr id="35" name="图片 34"/>
-            <p:cNvPicPr>
-              <a:picLocks noChangeAspect="1"/>
-            </p:cNvPicPr>
-            <p:nvPr/>
-          </p:nvPicPr>
-          <p:blipFill>
-            <a:blip r:embed="rId5"/>
-            <a:stretch>
-              <a:fillRect/>
-            </a:stretch>
-          </p:blipFill>
-          <p:spPr>
-            <a:xfrm>
-              <a:off x="767408" y="5191153"/>
-              <a:ext cx="4524375" cy="781050"/>
-            </a:xfrm>
-            <a:prstGeom prst="rect">
-              <a:avLst/>
-            </a:prstGeom>
-          </p:spPr>
-        </p:pic>
-        <p:sp>
-          <p:nvSpPr>
-            <p:cNvPr id="37" name="矩形 36"/>
-            <p:cNvSpPr/>
-            <p:nvPr/>
-          </p:nvSpPr>
-          <p:spPr bwMode="auto">
-            <a:xfrm>
-              <a:off x="4299885" y="5551281"/>
-              <a:ext cx="1041967" cy="404100"/>
-            </a:xfrm>
-            <a:prstGeom prst="rect">
-              <a:avLst/>
-            </a:prstGeom>
-            <a:noFill/>
-            <a:ln w="19050" cap="flat" cmpd="sng" algn="ctr">
-              <a:solidFill>
-                <a:srgbClr val="C00000"/>
-              </a:solidFill>
-              <a:prstDash val="solid"/>
-              <a:round/>
-              <a:headEnd type="none" w="med" len="med"/>
-              <a:tailEnd type="none" w="med" len="med"/>
-            </a:ln>
-            <a:effectLst/>
-          </p:spPr>
-          <p:txBody>
-            <a:bodyPr vert="horz" wrap="square" lIns="91440" tIns="45720" rIns="91440" bIns="45720" numCol="1" rtlCol="0" anchor="t" anchorCtr="0" compatLnSpc="1"/>
-            <a:lstStyle/>
-            <a:p>
-              <a:pPr marL="0" marR="0" indent="0" algn="l" defTabSz="914400" rtl="0" eaLnBrk="0" fontAlgn="base" latinLnBrk="0" hangingPunct="0">
-                <a:lnSpc>
-                  <a:spcPct val="100000"/>
-                </a:lnSpc>
-                <a:spcBef>
-                  <a:spcPct val="0"/>
-                </a:spcBef>
-                <a:spcAft>
-                  <a:spcPct val="0"/>
-                </a:spcAft>
-                <a:buClrTx/>
-                <a:buSzTx/>
-                <a:buFontTx/>
-                <a:buNone/>
-              </a:pPr>
-              <a:endParaRPr kumimoji="0" lang="zh-CN" altLang="en-US" sz="1800" b="0" i="0" u="none" strike="noStrike" cap="none" normalizeH="0" baseline="0">
-                <a:ln>
-                  <a:noFill/>
-                </a:ln>
-                <a:solidFill>
-                  <a:schemeClr val="tx1"/>
-                </a:solidFill>
-                <a:effectLst/>
-                <a:latin typeface="Arial" panose="020B0604020202020204" pitchFamily="34" charset="0"/>
-              </a:endParaRPr>
-            </a:p>
-          </p:txBody>
-        </p:sp>
-        <p:sp>
-          <p:nvSpPr>
-            <p:cNvPr id="40" name="文本框 39"/>
-            <p:cNvSpPr txBox="1"/>
-            <p:nvPr/>
-          </p:nvSpPr>
-          <p:spPr>
-            <a:xfrm>
-              <a:off x="4445518" y="5174009"/>
-              <a:ext cx="690431" cy="400110"/>
-            </a:xfrm>
-            <a:prstGeom prst="rect">
-              <a:avLst/>
-            </a:prstGeom>
-            <a:noFill/>
-          </p:spPr>
-          <p:txBody>
-            <a:bodyPr wrap="square" rtlCol="0">
-              <a:spAutoFit/>
-            </a:bodyPr>
-            <a:lstStyle/>
-            <a:p>
-              <a:r>
-                <a:rPr lang="en-US" altLang="zh-CN" sz="2000" b="1" dirty="0">
-                  <a:solidFill>
-                    <a:srgbClr val="C00000"/>
-                  </a:solidFill>
-                  <a:latin typeface="Times New Roman" panose="02020603050405020304" pitchFamily="18" charset="0"/>
-                  <a:ea typeface="微软雅黑" panose="020B0503020204020204" pitchFamily="34" charset="-122"/>
-                  <a:cs typeface="Times New Roman" panose="02020603050405020304" pitchFamily="18" charset="0"/>
-                </a:rPr>
-                <a:t>min</a:t>
-              </a:r>
-              <a:endParaRPr lang="zh-CN" altLang="en-US" sz="2000" b="1" dirty="0">
-                <a:solidFill>
-                  <a:srgbClr val="C00000"/>
-                </a:solidFill>
-                <a:latin typeface="Times New Roman" panose="02020603050405020304" pitchFamily="18" charset="0"/>
-                <a:ea typeface="微软雅黑" panose="020B0503020204020204" pitchFamily="34" charset="-122"/>
-                <a:cs typeface="Times New Roman" panose="02020603050405020304" pitchFamily="18" charset="0"/>
-              </a:endParaRPr>
-            </a:p>
-          </p:txBody>
-        </p:sp>
-      </p:grpSp>
-      <p:sp>
-        <p:nvSpPr>
-          <p:cNvPr id="46" name="文本框 45"/>
-          <p:cNvSpPr txBox="1"/>
-          <p:nvPr/>
-        </p:nvSpPr>
-        <p:spPr>
-          <a:xfrm>
-            <a:off x="6924353" y="5862876"/>
-            <a:ext cx="2683666" cy="369332"/>
-          </a:xfrm>
-          <a:prstGeom prst="rect">
-            <a:avLst/>
-          </a:prstGeom>
-          <a:noFill/>
-        </p:spPr>
-        <p:txBody>
-          <a:bodyPr wrap="square" rtlCol="0">
-            <a:spAutoFit/>
-          </a:bodyPr>
-          <a:lstStyle/>
-          <a:p>
-            <a:r>
-              <a:rPr lang="zh-CN" altLang="en-US" b="1" dirty="0">
-                <a:solidFill>
-                  <a:srgbClr val="C00000"/>
-                </a:solidFill>
-                <a:latin typeface="微软雅黑" panose="020B0503020204020204" pitchFamily="34" charset="-122"/>
-                <a:ea typeface="微软雅黑" panose="020B0503020204020204" pitchFamily="34" charset="-122"/>
-              </a:rPr>
-              <a:t>最小化</a:t>
-            </a:r>
-            <a:r>
-              <a:rPr lang="zh-CN" altLang="en-US" b="1" dirty="0">
-                <a:solidFill>
-                  <a:srgbClr val="002060"/>
-                </a:solidFill>
-                <a:latin typeface="微软雅黑" panose="020B0503020204020204" pitchFamily="34" charset="-122"/>
-                <a:ea typeface="微软雅黑" panose="020B0503020204020204" pitchFamily="34" charset="-122"/>
-              </a:rPr>
-              <a:t>估计误差上界</a:t>
-            </a:r>
-          </a:p>
-        </p:txBody>
-      </p:sp>
-      <p:sp>
-        <p:nvSpPr>
-          <p:cNvPr id="51" name="矩形 50"/>
-          <p:cNvSpPr/>
-          <p:nvPr/>
-        </p:nvSpPr>
-        <p:spPr bwMode="auto">
-          <a:xfrm>
-            <a:off x="703386" y="1668869"/>
-            <a:ext cx="10649198" cy="3118764"/>
-          </a:xfrm>
-          <a:prstGeom prst="rect">
-            <a:avLst/>
-          </a:prstGeom>
-          <a:noFill/>
-          <a:ln w="19050" cap="flat" cmpd="sng" algn="ctr">
-            <a:solidFill>
-              <a:srgbClr val="002060"/>
-            </a:solidFill>
-            <a:prstDash val="sysDash"/>
-            <a:round/>
-            <a:headEnd type="none" w="med" len="med"/>
-            <a:tailEnd type="none" w="med" len="med"/>
-          </a:ln>
-          <a:effectLst/>
-        </p:spPr>
-        <p:txBody>
-          <a:bodyPr vert="horz" wrap="square" lIns="91440" tIns="45720" rIns="91440" bIns="45720" numCol="1" rtlCol="0" anchor="t" anchorCtr="0" compatLnSpc="1"/>
-          <a:lstStyle/>
-          <a:p>
-            <a:pPr marL="0" marR="0" indent="0" algn="l" defTabSz="914400" rtl="0" eaLnBrk="0" fontAlgn="base" latinLnBrk="0" hangingPunct="0">
-              <a:lnSpc>
-                <a:spcPct val="100000"/>
-              </a:lnSpc>
-              <a:spcBef>
-                <a:spcPct val="0"/>
-              </a:spcBef>
-              <a:spcAft>
-                <a:spcPct val="0"/>
-              </a:spcAft>
-              <a:buClrTx/>
-              <a:buSzTx/>
-              <a:buFontTx/>
-              <a:buNone/>
-            </a:pPr>
-            <a:endParaRPr kumimoji="0" lang="zh-CN" altLang="en-US" sz="1800" b="0" i="0" u="none" strike="noStrike" cap="none" normalizeH="0" baseline="0">
-              <a:ln>
-                <a:noFill/>
-              </a:ln>
-              <a:solidFill>
-                <a:schemeClr val="tx1"/>
-              </a:solidFill>
-              <a:effectLst/>
-              <a:latin typeface="Arial" panose="020B0604020202020204" pitchFamily="34" charset="0"/>
-            </a:endParaRPr>
-          </a:p>
-        </p:txBody>
-      </p:sp>
-      <p:sp>
-        <p:nvSpPr>
-          <p:cNvPr id="52" name="矩形 51"/>
-          <p:cNvSpPr/>
-          <p:nvPr/>
-        </p:nvSpPr>
-        <p:spPr bwMode="auto">
-          <a:xfrm>
-            <a:off x="699002" y="5348952"/>
-            <a:ext cx="10653582" cy="1104384"/>
-          </a:xfrm>
-          <a:prstGeom prst="rect">
-            <a:avLst/>
-          </a:prstGeom>
-          <a:noFill/>
-          <a:ln w="19050" cap="flat" cmpd="sng" algn="ctr">
-            <a:solidFill>
-              <a:srgbClr val="002060"/>
-            </a:solidFill>
-            <a:prstDash val="sysDash"/>
-            <a:round/>
-            <a:headEnd type="none" w="med" len="med"/>
-            <a:tailEnd type="none" w="med" len="med"/>
-          </a:ln>
-          <a:effectLst/>
-        </p:spPr>
-        <p:txBody>
-          <a:bodyPr vert="horz" wrap="square" lIns="91440" tIns="45720" rIns="91440" bIns="45720" numCol="1" rtlCol="0" anchor="t" anchorCtr="0" compatLnSpc="1"/>
-          <a:lstStyle/>
-          <a:p>
-            <a:pPr marL="0" marR="0" indent="0" algn="l" defTabSz="914400" rtl="0" eaLnBrk="0" fontAlgn="base" latinLnBrk="0" hangingPunct="0">
-              <a:lnSpc>
-                <a:spcPct val="100000"/>
-              </a:lnSpc>
-              <a:spcBef>
-                <a:spcPct val="0"/>
-              </a:spcBef>
-              <a:spcAft>
-                <a:spcPct val="0"/>
-              </a:spcAft>
-              <a:buClrTx/>
-              <a:buSzTx/>
-              <a:buFontTx/>
-              <a:buNone/>
-            </a:pPr>
-            <a:endParaRPr kumimoji="0" lang="zh-CN" altLang="en-US" sz="1800" b="0" i="0" u="none" strike="noStrike" cap="none" normalizeH="0" baseline="0">
-              <a:ln>
-                <a:noFill/>
-              </a:ln>
-              <a:solidFill>
-                <a:schemeClr val="tx1"/>
-              </a:solidFill>
-              <a:effectLst/>
-              <a:latin typeface="Arial" panose="020B0604020202020204" pitchFamily="34" charset="0"/>
-            </a:endParaRPr>
-          </a:p>
-        </p:txBody>
-      </p:sp>
-      <p:pic>
-        <p:nvPicPr>
-          <p:cNvPr id="54" name="图片 53"/>
-          <p:cNvPicPr>
-            <a:picLocks noChangeAspect="1"/>
-          </p:cNvPicPr>
-          <p:nvPr/>
-        </p:nvPicPr>
-        <p:blipFill>
-          <a:blip r:embed="rId6"/>
-          <a:stretch>
-            <a:fillRect/>
-          </a:stretch>
-        </p:blipFill>
-        <p:spPr>
-          <a:xfrm>
-            <a:off x="3569260" y="2301084"/>
-            <a:ext cx="3070789" cy="1658226"/>
-          </a:xfrm>
-          <a:prstGeom prst="rect">
-            <a:avLst/>
-          </a:prstGeom>
-        </p:spPr>
-      </p:pic>
-      <p:sp>
-        <p:nvSpPr>
-          <p:cNvPr id="55" name="箭头: 左弧形 54"/>
-          <p:cNvSpPr/>
-          <p:nvPr/>
-        </p:nvSpPr>
-        <p:spPr bwMode="auto">
-          <a:xfrm rot="20682646">
-            <a:off x="2556149" y="2410637"/>
-            <a:ext cx="641034" cy="1133408"/>
-          </a:xfrm>
-          <a:prstGeom prst="curvedRightArrow">
-            <a:avLst/>
-          </a:prstGeom>
-          <a:solidFill>
-            <a:schemeClr val="bg1">
-              <a:lumMod val="85000"/>
-            </a:schemeClr>
-          </a:solidFill>
-          <a:ln w="9525" cap="flat" cmpd="sng" algn="ctr">
-            <a:solidFill>
-              <a:schemeClr val="tx1"/>
-            </a:solidFill>
-            <a:prstDash val="solid"/>
-            <a:round/>
-            <a:headEnd type="none" w="med" len="med"/>
-            <a:tailEnd type="none" w="med" len="med"/>
-          </a:ln>
-          <a:effectLst/>
-        </p:spPr>
-        <p:txBody>
-          <a:bodyPr vert="horz" wrap="square" lIns="91440" tIns="45720" rIns="91440" bIns="45720" numCol="1" rtlCol="0" anchor="t" anchorCtr="0" compatLnSpc="1"/>
-          <a:lstStyle/>
-          <a:p>
-            <a:pPr marL="0" marR="0" indent="0" algn="l" defTabSz="914400" rtl="0" eaLnBrk="0" fontAlgn="base" latinLnBrk="0" hangingPunct="0">
-              <a:lnSpc>
-                <a:spcPct val="100000"/>
-              </a:lnSpc>
-              <a:spcBef>
-                <a:spcPct val="0"/>
-              </a:spcBef>
-              <a:spcAft>
-                <a:spcPct val="0"/>
-              </a:spcAft>
-              <a:buClrTx/>
-              <a:buSzTx/>
-              <a:buFontTx/>
-              <a:buNone/>
-            </a:pPr>
-            <a:endParaRPr kumimoji="0" lang="zh-CN" altLang="en-US" sz="1800" b="0" i="0" u="none" strike="noStrike" cap="none" normalizeH="0" baseline="0">
-              <a:ln>
-                <a:noFill/>
-              </a:ln>
-              <a:solidFill>
-                <a:schemeClr val="tx1"/>
-              </a:solidFill>
-              <a:effectLst/>
-              <a:latin typeface="Arial" panose="020B0604020202020204" pitchFamily="34" charset="0"/>
-            </a:endParaRPr>
-          </a:p>
-        </p:txBody>
-      </p:sp>
-      <p:sp>
-        <p:nvSpPr>
-          <p:cNvPr id="57" name="文本框 56"/>
-          <p:cNvSpPr txBox="1"/>
-          <p:nvPr/>
-        </p:nvSpPr>
-        <p:spPr>
-          <a:xfrm>
-            <a:off x="6989189" y="2555434"/>
-            <a:ext cx="2813847" cy="923330"/>
-          </a:xfrm>
-          <a:prstGeom prst="rect">
-            <a:avLst/>
-          </a:prstGeom>
-          <a:noFill/>
-        </p:spPr>
-        <p:txBody>
-          <a:bodyPr wrap="square" rtlCol="0">
-            <a:spAutoFit/>
-          </a:bodyPr>
-          <a:lstStyle/>
-          <a:p>
-            <a:pPr algn="just"/>
-            <a:r>
-              <a:rPr lang="zh-CN" altLang="en-US" b="1" dirty="0">
-                <a:solidFill>
-                  <a:srgbClr val="002060"/>
-                </a:solidFill>
-                <a:latin typeface="微软雅黑" panose="020B0503020204020204" pitchFamily="34" charset="-122"/>
-                <a:ea typeface="微软雅黑" panose="020B0503020204020204" pitchFamily="34" charset="-122"/>
-              </a:rPr>
-              <a:t>采用</a:t>
-            </a:r>
-            <a:r>
-              <a:rPr lang="en-US" altLang="zh-CN" b="1" dirty="0">
-                <a:solidFill>
-                  <a:srgbClr val="C00000"/>
-                </a:solidFill>
-                <a:latin typeface="微软雅黑" panose="020B0503020204020204" pitchFamily="34" charset="-122"/>
-                <a:ea typeface="微软雅黑" panose="020B0503020204020204" pitchFamily="34" charset="-122"/>
-              </a:rPr>
-              <a:t>Schur</a:t>
-            </a:r>
-            <a:r>
-              <a:rPr lang="zh-CN" altLang="en-US" b="1" dirty="0">
-                <a:solidFill>
-                  <a:srgbClr val="C00000"/>
-                </a:solidFill>
-                <a:latin typeface="微软雅黑" panose="020B0503020204020204" pitchFamily="34" charset="-122"/>
-                <a:ea typeface="微软雅黑" panose="020B0503020204020204" pitchFamily="34" charset="-122"/>
-              </a:rPr>
-              <a:t>补引理</a:t>
-            </a:r>
-            <a:r>
-              <a:rPr lang="zh-CN" altLang="en-US" b="1" dirty="0">
-                <a:solidFill>
-                  <a:srgbClr val="002060"/>
-                </a:solidFill>
-                <a:latin typeface="微软雅黑" panose="020B0503020204020204" pitchFamily="34" charset="-122"/>
-                <a:ea typeface="微软雅黑" panose="020B0503020204020204" pitchFamily="34" charset="-122"/>
-              </a:rPr>
-              <a:t>等矩阵理论知识导出估计</a:t>
-            </a:r>
-            <a:r>
-              <a:rPr lang="zh-CN" altLang="en-US" b="1" dirty="0">
-                <a:solidFill>
-                  <a:srgbClr val="C00000"/>
-                </a:solidFill>
-                <a:latin typeface="微软雅黑" panose="020B0503020204020204" pitchFamily="34" charset="-122"/>
-                <a:ea typeface="微软雅黑" panose="020B0503020204020204" pitchFamily="34" charset="-122"/>
-              </a:rPr>
-              <a:t>平方误差渐近有界</a:t>
-            </a:r>
-            <a:r>
-              <a:rPr lang="zh-CN" altLang="en-US" b="1" dirty="0">
-                <a:solidFill>
-                  <a:srgbClr val="002060"/>
-                </a:solidFill>
-                <a:latin typeface="微软雅黑" panose="020B0503020204020204" pitchFamily="34" charset="-122"/>
-                <a:ea typeface="微软雅黑" panose="020B0503020204020204" pitchFamily="34" charset="-122"/>
-              </a:rPr>
-              <a:t>的不等式约束</a:t>
-            </a:r>
-          </a:p>
-        </p:txBody>
-      </p:sp>
-      <p:pic>
-        <p:nvPicPr>
-          <p:cNvPr id="58" name="图片 57"/>
-          <p:cNvPicPr>
-            <a:picLocks noChangeAspect="1"/>
-          </p:cNvPicPr>
-          <p:nvPr/>
-        </p:nvPicPr>
-        <p:blipFill>
-          <a:blip r:embed="rId7"/>
-          <a:stretch>
-            <a:fillRect/>
-          </a:stretch>
-        </p:blipFill>
-        <p:spPr>
-          <a:xfrm>
-            <a:off x="3424155" y="4149080"/>
-            <a:ext cx="3823973" cy="529045"/>
-          </a:xfrm>
-          <a:prstGeom prst="rect">
-            <a:avLst/>
-          </a:prstGeom>
-        </p:spPr>
-      </p:pic>
-      <p:sp>
-        <p:nvSpPr>
-          <p:cNvPr id="59" name="箭头: 右 58"/>
-          <p:cNvSpPr/>
-          <p:nvPr/>
-        </p:nvSpPr>
-        <p:spPr bwMode="auto">
-          <a:xfrm>
-            <a:off x="2743781" y="4225212"/>
-            <a:ext cx="648072" cy="361645"/>
-          </a:xfrm>
-          <a:prstGeom prst="rightArrow">
-            <a:avLst/>
-          </a:prstGeom>
-          <a:solidFill>
-            <a:schemeClr val="accent1"/>
-          </a:solidFill>
-          <a:ln w="9525" cap="flat" cmpd="sng" algn="ctr">
-            <a:solidFill>
-              <a:schemeClr val="tx1"/>
-            </a:solidFill>
-            <a:prstDash val="solid"/>
-            <a:round/>
-            <a:headEnd type="none" w="med" len="med"/>
-            <a:tailEnd type="none" w="med" len="med"/>
-          </a:ln>
-          <a:effectLst/>
-        </p:spPr>
-        <p:txBody>
-          <a:bodyPr vert="horz" wrap="square" lIns="91440" tIns="45720" rIns="91440" bIns="45720" numCol="1" rtlCol="0" anchor="t" anchorCtr="0" compatLnSpc="1"/>
-          <a:lstStyle/>
-          <a:p>
-            <a:pPr marL="0" marR="0" indent="0" algn="l" defTabSz="914400" rtl="0" eaLnBrk="0" fontAlgn="base" latinLnBrk="0" hangingPunct="0">
-              <a:lnSpc>
-                <a:spcPct val="100000"/>
-              </a:lnSpc>
-              <a:spcBef>
-                <a:spcPct val="0"/>
-              </a:spcBef>
-              <a:spcAft>
-                <a:spcPct val="0"/>
-              </a:spcAft>
-              <a:buClrTx/>
-              <a:buSzTx/>
-              <a:buFontTx/>
-              <a:buNone/>
-            </a:pPr>
-            <a:endParaRPr kumimoji="0" lang="zh-CN" altLang="en-US" sz="1800" b="0" i="0" u="none" strike="noStrike" cap="none" normalizeH="0" baseline="0">
-              <a:ln>
-                <a:noFill/>
-              </a:ln>
-              <a:solidFill>
-                <a:schemeClr val="tx1"/>
-              </a:solidFill>
-              <a:effectLst/>
-              <a:latin typeface="Arial" panose="020B0604020202020204" pitchFamily="34" charset="0"/>
-            </a:endParaRPr>
-          </a:p>
-        </p:txBody>
-      </p:sp>
-      <p:sp>
-        <p:nvSpPr>
-          <p:cNvPr id="2" name="矩形 1"/>
-          <p:cNvSpPr/>
-          <p:nvPr/>
-        </p:nvSpPr>
-        <p:spPr bwMode="auto">
-          <a:xfrm>
-            <a:off x="3325273" y="2219757"/>
-            <a:ext cx="3449346" cy="1819815"/>
-          </a:xfrm>
-          <a:prstGeom prst="rect">
-            <a:avLst/>
-          </a:prstGeom>
-          <a:noFill/>
-          <a:ln w="19050" cap="flat" cmpd="sng" algn="ctr">
-            <a:solidFill>
-              <a:srgbClr val="C00000"/>
-            </a:solidFill>
-            <a:prstDash val="sysDash"/>
-            <a:round/>
-            <a:headEnd type="none" w="med" len="med"/>
-            <a:tailEnd type="none" w="med" len="med"/>
-          </a:ln>
-          <a:effectLst/>
-        </p:spPr>
-        <p:txBody>
-          <a:bodyPr vert="horz" wrap="square" lIns="91440" tIns="45720" rIns="91440" bIns="45720" numCol="1" rtlCol="0" anchor="t" anchorCtr="0" compatLnSpc="1"/>
-          <a:lstStyle/>
-          <a:p>
-            <a:pPr marL="0" marR="0" indent="0" algn="l" defTabSz="914400" rtl="0" eaLnBrk="0" fontAlgn="base" latinLnBrk="0" hangingPunct="0">
-              <a:lnSpc>
-                <a:spcPct val="100000"/>
-              </a:lnSpc>
-              <a:spcBef>
-                <a:spcPct val="0"/>
-              </a:spcBef>
-              <a:spcAft>
-                <a:spcPct val="0"/>
-              </a:spcAft>
-              <a:buClrTx/>
-              <a:buSzTx/>
-              <a:buFontTx/>
-              <a:buNone/>
-            </a:pPr>
-            <a:endParaRPr kumimoji="0" lang="zh-CN" altLang="en-US" sz="1800" b="0" i="0" u="none" strike="noStrike" cap="none" normalizeH="0" baseline="0">
-              <a:ln>
-                <a:noFill/>
-              </a:ln>
-              <a:solidFill>
-                <a:schemeClr val="tx1"/>
-              </a:solidFill>
-              <a:effectLst/>
-              <a:latin typeface="Arial" panose="020B0604020202020204" pitchFamily="34" charset="0"/>
-            </a:endParaRPr>
-          </a:p>
-        </p:txBody>
-      </p:sp>
-    </p:spTree>
-  </p:cSld>
-  <p:clrMapOvr>
-    <a:masterClrMapping/>
-  </p:clrMapOvr>
-  <mc:AlternateContent xmlns:mc="http://schemas.openxmlformats.org/markup-compatibility/2006" xmlns:p14="http://schemas.microsoft.com/office/powerpoint/2010/main">
-    <mc:Choice Requires="p14">
-      <p:transition p14:dur="200" advTm="73018">
-        <p:fade/>
-      </p:transition>
-    </mc:Choice>
-    <mc:Fallback xmlns="">
-      <p:transition advTm="73018">
-        <p:fade/>
-      </p:transition>
-    </mc:Fallback>
-  </mc:AlternateContent>
-</p:sld>
-</file>
-
-<file path=ppt/slides/slide13.xml><?xml version="1.0" encoding="utf-8"?>
-<p:sld xmlns:a="http://schemas.openxmlformats.org/drawingml/2006/main" xmlns:r="http://schemas.openxmlformats.org/officeDocument/2006/relationships" xmlns:p="http://schemas.openxmlformats.org/presentationml/2006/main">
-  <p:cSld>
-    <p:spTree>
-      <p:nvGrpSpPr>
-        <p:cNvPr id="1" name=""/>
-        <p:cNvGrpSpPr/>
-        <p:nvPr/>
-      </p:nvGrpSpPr>
-      <p:grpSpPr>
-        <a:xfrm>
-          <a:off x="0" y="0"/>
-          <a:ext cx="0" cy="0"/>
-          <a:chOff x="0" y="0"/>
-          <a:chExt cx="0" cy="0"/>
-        </a:xfrm>
-      </p:grpSpPr>
-      <p:sp>
-        <p:nvSpPr>
-          <p:cNvPr id="25" name="Rectangle 4"/>
-          <p:cNvSpPr>
-            <a:spLocks noChangeArrowheads="1"/>
-          </p:cNvSpPr>
-          <p:nvPr/>
-        </p:nvSpPr>
-        <p:spPr bwMode="auto">
-          <a:xfrm>
-            <a:off x="1524015" y="-184667"/>
-            <a:ext cx="184731" cy="369332"/>
-          </a:xfrm>
-          <a:prstGeom prst="rect">
-            <a:avLst/>
-          </a:prstGeom>
-          <a:noFill/>
-          <a:ln>
-            <a:noFill/>
-          </a:ln>
-          <a:effectLst/>
-          <a:extLst>
-            <a:ext uri="{909E8E84-426E-40DD-AFC4-6F175D3DCCD1}">
-              <a14:hiddenFill xmlns:a14="http://schemas.microsoft.com/office/drawing/2010/main">
-                <a:solidFill>
-                  <a:schemeClr val="accent1"/>
-                </a:solidFill>
-              </a14:hiddenFill>
-            </a:ext>
-            <a:ext uri="{91240B29-F687-4F45-9708-019B960494DF}">
-              <a14:hiddenLine xmlns:a14="http://schemas.microsoft.com/office/drawing/2010/main" w="9525">
-                <a:solidFill>
-                  <a:schemeClr val="tx1"/>
-                </a:solidFill>
-                <a:miter lim="800000"/>
-                <a:headEnd/>
-                <a:tailEnd/>
-              </a14:hiddenLine>
-            </a:ext>
-            <a:ext uri="{AF507438-7753-43E0-B8FC-AC1667EBCBE1}">
-              <a14:hiddenEffects xmlns:a14="http://schemas.microsoft.com/office/drawing/2010/main">
-                <a:effectLst>
-                  <a:outerShdw dist="35921" dir="2700000" algn="ctr" rotWithShape="0">
-                    <a:schemeClr val="bg2"/>
-                  </a:outerShdw>
-                </a:effectLst>
-              </a14:hiddenEffects>
-            </a:ext>
-          </a:extLst>
-        </p:spPr>
-        <p:txBody>
-          <a:bodyPr vert="horz" wrap="none" lIns="91440" tIns="45720" rIns="91440" bIns="45720" numCol="1" anchor="ctr" anchorCtr="0" compatLnSpc="1">
-            <a:spAutoFit/>
-          </a:bodyPr>
-          <a:lstStyle/>
-          <a:p>
-            <a:endParaRPr lang="zh-CN" altLang="en-US">
-              <a:solidFill>
-                <a:srgbClr val="000000"/>
-              </a:solidFill>
-            </a:endParaRPr>
-          </a:p>
-        </p:txBody>
-      </p:sp>
-      <p:sp>
-        <p:nvSpPr>
-          <p:cNvPr id="27" name="Rectangle 6"/>
-          <p:cNvSpPr>
-            <a:spLocks noChangeArrowheads="1"/>
-          </p:cNvSpPr>
-          <p:nvPr/>
-        </p:nvSpPr>
-        <p:spPr bwMode="auto">
-          <a:xfrm>
-            <a:off x="1524015" y="-184667"/>
-            <a:ext cx="184731" cy="369332"/>
-          </a:xfrm>
-          <a:prstGeom prst="rect">
-            <a:avLst/>
-          </a:prstGeom>
-          <a:noFill/>
-          <a:ln>
-            <a:noFill/>
-          </a:ln>
-          <a:effectLst/>
-          <a:extLst>
-            <a:ext uri="{909E8E84-426E-40DD-AFC4-6F175D3DCCD1}">
-              <a14:hiddenFill xmlns:a14="http://schemas.microsoft.com/office/drawing/2010/main">
-                <a:solidFill>
-                  <a:schemeClr val="accent1"/>
-                </a:solidFill>
-              </a14:hiddenFill>
-            </a:ext>
-            <a:ext uri="{91240B29-F687-4F45-9708-019B960494DF}">
-              <a14:hiddenLine xmlns:a14="http://schemas.microsoft.com/office/drawing/2010/main" w="9525">
-                <a:solidFill>
-                  <a:schemeClr val="tx1"/>
-                </a:solidFill>
-                <a:miter lim="800000"/>
-                <a:headEnd/>
-                <a:tailEnd/>
-              </a14:hiddenLine>
-            </a:ext>
-            <a:ext uri="{AF507438-7753-43E0-B8FC-AC1667EBCBE1}">
-              <a14:hiddenEffects xmlns:a14="http://schemas.microsoft.com/office/drawing/2010/main">
-                <a:effectLst>
-                  <a:outerShdw dist="35921" dir="2700000" algn="ctr" rotWithShape="0">
-                    <a:schemeClr val="bg2"/>
-                  </a:outerShdw>
-                </a:effectLst>
-              </a14:hiddenEffects>
-            </a:ext>
-          </a:extLst>
-        </p:spPr>
-        <p:txBody>
-          <a:bodyPr vert="horz" wrap="none" lIns="91440" tIns="45720" rIns="91440" bIns="45720" numCol="1" anchor="ctr" anchorCtr="0" compatLnSpc="1">
-            <a:spAutoFit/>
-          </a:bodyPr>
-          <a:lstStyle/>
-          <a:p>
-            <a:endParaRPr lang="zh-CN" altLang="en-US">
-              <a:solidFill>
-                <a:srgbClr val="000000"/>
-              </a:solidFill>
-            </a:endParaRPr>
-          </a:p>
-        </p:txBody>
-      </p:sp>
-      <p:sp>
-        <p:nvSpPr>
-          <p:cNvPr id="5" name="Rectangle 4"/>
-          <p:cNvSpPr>
-            <a:spLocks noChangeArrowheads="1"/>
-          </p:cNvSpPr>
-          <p:nvPr/>
-        </p:nvSpPr>
-        <p:spPr bwMode="auto">
-          <a:xfrm>
-            <a:off x="1524015" y="43935"/>
-            <a:ext cx="184731" cy="369332"/>
-          </a:xfrm>
-          <a:prstGeom prst="rect">
-            <a:avLst/>
-          </a:prstGeom>
-          <a:noFill/>
-          <a:ln>
-            <a:noFill/>
-          </a:ln>
-          <a:effectLst/>
-          <a:extLst>
-            <a:ext uri="{909E8E84-426E-40DD-AFC4-6F175D3DCCD1}">
-              <a14:hiddenFill xmlns:a14="http://schemas.microsoft.com/office/drawing/2010/main">
-                <a:solidFill>
-                  <a:schemeClr val="accent1"/>
-                </a:solidFill>
-              </a14:hiddenFill>
-            </a:ext>
-            <a:ext uri="{91240B29-F687-4F45-9708-019B960494DF}">
-              <a14:hiddenLine xmlns:a14="http://schemas.microsoft.com/office/drawing/2010/main" w="9525">
-                <a:solidFill>
-                  <a:schemeClr val="tx1"/>
-                </a:solidFill>
-                <a:miter lim="800000"/>
-                <a:headEnd/>
-                <a:tailEnd/>
-              </a14:hiddenLine>
-            </a:ext>
-            <a:ext uri="{AF507438-7753-43E0-B8FC-AC1667EBCBE1}">
-              <a14:hiddenEffects xmlns:a14="http://schemas.microsoft.com/office/drawing/2010/main">
-                <a:effectLst>
-                  <a:outerShdw dist="35921" dir="2700000" algn="ctr" rotWithShape="0">
-                    <a:schemeClr val="bg2"/>
-                  </a:outerShdw>
-                </a:effectLst>
-              </a14:hiddenEffects>
-            </a:ext>
-          </a:extLst>
-        </p:spPr>
-        <p:txBody>
-          <a:bodyPr vert="horz" wrap="none" lIns="91440" tIns="45720" rIns="91440" bIns="45720" numCol="1" anchor="ctr" anchorCtr="0" compatLnSpc="1">
-            <a:spAutoFit/>
-          </a:bodyPr>
-          <a:lstStyle/>
-          <a:p>
-            <a:endParaRPr lang="zh-CN" altLang="en-US">
-              <a:solidFill>
-                <a:srgbClr val="000000"/>
-              </a:solidFill>
-            </a:endParaRPr>
-          </a:p>
-        </p:txBody>
-      </p:sp>
-      <p:pic>
-        <p:nvPicPr>
-          <p:cNvPr id="39" name="图片 3"/>
-          <p:cNvPicPr>
-            <a:picLocks noChangeAspect="1"/>
-          </p:cNvPicPr>
-          <p:nvPr/>
-        </p:nvPicPr>
-        <p:blipFill>
-          <a:blip r:embed="rId3">
-            <a:extLst>
-              <a:ext uri="{28A0092B-C50C-407E-A947-70E740481C1C}">
-                <a14:useLocalDpi xmlns:a14="http://schemas.microsoft.com/office/drawing/2010/main" val="0"/>
-              </a:ext>
-            </a:extLst>
-          </a:blip>
-          <a:srcRect l="8087" t="26936" r="9251" b="25975"/>
-          <a:stretch>
-            <a:fillRect/>
-          </a:stretch>
-        </p:blipFill>
-        <p:spPr bwMode="auto">
-          <a:xfrm>
-            <a:off x="9757812" y="80964"/>
-            <a:ext cx="2398712" cy="827087"/>
-          </a:xfrm>
-          <a:prstGeom prst="rect">
-            <a:avLst/>
-          </a:prstGeom>
-          <a:noFill/>
-          <a:ln>
-            <a:noFill/>
-          </a:ln>
-          <a:extLst>
-            <a:ext uri="{909E8E84-426E-40DD-AFC4-6F175D3DCCD1}">
-              <a14:hiddenFill xmlns:a14="http://schemas.microsoft.com/office/drawing/2010/main">
-                <a:solidFill>
-                  <a:srgbClr val="FFFFFF"/>
-                </a:solidFill>
-              </a14:hiddenFill>
-            </a:ext>
-            <a:ext uri="{91240B29-F687-4F45-9708-019B960494DF}">
-              <a14:hiddenLine xmlns:a14="http://schemas.microsoft.com/office/drawing/2010/main" w="9525">
-                <a:solidFill>
-                  <a:srgbClr val="000000"/>
-                </a:solidFill>
-                <a:miter lim="800000"/>
-                <a:headEnd/>
-                <a:tailEnd/>
-              </a14:hiddenLine>
-            </a:ext>
-          </a:extLst>
-        </p:spPr>
-      </p:pic>
-      <p:sp>
-        <p:nvSpPr>
-          <p:cNvPr id="10" name="Rectangle 2"/>
-          <p:cNvSpPr>
-            <a:spLocks noChangeArrowheads="1"/>
-          </p:cNvSpPr>
-          <p:nvPr/>
-        </p:nvSpPr>
-        <p:spPr bwMode="auto">
-          <a:xfrm>
-            <a:off x="0" y="0"/>
-            <a:ext cx="12192000" cy="0"/>
-          </a:xfrm>
-          <a:prstGeom prst="rect">
-            <a:avLst/>
-          </a:prstGeom>
-          <a:noFill/>
-          <a:ln>
-            <a:noFill/>
-          </a:ln>
-          <a:effectLst/>
-          <a:extLst>
-            <a:ext uri="{909E8E84-426E-40DD-AFC4-6F175D3DCCD1}">
-              <a14:hiddenFill xmlns:a14="http://schemas.microsoft.com/office/drawing/2010/main">
-                <a:solidFill>
-                  <a:schemeClr val="accent1"/>
-                </a:solidFill>
-              </a14:hiddenFill>
-            </a:ext>
-            <a:ext uri="{91240B29-F687-4F45-9708-019B960494DF}">
-              <a14:hiddenLine xmlns:a14="http://schemas.microsoft.com/office/drawing/2010/main" w="9525">
-                <a:solidFill>
-                  <a:schemeClr val="tx1"/>
-                </a:solidFill>
-                <a:miter lim="800000"/>
-                <a:headEnd/>
-                <a:tailEnd/>
-              </a14:hiddenLine>
-            </a:ext>
-            <a:ext uri="{AF507438-7753-43E0-B8FC-AC1667EBCBE1}">
-              <a14:hiddenEffects xmlns:a14="http://schemas.microsoft.com/office/drawing/2010/main">
-                <a:effectLst>
-                  <a:outerShdw dist="35921" dir="2700000" algn="ctr" rotWithShape="0">
-                    <a:schemeClr val="bg2"/>
-                  </a:outerShdw>
-                </a:effectLst>
-              </a14:hiddenEffects>
-            </a:ext>
-          </a:extLst>
-        </p:spPr>
-        <p:txBody>
-          <a:bodyPr vert="horz" wrap="none" lIns="91440" tIns="45720" rIns="91440" bIns="45720" numCol="1" anchor="ctr" anchorCtr="0" compatLnSpc="1">
-            <a:spAutoFit/>
-          </a:bodyPr>
-          <a:lstStyle/>
-          <a:p>
-            <a:endParaRPr lang="zh-CN" altLang="en-US"/>
-          </a:p>
-        </p:txBody>
-      </p:sp>
-      <p:sp>
-        <p:nvSpPr>
           <p:cNvPr id="2" name="文本框 1"/>
           <p:cNvSpPr txBox="1"/>
           <p:nvPr/>
@@ -37074,7 +35495,7 @@
 </p:sld>
 </file>
 
-<file path=ppt/slides/slide14.xml><?xml version="1.0" encoding="utf-8"?>
+<file path=ppt/slides/slide13.xml><?xml version="1.0" encoding="utf-8"?>
 <p:sld xmlns:a="http://schemas.openxmlformats.org/drawingml/2006/main" xmlns:r="http://schemas.openxmlformats.org/officeDocument/2006/relationships" xmlns:p="http://schemas.openxmlformats.org/presentationml/2006/main">
   <p:cSld>
     <p:spTree>
@@ -37622,7 +36043,7 @@
 </p:sld>
 </file>
 
-<file path=ppt/slides/slide15.xml><?xml version="1.0" encoding="utf-8"?>
+<file path=ppt/slides/slide14.xml><?xml version="1.0" encoding="utf-8"?>
 <p:sld xmlns:a="http://schemas.openxmlformats.org/drawingml/2006/main" xmlns:r="http://schemas.openxmlformats.org/officeDocument/2006/relationships" xmlns:p="http://schemas.openxmlformats.org/presentationml/2006/main">
   <p:cSld>
     <p:spTree>
@@ -39156,7 +37577,7 @@
 </p:sld>
 </file>
 
-<file path=ppt/slides/slide16.xml><?xml version="1.0" encoding="utf-8"?>
+<file path=ppt/slides/slide15.xml><?xml version="1.0" encoding="utf-8"?>
 <p:sld xmlns:a="http://schemas.openxmlformats.org/drawingml/2006/main" xmlns:r="http://schemas.openxmlformats.org/officeDocument/2006/relationships" xmlns:p="http://schemas.openxmlformats.org/presentationml/2006/main">
   <p:cSld>
     <p:spTree>
@@ -39976,7 +38397,7 @@
 </p:sld>
 </file>
 
-<file path=ppt/slides/slide17.xml><?xml version="1.0" encoding="utf-8"?>
+<file path=ppt/slides/slide16.xml><?xml version="1.0" encoding="utf-8"?>
 <p:sld xmlns:a="http://schemas.openxmlformats.org/drawingml/2006/main" xmlns:r="http://schemas.openxmlformats.org/officeDocument/2006/relationships" xmlns:p="http://schemas.openxmlformats.org/presentationml/2006/main">
   <p:cSld>
     <p:spTree>
@@ -40682,6 +39103,53 @@
       </p:grpSpPr>
       <p:sp>
         <p:nvSpPr>
+          <p:cNvPr id="10" name="圆角矩形 52">
+            <a:extLst>
+              <a:ext uri="{FF2B5EF4-FFF2-40B4-BE49-F238E27FC236}">
+                <a16:creationId xmlns:a16="http://schemas.microsoft.com/office/drawing/2014/main" id="{B424697D-19F5-09AD-EC00-910EDA0A8B2A}"/>
+              </a:ext>
+            </a:extLst>
+          </p:cNvPr>
+          <p:cNvSpPr/>
+          <p:nvPr/>
+        </p:nvSpPr>
+        <p:spPr bwMode="auto">
+          <a:xfrm>
+            <a:off x="695709" y="1301998"/>
+            <a:ext cx="10691019" cy="1542890"/>
+          </a:xfrm>
+          <a:prstGeom prst="roundRect">
+            <a:avLst>
+              <a:gd name="adj" fmla="val 0"/>
+            </a:avLst>
+          </a:prstGeom>
+          <a:solidFill>
+            <a:srgbClr val="EFFBFF"/>
+          </a:solidFill>
+          <a:ln w="19050" cap="flat" cmpd="sng" algn="ctr">
+            <a:solidFill>
+              <a:srgbClr val="002060"/>
+            </a:solidFill>
+            <a:prstDash val="solid"/>
+            <a:round/>
+            <a:headEnd type="none" w="med" len="med"/>
+            <a:tailEnd type="none" w="med" len="med"/>
+          </a:ln>
+          <a:effectLst/>
+        </p:spPr>
+        <p:txBody>
+          <a:bodyPr/>
+          <a:lstStyle/>
+          <a:p>
+            <a:pPr>
+              <a:defRPr/>
+            </a:pPr>
+            <a:endParaRPr lang="zh-CN" altLang="en-US" dirty="0"/>
+          </a:p>
+        </p:txBody>
+      </p:sp>
+      <p:sp>
+        <p:nvSpPr>
           <p:cNvPr id="25" name="Rectangle 4"/>
           <p:cNvSpPr>
             <a:spLocks noChangeArrowheads="1"/>
@@ -41156,50 +39624,6 @@
       </p:pic>
       <p:sp>
         <p:nvSpPr>
-          <p:cNvPr id="45" name="圆角矩形 52"/>
-          <p:cNvSpPr/>
-          <p:nvPr/>
-        </p:nvSpPr>
-        <p:spPr bwMode="auto">
-          <a:xfrm>
-            <a:off x="643683" y="1313118"/>
-            <a:ext cx="10776565" cy="1611826"/>
-          </a:xfrm>
-          <a:prstGeom prst="roundRect">
-            <a:avLst>
-              <a:gd name="adj" fmla="val 6235"/>
-            </a:avLst>
-          </a:prstGeom>
-          <a:solidFill>
-            <a:schemeClr val="tx2">
-              <a:lumMod val="20000"/>
-              <a:lumOff val="80000"/>
-            </a:schemeClr>
-          </a:solidFill>
-          <a:ln w="19050" cap="flat" cmpd="sng" algn="ctr">
-            <a:solidFill>
-              <a:schemeClr val="tx2"/>
-            </a:solidFill>
-            <a:prstDash val="solid"/>
-            <a:round/>
-            <a:headEnd type="none" w="med" len="med"/>
-            <a:tailEnd type="none" w="med" len="med"/>
-          </a:ln>
-          <a:effectLst/>
-        </p:spPr>
-        <p:txBody>
-          <a:bodyPr/>
-          <a:lstStyle/>
-          <a:p>
-            <a:pPr>
-              <a:defRPr/>
-            </a:pPr>
-            <a:endParaRPr lang="zh-CN" altLang="en-US" dirty="0"/>
-          </a:p>
-        </p:txBody>
-      </p:sp>
-      <p:sp>
-        <p:nvSpPr>
           <p:cNvPr id="49" name="文本框 47"/>
           <p:cNvSpPr txBox="1">
             <a:spLocks noChangeArrowheads="1"/>
@@ -41208,7 +39632,7 @@
         </p:nvSpPr>
         <p:spPr bwMode="auto">
           <a:xfrm>
-            <a:off x="744324" y="1407554"/>
+            <a:off x="772091" y="1340768"/>
             <a:ext cx="10538254" cy="1422954"/>
           </a:xfrm>
           <a:prstGeom prst="rect">
@@ -41563,85 +39987,12 @@
           </a:p>
         </p:txBody>
       </p:sp>
-      <p:graphicFrame>
-        <p:nvGraphicFramePr>
-          <p:cNvPr id="20" name="对象 19">
+      <p:grpSp>
+        <p:nvGrpSpPr>
+          <p:cNvPr id="12" name="组合 11">
             <a:extLst>
               <a:ext uri="{FF2B5EF4-FFF2-40B4-BE49-F238E27FC236}">
-                <a16:creationId xmlns:a16="http://schemas.microsoft.com/office/drawing/2014/main" id="{9C51CC63-84D7-A7D8-8660-D0A98B1C4DCB}"/>
-              </a:ext>
-            </a:extLst>
-          </p:cNvPr>
-          <p:cNvGraphicFramePr>
-            <a:graphicFrameLocks noChangeAspect="1"/>
-          </p:cNvGraphicFramePr>
-          <p:nvPr>
-            <p:extLst>
-              <p:ext uri="{D42A27DB-BD31-4B8C-83A1-F6EECF244321}">
-                <p14:modId xmlns:p14="http://schemas.microsoft.com/office/powerpoint/2010/main" val="4163278027"/>
-              </p:ext>
-            </p:extLst>
-          </p:nvPr>
-        </p:nvGraphicFramePr>
-        <p:xfrm>
-          <a:off x="5600115" y="3336859"/>
-          <a:ext cx="5392429" cy="3114592"/>
-        </p:xfrm>
-        <a:graphic>
-          <a:graphicData uri="http://schemas.openxmlformats.org/presentationml/2006/ole">
-            <mc:AlternateContent xmlns:mc="http://schemas.openxmlformats.org/markup-compatibility/2006">
-              <mc:Choice xmlns:v="urn:schemas-microsoft-com:vml" Requires="v">
-                <p:oleObj name="Visio" r:id="rId4" imgW="3314341" imgH="1914339" progId="Visio.Drawing.15">
-                  <p:embed/>
-                </p:oleObj>
-              </mc:Choice>
-              <mc:Fallback>
-                <p:oleObj name="Visio" r:id="rId4" imgW="3314341" imgH="1914339" progId="Visio.Drawing.15">
-                  <p:embed/>
-                  <p:pic>
-                    <p:nvPicPr>
-                      <p:cNvPr id="0" name="Object 1"/>
-                      <p:cNvPicPr>
-                        <a:picLocks noChangeAspect="1" noChangeArrowheads="1"/>
-                      </p:cNvPicPr>
-                      <p:nvPr/>
-                    </p:nvPicPr>
-                    <p:blipFill>
-                      <a:blip r:embed="rId5">
-                        <a:extLst>
-                          <a:ext uri="{28A0092B-C50C-407E-A947-70E740481C1C}">
-                            <a14:useLocalDpi xmlns:a14="http://schemas.microsoft.com/office/drawing/2010/main" val="0"/>
-                          </a:ext>
-                        </a:extLst>
-                      </a:blip>
-                      <a:srcRect/>
-                      <a:stretch>
-                        <a:fillRect/>
-                      </a:stretch>
-                    </p:blipFill>
-                    <p:spPr bwMode="auto">
-                      <a:xfrm>
-                        <a:off x="5600115" y="3336859"/>
-                        <a:ext cx="5392429" cy="3114592"/>
-                      </a:xfrm>
-                      <a:prstGeom prst="rect">
-                        <a:avLst/>
-                      </a:prstGeom>
-                      <a:noFill/>
-                    </p:spPr>
-                  </p:pic>
-                </p:oleObj>
-              </mc:Fallback>
-            </mc:AlternateContent>
-          </a:graphicData>
-        </a:graphic>
-      </p:graphicFrame>
-      <p:grpSp>
-        <p:nvGrpSpPr>
-          <p:cNvPr id="11" name="组合 10">
-            <a:extLst>
-              <a:ext uri="{FF2B5EF4-FFF2-40B4-BE49-F238E27FC236}">
-                <a16:creationId xmlns:a16="http://schemas.microsoft.com/office/drawing/2014/main" id="{415A1966-8025-856A-7C7D-F4FF4B27AA81}"/>
+                <a16:creationId xmlns:a16="http://schemas.microsoft.com/office/drawing/2014/main" id="{ABAA3428-4411-CE36-3825-F87652DDC595}"/>
               </a:ext>
             </a:extLst>
           </p:cNvPr>
@@ -41650,18 +40001,18 @@
         </p:nvGrpSpPr>
         <p:grpSpPr>
           <a:xfrm>
-            <a:off x="1199456" y="3059216"/>
-            <a:ext cx="3642293" cy="3669879"/>
-            <a:chOff x="1596213" y="3059216"/>
-            <a:chExt cx="3642293" cy="3669879"/>
+            <a:off x="660563" y="2996952"/>
+            <a:ext cx="4211301" cy="3794685"/>
+            <a:chOff x="660563" y="2996952"/>
+            <a:chExt cx="4211301" cy="3794685"/>
           </a:xfrm>
         </p:grpSpPr>
         <p:grpSp>
           <p:nvGrpSpPr>
-            <p:cNvPr id="7" name="组合 6">
+            <p:cNvPr id="11" name="组合 10">
               <a:extLst>
                 <a:ext uri="{FF2B5EF4-FFF2-40B4-BE49-F238E27FC236}">
-                  <a16:creationId xmlns:a16="http://schemas.microsoft.com/office/drawing/2014/main" id="{D24AD040-68DA-1012-D0AD-4AC9CDA8ABE8}"/>
+                  <a16:creationId xmlns:a16="http://schemas.microsoft.com/office/drawing/2014/main" id="{415A1966-8025-856A-7C7D-F4FF4B27AA81}"/>
                 </a:ext>
               </a:extLst>
             </p:cNvPr>
@@ -41670,912 +40021,1157 @@
           </p:nvGrpSpPr>
           <p:grpSpPr>
             <a:xfrm>
-              <a:off x="1596213" y="3059216"/>
-              <a:ext cx="3426269" cy="1079003"/>
+              <a:off x="945067" y="3059216"/>
+              <a:ext cx="3642293" cy="3669879"/>
               <a:chOff x="1596213" y="3059216"/>
-              <a:chExt cx="3426269" cy="1079003"/>
+              <a:chExt cx="3642293" cy="3669879"/>
             </a:xfrm>
           </p:grpSpPr>
-          <p:sp>
-            <p:nvSpPr>
-              <p:cNvPr id="47" name="矩形 71"/>
-              <p:cNvSpPr>
-                <a:spLocks noChangeArrowheads="1"/>
-              </p:cNvSpPr>
+          <p:grpSp>
+            <p:nvGrpSpPr>
+              <p:cNvPr id="7" name="组合 6">
+                <a:extLst>
+                  <a:ext uri="{FF2B5EF4-FFF2-40B4-BE49-F238E27FC236}">
+                    <a16:creationId xmlns:a16="http://schemas.microsoft.com/office/drawing/2014/main" id="{D24AD040-68DA-1012-D0AD-4AC9CDA8ABE8}"/>
+                  </a:ext>
+                </a:extLst>
+              </p:cNvPr>
+              <p:cNvGrpSpPr/>
               <p:nvPr/>
-            </p:nvSpPr>
-            <p:spPr bwMode="auto">
+            </p:nvGrpSpPr>
+            <p:grpSpPr>
               <a:xfrm>
-                <a:off x="3791744" y="3429440"/>
-                <a:ext cx="1230738" cy="338554"/>
+                <a:off x="1596213" y="3059216"/>
+                <a:ext cx="3426269" cy="1079003"/>
+                <a:chOff x="1596213" y="3059216"/>
+                <a:chExt cx="3426269" cy="1079003"/>
               </a:xfrm>
-              <a:prstGeom prst="rect">
-                <a:avLst/>
-              </a:prstGeom>
-              <a:noFill/>
-              <a:ln>
+            </p:grpSpPr>
+            <p:sp>
+              <p:nvSpPr>
+                <p:cNvPr id="47" name="矩形 71"/>
+                <p:cNvSpPr>
+                  <a:spLocks noChangeArrowheads="1"/>
+                </p:cNvSpPr>
+                <p:nvPr/>
+              </p:nvSpPr>
+              <p:spPr bwMode="auto">
+                <a:xfrm>
+                  <a:off x="3791744" y="3429440"/>
+                  <a:ext cx="1230738" cy="338554"/>
+                </a:xfrm>
+                <a:prstGeom prst="rect">
+                  <a:avLst/>
+                </a:prstGeom>
                 <a:noFill/>
-              </a:ln>
-              <a:extLst>
-                <a:ext uri="{909E8E84-426E-40DD-AFC4-6F175D3DCCD1}">
-                  <a14:hiddenFill xmlns:a14="http://schemas.microsoft.com/office/drawing/2010/main">
-                    <a:solidFill>
-                      <a:srgbClr val="FFFFFF"/>
-                    </a:solidFill>
-                  </a14:hiddenFill>
-                </a:ext>
-                <a:ext uri="{91240B29-F687-4F45-9708-019B960494DF}">
-                  <a14:hiddenLine xmlns:a14="http://schemas.microsoft.com/office/drawing/2010/main" w="9525">
-                    <a:solidFill>
-                      <a:srgbClr val="000000"/>
-                    </a:solidFill>
-                    <a:miter lim="800000"/>
-                    <a:headEnd/>
-                    <a:tailEnd/>
-                  </a14:hiddenLine>
-                </a:ext>
-              </a:extLst>
-            </p:spPr>
-            <p:txBody>
-              <a:bodyPr wrap="square">
-                <a:spAutoFit/>
-              </a:bodyPr>
-              <a:lstStyle>
-                <a:lvl1pPr>
-                  <a:spcBef>
-                    <a:spcPct val="20000"/>
-                  </a:spcBef>
-                  <a:buClr>
-                    <a:srgbClr val="C00000"/>
-                  </a:buClr>
-                  <a:buSzPct val="85000"/>
-                  <a:buFont typeface="Wingdings" panose="05000000000000000000" pitchFamily="2" charset="2"/>
-                  <a:buChar char="p"/>
-                  <a:defRPr sz="2800">
-                    <a:solidFill>
-                      <a:schemeClr val="tx1"/>
-                    </a:solidFill>
-                    <a:latin typeface="Arial" panose="020B0604020202020204" pitchFamily="34" charset="0"/>
-                  </a:defRPr>
-                </a:lvl1pPr>
-                <a:lvl2pPr marL="742950" indent="-285750">
-                  <a:spcBef>
-                    <a:spcPct val="20000"/>
-                  </a:spcBef>
-                  <a:buClr>
-                    <a:srgbClr val="C00000"/>
-                  </a:buClr>
-                  <a:buSzPct val="85000"/>
-                  <a:buFont typeface="Wingdings" panose="05000000000000000000" pitchFamily="2" charset="2"/>
-                  <a:buChar char="Ø"/>
-                  <a:defRPr sz="2400">
-                    <a:solidFill>
-                      <a:schemeClr val="tx1"/>
-                    </a:solidFill>
-                    <a:latin typeface="Arial" panose="020B0604020202020204" pitchFamily="34" charset="0"/>
-                  </a:defRPr>
-                </a:lvl2pPr>
-                <a:lvl3pPr marL="1143000" indent="-228600">
-                  <a:spcBef>
-                    <a:spcPct val="20000"/>
-                  </a:spcBef>
-                  <a:buClr>
-                    <a:schemeClr val="accent1"/>
-                  </a:buClr>
-                  <a:buSzPct val="85000"/>
-                  <a:buFont typeface="Wingdings" panose="05000000000000000000" pitchFamily="2" charset="2"/>
-                  <a:buChar char="n"/>
-                  <a:defRPr sz="2000">
-                    <a:solidFill>
-                      <a:schemeClr val="tx1"/>
-                    </a:solidFill>
-                    <a:latin typeface="Arial" panose="020B0604020202020204" pitchFamily="34" charset="0"/>
-                  </a:defRPr>
-                </a:lvl3pPr>
-                <a:lvl4pPr marL="1600200" indent="-228600">
-                  <a:spcBef>
-                    <a:spcPct val="20000"/>
-                  </a:spcBef>
-                  <a:buClr>
-                    <a:schemeClr val="bg2"/>
-                  </a:buClr>
-                  <a:buFont typeface="Wingdings" panose="05000000000000000000" pitchFamily="2" charset="2"/>
-                  <a:buChar char="§"/>
-                  <a:defRPr sz="2000">
-                    <a:solidFill>
-                      <a:schemeClr val="tx1"/>
-                    </a:solidFill>
-                    <a:latin typeface="Arial" panose="020B0604020202020204" pitchFamily="34" charset="0"/>
-                  </a:defRPr>
-                </a:lvl4pPr>
-                <a:lvl5pPr marL="2057400" indent="-228600">
-                  <a:spcBef>
-                    <a:spcPct val="20000"/>
-                  </a:spcBef>
-                  <a:buClr>
-                    <a:schemeClr val="tx2"/>
-                  </a:buClr>
-                  <a:buSzPct val="80000"/>
-                  <a:buFont typeface="Wingdings" panose="05000000000000000000" pitchFamily="2" charset="2"/>
-                  <a:buChar char="§"/>
-                  <a:defRPr sz="2000">
-                    <a:solidFill>
-                      <a:schemeClr val="tx1"/>
-                    </a:solidFill>
-                    <a:latin typeface="Arial" panose="020B0604020202020204" pitchFamily="34" charset="0"/>
-                  </a:defRPr>
-                </a:lvl5pPr>
-                <a:lvl6pPr marL="2514600" indent="-228600" eaLnBrk="0" fontAlgn="base" hangingPunct="0">
-                  <a:spcBef>
-                    <a:spcPct val="20000"/>
-                  </a:spcBef>
-                  <a:spcAft>
-                    <a:spcPct val="0"/>
-                  </a:spcAft>
-                  <a:buClr>
-                    <a:schemeClr val="tx2"/>
-                  </a:buClr>
-                  <a:buSzPct val="80000"/>
-                  <a:buFont typeface="Wingdings" panose="05000000000000000000" pitchFamily="2" charset="2"/>
-                  <a:buChar char="§"/>
-                  <a:defRPr sz="2000">
-                    <a:solidFill>
-                      <a:schemeClr val="tx1"/>
-                    </a:solidFill>
-                    <a:latin typeface="Arial" panose="020B0604020202020204" pitchFamily="34" charset="0"/>
-                  </a:defRPr>
-                </a:lvl6pPr>
-                <a:lvl7pPr marL="2971800" indent="-228600" eaLnBrk="0" fontAlgn="base" hangingPunct="0">
-                  <a:spcBef>
-                    <a:spcPct val="20000"/>
-                  </a:spcBef>
-                  <a:spcAft>
-                    <a:spcPct val="0"/>
-                  </a:spcAft>
-                  <a:buClr>
-                    <a:schemeClr val="tx2"/>
-                  </a:buClr>
-                  <a:buSzPct val="80000"/>
-                  <a:buFont typeface="Wingdings" panose="05000000000000000000" pitchFamily="2" charset="2"/>
-                  <a:buChar char="§"/>
-                  <a:defRPr sz="2000">
-                    <a:solidFill>
-                      <a:schemeClr val="tx1"/>
-                    </a:solidFill>
-                    <a:latin typeface="Arial" panose="020B0604020202020204" pitchFamily="34" charset="0"/>
-                  </a:defRPr>
-                </a:lvl7pPr>
-                <a:lvl8pPr marL="3429000" indent="-228600" eaLnBrk="0" fontAlgn="base" hangingPunct="0">
-                  <a:spcBef>
-                    <a:spcPct val="20000"/>
-                  </a:spcBef>
-                  <a:spcAft>
-                    <a:spcPct val="0"/>
-                  </a:spcAft>
-                  <a:buClr>
-                    <a:schemeClr val="tx2"/>
-                  </a:buClr>
-                  <a:buSzPct val="80000"/>
-                  <a:buFont typeface="Wingdings" panose="05000000000000000000" pitchFamily="2" charset="2"/>
-                  <a:buChar char="§"/>
-                  <a:defRPr sz="2000">
-                    <a:solidFill>
-                      <a:schemeClr val="tx1"/>
-                    </a:solidFill>
-                    <a:latin typeface="Arial" panose="020B0604020202020204" pitchFamily="34" charset="0"/>
-                  </a:defRPr>
-                </a:lvl8pPr>
-                <a:lvl9pPr marL="3886200" indent="-228600" eaLnBrk="0" fontAlgn="base" hangingPunct="0">
-                  <a:spcBef>
-                    <a:spcPct val="20000"/>
-                  </a:spcBef>
-                  <a:spcAft>
-                    <a:spcPct val="0"/>
-                  </a:spcAft>
-                  <a:buClr>
-                    <a:schemeClr val="tx2"/>
-                  </a:buClr>
-                  <a:buSzPct val="80000"/>
-                  <a:buFont typeface="Wingdings" panose="05000000000000000000" pitchFamily="2" charset="2"/>
-                  <a:buChar char="§"/>
-                  <a:defRPr sz="2000">
-                    <a:solidFill>
-                      <a:schemeClr val="tx1"/>
-                    </a:solidFill>
-                    <a:latin typeface="Arial" panose="020B0604020202020204" pitchFamily="34" charset="0"/>
-                  </a:defRPr>
-                </a:lvl9pPr>
-              </a:lstStyle>
-              <a:p>
-                <a:pPr algn="ctr" eaLnBrk="1" hangingPunct="1">
-                  <a:spcBef>
-                    <a:spcPct val="0"/>
-                  </a:spcBef>
-                  <a:buClrTx/>
-                  <a:buSzTx/>
-                  <a:buFontTx/>
-                  <a:buNone/>
-                </a:pPr>
-                <a:r>
-                  <a:rPr lang="zh-CN" altLang="en-US" sz="1600" b="1" dirty="0">
+                <a:ln>
+                  <a:noFill/>
+                </a:ln>
+                <a:extLst>
+                  <a:ext uri="{909E8E84-426E-40DD-AFC4-6F175D3DCCD1}">
+                    <a14:hiddenFill xmlns:a14="http://schemas.microsoft.com/office/drawing/2010/main">
+                      <a:solidFill>
+                        <a:srgbClr val="FFFFFF"/>
+                      </a:solidFill>
+                    </a14:hiddenFill>
+                  </a:ext>
+                  <a:ext uri="{91240B29-F687-4F45-9708-019B960494DF}">
+                    <a14:hiddenLine xmlns:a14="http://schemas.microsoft.com/office/drawing/2010/main" w="9525">
+                      <a:solidFill>
+                        <a:srgbClr val="000000"/>
+                      </a:solidFill>
+                      <a:miter lim="800000"/>
+                      <a:headEnd/>
+                      <a:tailEnd/>
+                    </a14:hiddenLine>
+                  </a:ext>
+                </a:extLst>
+              </p:spPr>
+              <p:txBody>
+                <a:bodyPr wrap="square">
+                  <a:spAutoFit/>
+                </a:bodyPr>
+                <a:lstStyle>
+                  <a:lvl1pPr>
+                    <a:spcBef>
+                      <a:spcPct val="20000"/>
+                    </a:spcBef>
+                    <a:buClr>
+                      <a:srgbClr val="C00000"/>
+                    </a:buClr>
+                    <a:buSzPct val="85000"/>
+                    <a:buFont typeface="Wingdings" panose="05000000000000000000" pitchFamily="2" charset="2"/>
+                    <a:buChar char="p"/>
+                    <a:defRPr sz="2800">
+                      <a:solidFill>
+                        <a:schemeClr val="tx1"/>
+                      </a:solidFill>
+                      <a:latin typeface="Arial" panose="020B0604020202020204" pitchFamily="34" charset="0"/>
+                    </a:defRPr>
+                  </a:lvl1pPr>
+                  <a:lvl2pPr marL="742950" indent="-285750">
+                    <a:spcBef>
+                      <a:spcPct val="20000"/>
+                    </a:spcBef>
+                    <a:buClr>
+                      <a:srgbClr val="C00000"/>
+                    </a:buClr>
+                    <a:buSzPct val="85000"/>
+                    <a:buFont typeface="Wingdings" panose="05000000000000000000" pitchFamily="2" charset="2"/>
+                    <a:buChar char="Ø"/>
+                    <a:defRPr sz="2400">
+                      <a:solidFill>
+                        <a:schemeClr val="tx1"/>
+                      </a:solidFill>
+                      <a:latin typeface="Arial" panose="020B0604020202020204" pitchFamily="34" charset="0"/>
+                    </a:defRPr>
+                  </a:lvl2pPr>
+                  <a:lvl3pPr marL="1143000" indent="-228600">
+                    <a:spcBef>
+                      <a:spcPct val="20000"/>
+                    </a:spcBef>
+                    <a:buClr>
+                      <a:schemeClr val="accent1"/>
+                    </a:buClr>
+                    <a:buSzPct val="85000"/>
+                    <a:buFont typeface="Wingdings" panose="05000000000000000000" pitchFamily="2" charset="2"/>
+                    <a:buChar char="n"/>
+                    <a:defRPr sz="2000">
+                      <a:solidFill>
+                        <a:schemeClr val="tx1"/>
+                      </a:solidFill>
+                      <a:latin typeface="Arial" panose="020B0604020202020204" pitchFamily="34" charset="0"/>
+                    </a:defRPr>
+                  </a:lvl3pPr>
+                  <a:lvl4pPr marL="1600200" indent="-228600">
+                    <a:spcBef>
+                      <a:spcPct val="20000"/>
+                    </a:spcBef>
+                    <a:buClr>
+                      <a:schemeClr val="bg2"/>
+                    </a:buClr>
+                    <a:buFont typeface="Wingdings" panose="05000000000000000000" pitchFamily="2" charset="2"/>
+                    <a:buChar char="§"/>
+                    <a:defRPr sz="2000">
+                      <a:solidFill>
+                        <a:schemeClr val="tx1"/>
+                      </a:solidFill>
+                      <a:latin typeface="Arial" panose="020B0604020202020204" pitchFamily="34" charset="0"/>
+                    </a:defRPr>
+                  </a:lvl4pPr>
+                  <a:lvl5pPr marL="2057400" indent="-228600">
+                    <a:spcBef>
+                      <a:spcPct val="20000"/>
+                    </a:spcBef>
+                    <a:buClr>
+                      <a:schemeClr val="tx2"/>
+                    </a:buClr>
+                    <a:buSzPct val="80000"/>
+                    <a:buFont typeface="Wingdings" panose="05000000000000000000" pitchFamily="2" charset="2"/>
+                    <a:buChar char="§"/>
+                    <a:defRPr sz="2000">
+                      <a:solidFill>
+                        <a:schemeClr val="tx1"/>
+                      </a:solidFill>
+                      <a:latin typeface="Arial" panose="020B0604020202020204" pitchFamily="34" charset="0"/>
+                    </a:defRPr>
+                  </a:lvl5pPr>
+                  <a:lvl6pPr marL="2514600" indent="-228600" eaLnBrk="0" fontAlgn="base" hangingPunct="0">
+                    <a:spcBef>
+                      <a:spcPct val="20000"/>
+                    </a:spcBef>
+                    <a:spcAft>
+                      <a:spcPct val="0"/>
+                    </a:spcAft>
+                    <a:buClr>
+                      <a:schemeClr val="tx2"/>
+                    </a:buClr>
+                    <a:buSzPct val="80000"/>
+                    <a:buFont typeface="Wingdings" panose="05000000000000000000" pitchFamily="2" charset="2"/>
+                    <a:buChar char="§"/>
+                    <a:defRPr sz="2000">
+                      <a:solidFill>
+                        <a:schemeClr val="tx1"/>
+                      </a:solidFill>
+                      <a:latin typeface="Arial" panose="020B0604020202020204" pitchFamily="34" charset="0"/>
+                    </a:defRPr>
+                  </a:lvl6pPr>
+                  <a:lvl7pPr marL="2971800" indent="-228600" eaLnBrk="0" fontAlgn="base" hangingPunct="0">
+                    <a:spcBef>
+                      <a:spcPct val="20000"/>
+                    </a:spcBef>
+                    <a:spcAft>
+                      <a:spcPct val="0"/>
+                    </a:spcAft>
+                    <a:buClr>
+                      <a:schemeClr val="tx2"/>
+                    </a:buClr>
+                    <a:buSzPct val="80000"/>
+                    <a:buFont typeface="Wingdings" panose="05000000000000000000" pitchFamily="2" charset="2"/>
+                    <a:buChar char="§"/>
+                    <a:defRPr sz="2000">
+                      <a:solidFill>
+                        <a:schemeClr val="tx1"/>
+                      </a:solidFill>
+                      <a:latin typeface="Arial" panose="020B0604020202020204" pitchFamily="34" charset="0"/>
+                    </a:defRPr>
+                  </a:lvl7pPr>
+                  <a:lvl8pPr marL="3429000" indent="-228600" eaLnBrk="0" fontAlgn="base" hangingPunct="0">
+                    <a:spcBef>
+                      <a:spcPct val="20000"/>
+                    </a:spcBef>
+                    <a:spcAft>
+                      <a:spcPct val="0"/>
+                    </a:spcAft>
+                    <a:buClr>
+                      <a:schemeClr val="tx2"/>
+                    </a:buClr>
+                    <a:buSzPct val="80000"/>
+                    <a:buFont typeface="Wingdings" panose="05000000000000000000" pitchFamily="2" charset="2"/>
+                    <a:buChar char="§"/>
+                    <a:defRPr sz="2000">
+                      <a:solidFill>
+                        <a:schemeClr val="tx1"/>
+                      </a:solidFill>
+                      <a:latin typeface="Arial" panose="020B0604020202020204" pitchFamily="34" charset="0"/>
+                    </a:defRPr>
+                  </a:lvl8pPr>
+                  <a:lvl9pPr marL="3886200" indent="-228600" eaLnBrk="0" fontAlgn="base" hangingPunct="0">
+                    <a:spcBef>
+                      <a:spcPct val="20000"/>
+                    </a:spcBef>
+                    <a:spcAft>
+                      <a:spcPct val="0"/>
+                    </a:spcAft>
+                    <a:buClr>
+                      <a:schemeClr val="tx2"/>
+                    </a:buClr>
+                    <a:buSzPct val="80000"/>
+                    <a:buFont typeface="Wingdings" panose="05000000000000000000" pitchFamily="2" charset="2"/>
+                    <a:buChar char="§"/>
+                    <a:defRPr sz="2000">
+                      <a:solidFill>
+                        <a:schemeClr val="tx1"/>
+                      </a:solidFill>
+                      <a:latin typeface="Arial" panose="020B0604020202020204" pitchFamily="34" charset="0"/>
+                    </a:defRPr>
+                  </a:lvl9pPr>
+                </a:lstStyle>
+                <a:p>
+                  <a:pPr algn="ctr" eaLnBrk="1" hangingPunct="1">
+                    <a:spcBef>
+                      <a:spcPct val="0"/>
+                    </a:spcBef>
+                    <a:buClrTx/>
+                    <a:buSzTx/>
+                    <a:buFontTx/>
+                    <a:buNone/>
+                  </a:pPr>
+                  <a:r>
+                    <a:rPr lang="zh-CN" altLang="en-US" sz="1600" b="1" dirty="0">
+                      <a:solidFill>
+                        <a:srgbClr val="002060"/>
+                      </a:solidFill>
+                      <a:latin typeface="微软雅黑" panose="020B0503020204020204" pitchFamily="34" charset="-122"/>
+                      <a:ea typeface="微软雅黑" panose="020B0503020204020204" pitchFamily="34" charset="-122"/>
+                    </a:rPr>
+                    <a:t>元器件损坏</a:t>
+                  </a:r>
+                  <a:endParaRPr lang="en-US" altLang="zh-CN" sz="1600" b="1" dirty="0">
                     <a:solidFill>
                       <a:srgbClr val="002060"/>
                     </a:solidFill>
                     <a:latin typeface="微软雅黑" panose="020B0503020204020204" pitchFamily="34" charset="-122"/>
                     <a:ea typeface="微软雅黑" panose="020B0503020204020204" pitchFamily="34" charset="-122"/>
-                  </a:rPr>
-                  <a:t>元器件损坏</a:t>
-                </a:r>
-                <a:endParaRPr lang="en-US" altLang="zh-CN" sz="1600" b="1" dirty="0">
-                  <a:solidFill>
-                    <a:srgbClr val="002060"/>
-                  </a:solidFill>
-                  <a:latin typeface="微软雅黑" panose="020B0503020204020204" pitchFamily="34" charset="-122"/>
-                  <a:ea typeface="微软雅黑" panose="020B0503020204020204" pitchFamily="34" charset="-122"/>
-                </a:endParaRPr>
-              </a:p>
-            </p:txBody>
-          </p:sp>
-          <p:pic>
-            <p:nvPicPr>
-              <p:cNvPr id="1026" name="Picture 2" descr="热失控保护 - 品慧电子网">
+                  </a:endParaRPr>
+                </a:p>
+              </p:txBody>
+            </p:sp>
+            <p:pic>
+              <p:nvPicPr>
+                <p:cNvPr id="1026" name="Picture 2" descr="热失控保护 - 品慧电子网">
+                  <a:extLst>
+                    <a:ext uri="{FF2B5EF4-FFF2-40B4-BE49-F238E27FC236}">
+                      <a16:creationId xmlns:a16="http://schemas.microsoft.com/office/drawing/2014/main" id="{46816D0A-A38E-8906-8E62-E61E20EA88E4}"/>
+                    </a:ext>
+                  </a:extLst>
+                </p:cNvPr>
+                <p:cNvPicPr>
+                  <a:picLocks noChangeAspect="1" noChangeArrowheads="1"/>
+                </p:cNvPicPr>
+                <p:nvPr/>
+              </p:nvPicPr>
+              <p:blipFill>
+                <a:blip r:embed="rId4" cstate="print">
+                  <a:extLst>
+                    <a:ext uri="{28A0092B-C50C-407E-A947-70E740481C1C}">
+                      <a14:useLocalDpi xmlns:a14="http://schemas.microsoft.com/office/drawing/2010/main" val="0"/>
+                    </a:ext>
+                  </a:extLst>
+                </a:blip>
+                <a:srcRect/>
+                <a:stretch>
+                  <a:fillRect/>
+                </a:stretch>
+              </p:blipFill>
+              <p:spPr bwMode="auto">
+                <a:xfrm>
+                  <a:off x="1596213" y="3059216"/>
+                  <a:ext cx="2039402" cy="1079003"/>
+                </a:xfrm>
+                <a:prstGeom prst="rect">
+                  <a:avLst/>
+                </a:prstGeom>
+                <a:noFill/>
+                <a:extLst>
+                  <a:ext uri="{909E8E84-426E-40DD-AFC4-6F175D3DCCD1}">
+                    <a14:hiddenFill xmlns:a14="http://schemas.microsoft.com/office/drawing/2010/main">
+                      <a:solidFill>
+                        <a:srgbClr val="FFFFFF"/>
+                      </a:solidFill>
+                    </a14:hiddenFill>
+                  </a:ext>
+                </a:extLst>
+              </p:spPr>
+            </p:pic>
+          </p:grpSp>
+          <p:grpSp>
+            <p:nvGrpSpPr>
+              <p:cNvPr id="9" name="组合 8">
                 <a:extLst>
                   <a:ext uri="{FF2B5EF4-FFF2-40B4-BE49-F238E27FC236}">
-                    <a16:creationId xmlns:a16="http://schemas.microsoft.com/office/drawing/2014/main" id="{46816D0A-A38E-8906-8E62-E61E20EA88E4}"/>
+                    <a16:creationId xmlns:a16="http://schemas.microsoft.com/office/drawing/2014/main" id="{1E5B8AC0-46BF-D3DB-C552-EF57372F7947}"/>
                   </a:ext>
                 </a:extLst>
               </p:cNvPr>
-              <p:cNvPicPr>
-                <a:picLocks noChangeAspect="1" noChangeArrowheads="1"/>
-              </p:cNvPicPr>
+              <p:cNvGrpSpPr/>
               <p:nvPr/>
-            </p:nvPicPr>
-            <p:blipFill>
-              <a:blip r:embed="rId6" cstate="print">
+            </p:nvGrpSpPr>
+            <p:grpSpPr>
+              <a:xfrm>
+                <a:off x="1596213" y="5650092"/>
+                <a:ext cx="3210245" cy="1079003"/>
+                <a:chOff x="1596213" y="5650092"/>
+                <a:chExt cx="3210245" cy="1079003"/>
+              </a:xfrm>
+            </p:grpSpPr>
+            <p:sp>
+              <p:nvSpPr>
+                <p:cNvPr id="60" name="矩形 71"/>
+                <p:cNvSpPr>
+                  <a:spLocks noChangeArrowheads="1"/>
+                </p:cNvSpPr>
+                <p:nvPr/>
+              </p:nvSpPr>
+              <p:spPr bwMode="auto">
+                <a:xfrm>
+                  <a:off x="3791744" y="6020316"/>
+                  <a:ext cx="1014714" cy="338554"/>
+                </a:xfrm>
+                <a:prstGeom prst="rect">
+                  <a:avLst/>
+                </a:prstGeom>
+                <a:noFill/>
+                <a:ln>
+                  <a:noFill/>
+                </a:ln>
                 <a:extLst>
-                  <a:ext uri="{28A0092B-C50C-407E-A947-70E740481C1C}">
-                    <a14:useLocalDpi xmlns:a14="http://schemas.microsoft.com/office/drawing/2010/main" val="0"/>
+                  <a:ext uri="{909E8E84-426E-40DD-AFC4-6F175D3DCCD1}">
+                    <a14:hiddenFill xmlns:a14="http://schemas.microsoft.com/office/drawing/2010/main">
+                      <a:solidFill>
+                        <a:srgbClr val="FFFFFF"/>
+                      </a:solidFill>
+                    </a14:hiddenFill>
+                  </a:ext>
+                  <a:ext uri="{91240B29-F687-4F45-9708-019B960494DF}">
+                    <a14:hiddenLine xmlns:a14="http://schemas.microsoft.com/office/drawing/2010/main" w="9525">
+                      <a:solidFill>
+                        <a:srgbClr val="000000"/>
+                      </a:solidFill>
+                      <a:miter lim="800000"/>
+                      <a:headEnd/>
+                      <a:tailEnd/>
+                    </a14:hiddenLine>
                   </a:ext>
                 </a:extLst>
-              </a:blip>
-              <a:srcRect/>
-              <a:stretch>
-                <a:fillRect/>
-              </a:stretch>
-            </p:blipFill>
-            <p:spPr bwMode="auto">
-              <a:xfrm>
-                <a:off x="1596213" y="3059216"/>
-                <a:ext cx="2039402" cy="1079003"/>
-              </a:xfrm>
-              <a:prstGeom prst="rect">
-                <a:avLst/>
-              </a:prstGeom>
-              <a:noFill/>
-              <a:extLst>
-                <a:ext uri="{909E8E84-426E-40DD-AFC4-6F175D3DCCD1}">
-                  <a14:hiddenFill xmlns:a14="http://schemas.microsoft.com/office/drawing/2010/main">
-                    <a:solidFill>
-                      <a:srgbClr val="FFFFFF"/>
-                    </a:solidFill>
-                  </a14:hiddenFill>
-                </a:ext>
-              </a:extLst>
-            </p:spPr>
-          </p:pic>
-        </p:grpSp>
-        <p:grpSp>
-          <p:nvGrpSpPr>
-            <p:cNvPr id="9" name="组合 8">
-              <a:extLst>
-                <a:ext uri="{FF2B5EF4-FFF2-40B4-BE49-F238E27FC236}">
-                  <a16:creationId xmlns:a16="http://schemas.microsoft.com/office/drawing/2014/main" id="{1E5B8AC0-46BF-D3DB-C552-EF57372F7947}"/>
-                </a:ext>
-              </a:extLst>
-            </p:cNvPr>
-            <p:cNvGrpSpPr/>
-            <p:nvPr/>
-          </p:nvGrpSpPr>
-          <p:grpSpPr>
-            <a:xfrm>
-              <a:off x="1596213" y="5650092"/>
-              <a:ext cx="3210245" cy="1079003"/>
-              <a:chOff x="1596213" y="5650092"/>
-              <a:chExt cx="3210245" cy="1079003"/>
-            </a:xfrm>
-          </p:grpSpPr>
-          <p:sp>
-            <p:nvSpPr>
-              <p:cNvPr id="60" name="矩形 71"/>
-              <p:cNvSpPr>
-                <a:spLocks noChangeArrowheads="1"/>
-              </p:cNvSpPr>
-              <p:nvPr/>
-            </p:nvSpPr>
-            <p:spPr bwMode="auto">
-              <a:xfrm>
-                <a:off x="3791744" y="6020316"/>
-                <a:ext cx="1014714" cy="338554"/>
-              </a:xfrm>
-              <a:prstGeom prst="rect">
-                <a:avLst/>
-              </a:prstGeom>
-              <a:noFill/>
-              <a:ln>
-                <a:noFill/>
-              </a:ln>
-              <a:extLst>
-                <a:ext uri="{909E8E84-426E-40DD-AFC4-6F175D3DCCD1}">
-                  <a14:hiddenFill xmlns:a14="http://schemas.microsoft.com/office/drawing/2010/main">
-                    <a:solidFill>
-                      <a:srgbClr val="FFFFFF"/>
-                    </a:solidFill>
-                  </a14:hiddenFill>
-                </a:ext>
-                <a:ext uri="{91240B29-F687-4F45-9708-019B960494DF}">
-                  <a14:hiddenLine xmlns:a14="http://schemas.microsoft.com/office/drawing/2010/main" w="9525">
-                    <a:solidFill>
-                      <a:srgbClr val="000000"/>
-                    </a:solidFill>
-                    <a:miter lim="800000"/>
-                    <a:headEnd/>
-                    <a:tailEnd/>
-                  </a14:hiddenLine>
-                </a:ext>
-              </a:extLst>
-            </p:spPr>
-            <p:txBody>
-              <a:bodyPr wrap="square">
-                <a:spAutoFit/>
-              </a:bodyPr>
-              <a:lstStyle>
-                <a:lvl1pPr>
-                  <a:spcBef>
-                    <a:spcPct val="20000"/>
-                  </a:spcBef>
-                  <a:buClr>
-                    <a:srgbClr val="C00000"/>
-                  </a:buClr>
-                  <a:buSzPct val="85000"/>
-                  <a:buFont typeface="Wingdings" panose="05000000000000000000" pitchFamily="2" charset="2"/>
-                  <a:buChar char="p"/>
-                  <a:defRPr sz="2800">
-                    <a:solidFill>
-                      <a:schemeClr val="tx1"/>
-                    </a:solidFill>
-                    <a:latin typeface="Arial" panose="020B0604020202020204" pitchFamily="34" charset="0"/>
-                  </a:defRPr>
-                </a:lvl1pPr>
-                <a:lvl2pPr marL="742950" indent="-285750">
-                  <a:spcBef>
-                    <a:spcPct val="20000"/>
-                  </a:spcBef>
-                  <a:buClr>
-                    <a:srgbClr val="C00000"/>
-                  </a:buClr>
-                  <a:buSzPct val="85000"/>
-                  <a:buFont typeface="Wingdings" panose="05000000000000000000" pitchFamily="2" charset="2"/>
-                  <a:buChar char="Ø"/>
-                  <a:defRPr sz="2400">
-                    <a:solidFill>
-                      <a:schemeClr val="tx1"/>
-                    </a:solidFill>
-                    <a:latin typeface="Arial" panose="020B0604020202020204" pitchFamily="34" charset="0"/>
-                  </a:defRPr>
-                </a:lvl2pPr>
-                <a:lvl3pPr marL="1143000" indent="-228600">
-                  <a:spcBef>
-                    <a:spcPct val="20000"/>
-                  </a:spcBef>
-                  <a:buClr>
-                    <a:schemeClr val="accent1"/>
-                  </a:buClr>
-                  <a:buSzPct val="85000"/>
-                  <a:buFont typeface="Wingdings" panose="05000000000000000000" pitchFamily="2" charset="2"/>
-                  <a:buChar char="n"/>
-                  <a:defRPr sz="2000">
-                    <a:solidFill>
-                      <a:schemeClr val="tx1"/>
-                    </a:solidFill>
-                    <a:latin typeface="Arial" panose="020B0604020202020204" pitchFamily="34" charset="0"/>
-                  </a:defRPr>
-                </a:lvl3pPr>
-                <a:lvl4pPr marL="1600200" indent="-228600">
-                  <a:spcBef>
-                    <a:spcPct val="20000"/>
-                  </a:spcBef>
-                  <a:buClr>
-                    <a:schemeClr val="bg2"/>
-                  </a:buClr>
-                  <a:buFont typeface="Wingdings" panose="05000000000000000000" pitchFamily="2" charset="2"/>
-                  <a:buChar char="§"/>
-                  <a:defRPr sz="2000">
-                    <a:solidFill>
-                      <a:schemeClr val="tx1"/>
-                    </a:solidFill>
-                    <a:latin typeface="Arial" panose="020B0604020202020204" pitchFamily="34" charset="0"/>
-                  </a:defRPr>
-                </a:lvl4pPr>
-                <a:lvl5pPr marL="2057400" indent="-228600">
-                  <a:spcBef>
-                    <a:spcPct val="20000"/>
-                  </a:spcBef>
-                  <a:buClr>
-                    <a:schemeClr val="tx2"/>
-                  </a:buClr>
-                  <a:buSzPct val="80000"/>
-                  <a:buFont typeface="Wingdings" panose="05000000000000000000" pitchFamily="2" charset="2"/>
-                  <a:buChar char="§"/>
-                  <a:defRPr sz="2000">
-                    <a:solidFill>
-                      <a:schemeClr val="tx1"/>
-                    </a:solidFill>
-                    <a:latin typeface="Arial" panose="020B0604020202020204" pitchFamily="34" charset="0"/>
-                  </a:defRPr>
-                </a:lvl5pPr>
-                <a:lvl6pPr marL="2514600" indent="-228600" eaLnBrk="0" fontAlgn="base" hangingPunct="0">
-                  <a:spcBef>
-                    <a:spcPct val="20000"/>
-                  </a:spcBef>
-                  <a:spcAft>
-                    <a:spcPct val="0"/>
-                  </a:spcAft>
-                  <a:buClr>
-                    <a:schemeClr val="tx2"/>
-                  </a:buClr>
-                  <a:buSzPct val="80000"/>
-                  <a:buFont typeface="Wingdings" panose="05000000000000000000" pitchFamily="2" charset="2"/>
-                  <a:buChar char="§"/>
-                  <a:defRPr sz="2000">
-                    <a:solidFill>
-                      <a:schemeClr val="tx1"/>
-                    </a:solidFill>
-                    <a:latin typeface="Arial" panose="020B0604020202020204" pitchFamily="34" charset="0"/>
-                  </a:defRPr>
-                </a:lvl6pPr>
-                <a:lvl7pPr marL="2971800" indent="-228600" eaLnBrk="0" fontAlgn="base" hangingPunct="0">
-                  <a:spcBef>
-                    <a:spcPct val="20000"/>
-                  </a:spcBef>
-                  <a:spcAft>
-                    <a:spcPct val="0"/>
-                  </a:spcAft>
-                  <a:buClr>
-                    <a:schemeClr val="tx2"/>
-                  </a:buClr>
-                  <a:buSzPct val="80000"/>
-                  <a:buFont typeface="Wingdings" panose="05000000000000000000" pitchFamily="2" charset="2"/>
-                  <a:buChar char="§"/>
-                  <a:defRPr sz="2000">
-                    <a:solidFill>
-                      <a:schemeClr val="tx1"/>
-                    </a:solidFill>
-                    <a:latin typeface="Arial" panose="020B0604020202020204" pitchFamily="34" charset="0"/>
-                  </a:defRPr>
-                </a:lvl7pPr>
-                <a:lvl8pPr marL="3429000" indent="-228600" eaLnBrk="0" fontAlgn="base" hangingPunct="0">
-                  <a:spcBef>
-                    <a:spcPct val="20000"/>
-                  </a:spcBef>
-                  <a:spcAft>
-                    <a:spcPct val="0"/>
-                  </a:spcAft>
-                  <a:buClr>
-                    <a:schemeClr val="tx2"/>
-                  </a:buClr>
-                  <a:buSzPct val="80000"/>
-                  <a:buFont typeface="Wingdings" panose="05000000000000000000" pitchFamily="2" charset="2"/>
-                  <a:buChar char="§"/>
-                  <a:defRPr sz="2000">
-                    <a:solidFill>
-                      <a:schemeClr val="tx1"/>
-                    </a:solidFill>
-                    <a:latin typeface="Arial" panose="020B0604020202020204" pitchFamily="34" charset="0"/>
-                  </a:defRPr>
-                </a:lvl8pPr>
-                <a:lvl9pPr marL="3886200" indent="-228600" eaLnBrk="0" fontAlgn="base" hangingPunct="0">
-                  <a:spcBef>
-                    <a:spcPct val="20000"/>
-                  </a:spcBef>
-                  <a:spcAft>
-                    <a:spcPct val="0"/>
-                  </a:spcAft>
-                  <a:buClr>
-                    <a:schemeClr val="tx2"/>
-                  </a:buClr>
-                  <a:buSzPct val="80000"/>
-                  <a:buFont typeface="Wingdings" panose="05000000000000000000" pitchFamily="2" charset="2"/>
-                  <a:buChar char="§"/>
-                  <a:defRPr sz="2000">
-                    <a:solidFill>
-                      <a:schemeClr val="tx1"/>
-                    </a:solidFill>
-                    <a:latin typeface="Arial" panose="020B0604020202020204" pitchFamily="34" charset="0"/>
-                  </a:defRPr>
-                </a:lvl9pPr>
-              </a:lstStyle>
-              <a:p>
-                <a:pPr algn="ctr" eaLnBrk="1" hangingPunct="1">
-                  <a:spcBef>
-                    <a:spcPct val="0"/>
-                  </a:spcBef>
-                  <a:buClrTx/>
-                  <a:buSzTx/>
-                  <a:buFontTx/>
-                  <a:buNone/>
-                </a:pPr>
-                <a:r>
-                  <a:rPr lang="zh-CN" altLang="en-US" sz="1600" b="1" dirty="0">
+              </p:spPr>
+              <p:txBody>
+                <a:bodyPr wrap="square">
+                  <a:spAutoFit/>
+                </a:bodyPr>
+                <a:lstStyle>
+                  <a:lvl1pPr>
+                    <a:spcBef>
+                      <a:spcPct val="20000"/>
+                    </a:spcBef>
+                    <a:buClr>
+                      <a:srgbClr val="C00000"/>
+                    </a:buClr>
+                    <a:buSzPct val="85000"/>
+                    <a:buFont typeface="Wingdings" panose="05000000000000000000" pitchFamily="2" charset="2"/>
+                    <a:buChar char="p"/>
+                    <a:defRPr sz="2800">
+                      <a:solidFill>
+                        <a:schemeClr val="tx1"/>
+                      </a:solidFill>
+                      <a:latin typeface="Arial" panose="020B0604020202020204" pitchFamily="34" charset="0"/>
+                    </a:defRPr>
+                  </a:lvl1pPr>
+                  <a:lvl2pPr marL="742950" indent="-285750">
+                    <a:spcBef>
+                      <a:spcPct val="20000"/>
+                    </a:spcBef>
+                    <a:buClr>
+                      <a:srgbClr val="C00000"/>
+                    </a:buClr>
+                    <a:buSzPct val="85000"/>
+                    <a:buFont typeface="Wingdings" panose="05000000000000000000" pitchFamily="2" charset="2"/>
+                    <a:buChar char="Ø"/>
+                    <a:defRPr sz="2400">
+                      <a:solidFill>
+                        <a:schemeClr val="tx1"/>
+                      </a:solidFill>
+                      <a:latin typeface="Arial" panose="020B0604020202020204" pitchFamily="34" charset="0"/>
+                    </a:defRPr>
+                  </a:lvl2pPr>
+                  <a:lvl3pPr marL="1143000" indent="-228600">
+                    <a:spcBef>
+                      <a:spcPct val="20000"/>
+                    </a:spcBef>
+                    <a:buClr>
+                      <a:schemeClr val="accent1"/>
+                    </a:buClr>
+                    <a:buSzPct val="85000"/>
+                    <a:buFont typeface="Wingdings" panose="05000000000000000000" pitchFamily="2" charset="2"/>
+                    <a:buChar char="n"/>
+                    <a:defRPr sz="2000">
+                      <a:solidFill>
+                        <a:schemeClr val="tx1"/>
+                      </a:solidFill>
+                      <a:latin typeface="Arial" panose="020B0604020202020204" pitchFamily="34" charset="0"/>
+                    </a:defRPr>
+                  </a:lvl3pPr>
+                  <a:lvl4pPr marL="1600200" indent="-228600">
+                    <a:spcBef>
+                      <a:spcPct val="20000"/>
+                    </a:spcBef>
+                    <a:buClr>
+                      <a:schemeClr val="bg2"/>
+                    </a:buClr>
+                    <a:buFont typeface="Wingdings" panose="05000000000000000000" pitchFamily="2" charset="2"/>
+                    <a:buChar char="§"/>
+                    <a:defRPr sz="2000">
+                      <a:solidFill>
+                        <a:schemeClr val="tx1"/>
+                      </a:solidFill>
+                      <a:latin typeface="Arial" panose="020B0604020202020204" pitchFamily="34" charset="0"/>
+                    </a:defRPr>
+                  </a:lvl4pPr>
+                  <a:lvl5pPr marL="2057400" indent="-228600">
+                    <a:spcBef>
+                      <a:spcPct val="20000"/>
+                    </a:spcBef>
+                    <a:buClr>
+                      <a:schemeClr val="tx2"/>
+                    </a:buClr>
+                    <a:buSzPct val="80000"/>
+                    <a:buFont typeface="Wingdings" panose="05000000000000000000" pitchFamily="2" charset="2"/>
+                    <a:buChar char="§"/>
+                    <a:defRPr sz="2000">
+                      <a:solidFill>
+                        <a:schemeClr val="tx1"/>
+                      </a:solidFill>
+                      <a:latin typeface="Arial" panose="020B0604020202020204" pitchFamily="34" charset="0"/>
+                    </a:defRPr>
+                  </a:lvl5pPr>
+                  <a:lvl6pPr marL="2514600" indent="-228600" eaLnBrk="0" fontAlgn="base" hangingPunct="0">
+                    <a:spcBef>
+                      <a:spcPct val="20000"/>
+                    </a:spcBef>
+                    <a:spcAft>
+                      <a:spcPct val="0"/>
+                    </a:spcAft>
+                    <a:buClr>
+                      <a:schemeClr val="tx2"/>
+                    </a:buClr>
+                    <a:buSzPct val="80000"/>
+                    <a:buFont typeface="Wingdings" panose="05000000000000000000" pitchFamily="2" charset="2"/>
+                    <a:buChar char="§"/>
+                    <a:defRPr sz="2000">
+                      <a:solidFill>
+                        <a:schemeClr val="tx1"/>
+                      </a:solidFill>
+                      <a:latin typeface="Arial" panose="020B0604020202020204" pitchFamily="34" charset="0"/>
+                    </a:defRPr>
+                  </a:lvl6pPr>
+                  <a:lvl7pPr marL="2971800" indent="-228600" eaLnBrk="0" fontAlgn="base" hangingPunct="0">
+                    <a:spcBef>
+                      <a:spcPct val="20000"/>
+                    </a:spcBef>
+                    <a:spcAft>
+                      <a:spcPct val="0"/>
+                    </a:spcAft>
+                    <a:buClr>
+                      <a:schemeClr val="tx2"/>
+                    </a:buClr>
+                    <a:buSzPct val="80000"/>
+                    <a:buFont typeface="Wingdings" panose="05000000000000000000" pitchFamily="2" charset="2"/>
+                    <a:buChar char="§"/>
+                    <a:defRPr sz="2000">
+                      <a:solidFill>
+                        <a:schemeClr val="tx1"/>
+                      </a:solidFill>
+                      <a:latin typeface="Arial" panose="020B0604020202020204" pitchFamily="34" charset="0"/>
+                    </a:defRPr>
+                  </a:lvl7pPr>
+                  <a:lvl8pPr marL="3429000" indent="-228600" eaLnBrk="0" fontAlgn="base" hangingPunct="0">
+                    <a:spcBef>
+                      <a:spcPct val="20000"/>
+                    </a:spcBef>
+                    <a:spcAft>
+                      <a:spcPct val="0"/>
+                    </a:spcAft>
+                    <a:buClr>
+                      <a:schemeClr val="tx2"/>
+                    </a:buClr>
+                    <a:buSzPct val="80000"/>
+                    <a:buFont typeface="Wingdings" panose="05000000000000000000" pitchFamily="2" charset="2"/>
+                    <a:buChar char="§"/>
+                    <a:defRPr sz="2000">
+                      <a:solidFill>
+                        <a:schemeClr val="tx1"/>
+                      </a:solidFill>
+                      <a:latin typeface="Arial" panose="020B0604020202020204" pitchFamily="34" charset="0"/>
+                    </a:defRPr>
+                  </a:lvl8pPr>
+                  <a:lvl9pPr marL="3886200" indent="-228600" eaLnBrk="0" fontAlgn="base" hangingPunct="0">
+                    <a:spcBef>
+                      <a:spcPct val="20000"/>
+                    </a:spcBef>
+                    <a:spcAft>
+                      <a:spcPct val="0"/>
+                    </a:spcAft>
+                    <a:buClr>
+                      <a:schemeClr val="tx2"/>
+                    </a:buClr>
+                    <a:buSzPct val="80000"/>
+                    <a:buFont typeface="Wingdings" panose="05000000000000000000" pitchFamily="2" charset="2"/>
+                    <a:buChar char="§"/>
+                    <a:defRPr sz="2000">
+                      <a:solidFill>
+                        <a:schemeClr val="tx1"/>
+                      </a:solidFill>
+                      <a:latin typeface="Arial" panose="020B0604020202020204" pitchFamily="34" charset="0"/>
+                    </a:defRPr>
+                  </a:lvl9pPr>
+                </a:lstStyle>
+                <a:p>
+                  <a:pPr algn="ctr" eaLnBrk="1" hangingPunct="1">
+                    <a:spcBef>
+                      <a:spcPct val="0"/>
+                    </a:spcBef>
+                    <a:buClrTx/>
+                    <a:buSzTx/>
+                    <a:buFontTx/>
+                    <a:buNone/>
+                  </a:pPr>
+                  <a:r>
+                    <a:rPr lang="zh-CN" altLang="en-US" sz="1600" b="1" dirty="0">
+                      <a:solidFill>
+                        <a:srgbClr val="002060"/>
+                      </a:solidFill>
+                      <a:latin typeface="微软雅黑" panose="020B0503020204020204" pitchFamily="34" charset="-122"/>
+                      <a:ea typeface="微软雅黑" panose="020B0503020204020204" pitchFamily="34" charset="-122"/>
+                    </a:rPr>
+                    <a:t>功率切换</a:t>
+                  </a:r>
+                  <a:endParaRPr lang="en-US" altLang="zh-CN" sz="1600" b="1" dirty="0">
                     <a:solidFill>
                       <a:srgbClr val="002060"/>
                     </a:solidFill>
                     <a:latin typeface="微软雅黑" panose="020B0503020204020204" pitchFamily="34" charset="-122"/>
                     <a:ea typeface="微软雅黑" panose="020B0503020204020204" pitchFamily="34" charset="-122"/>
-                  </a:rPr>
-                  <a:t>功率切换</a:t>
-                </a:r>
-                <a:endParaRPr lang="en-US" altLang="zh-CN" sz="1600" b="1" dirty="0">
-                  <a:solidFill>
-                    <a:srgbClr val="002060"/>
-                  </a:solidFill>
-                  <a:latin typeface="微软雅黑" panose="020B0503020204020204" pitchFamily="34" charset="-122"/>
-                  <a:ea typeface="微软雅黑" panose="020B0503020204020204" pitchFamily="34" charset="-122"/>
-                </a:endParaRPr>
-              </a:p>
-            </p:txBody>
-          </p:sp>
-          <p:pic>
-            <p:nvPicPr>
-              <p:cNvPr id="1028" name="Picture 4" descr="东莞太阳能光伏发电系统的工作原理_">
+                  </a:endParaRPr>
+                </a:p>
+              </p:txBody>
+            </p:sp>
+            <p:pic>
+              <p:nvPicPr>
+                <p:cNvPr id="1028" name="Picture 4" descr="东莞太阳能光伏发电系统的工作原理_">
+                  <a:extLst>
+                    <a:ext uri="{FF2B5EF4-FFF2-40B4-BE49-F238E27FC236}">
+                      <a16:creationId xmlns:a16="http://schemas.microsoft.com/office/drawing/2014/main" id="{AD32F374-0A54-03BB-7CF5-17A2982619ED}"/>
+                    </a:ext>
+                  </a:extLst>
+                </p:cNvPr>
+                <p:cNvPicPr>
+                  <a:picLocks noChangeAspect="1" noChangeArrowheads="1"/>
+                </p:cNvPicPr>
+                <p:nvPr/>
+              </p:nvPicPr>
+              <p:blipFill rotWithShape="1">
+                <a:blip r:embed="rId5" cstate="print">
+                  <a:extLst>
+                    <a:ext uri="{28A0092B-C50C-407E-A947-70E740481C1C}">
+                      <a14:useLocalDpi xmlns:a14="http://schemas.microsoft.com/office/drawing/2010/main" val="0"/>
+                    </a:ext>
+                  </a:extLst>
+                </a:blip>
+                <a:srcRect t="16483" b="12974"/>
+                <a:stretch/>
+              </p:blipFill>
+              <p:spPr bwMode="auto">
+                <a:xfrm>
+                  <a:off x="1596213" y="5650092"/>
+                  <a:ext cx="2039402" cy="1079003"/>
+                </a:xfrm>
+                <a:prstGeom prst="rect">
+                  <a:avLst/>
+                </a:prstGeom>
+                <a:noFill/>
+                <a:extLst>
+                  <a:ext uri="{909E8E84-426E-40DD-AFC4-6F175D3DCCD1}">
+                    <a14:hiddenFill xmlns:a14="http://schemas.microsoft.com/office/drawing/2010/main">
+                      <a:solidFill>
+                        <a:srgbClr val="FFFFFF"/>
+                      </a:solidFill>
+                    </a14:hiddenFill>
+                  </a:ext>
+                </a:extLst>
+              </p:spPr>
+            </p:pic>
+          </p:grpSp>
+          <p:grpSp>
+            <p:nvGrpSpPr>
+              <p:cNvPr id="8" name="组合 7">
                 <a:extLst>
                   <a:ext uri="{FF2B5EF4-FFF2-40B4-BE49-F238E27FC236}">
-                    <a16:creationId xmlns:a16="http://schemas.microsoft.com/office/drawing/2014/main" id="{AD32F374-0A54-03BB-7CF5-17A2982619ED}"/>
+                    <a16:creationId xmlns:a16="http://schemas.microsoft.com/office/drawing/2014/main" id="{BF2C7FE0-929B-21CF-8C17-464FF525C8D7}"/>
                   </a:ext>
                 </a:extLst>
               </p:cNvPr>
-              <p:cNvPicPr>
-                <a:picLocks noChangeAspect="1" noChangeArrowheads="1"/>
-              </p:cNvPicPr>
+              <p:cNvGrpSpPr/>
               <p:nvPr/>
-            </p:nvPicPr>
-            <p:blipFill rotWithShape="1">
-              <a:blip r:embed="rId7" cstate="print">
+            </p:nvGrpSpPr>
+            <p:grpSpPr>
+              <a:xfrm>
+                <a:off x="1596213" y="4352548"/>
+                <a:ext cx="3642293" cy="1083215"/>
+                <a:chOff x="1596213" y="4352548"/>
+                <a:chExt cx="3642293" cy="1083215"/>
+              </a:xfrm>
+            </p:grpSpPr>
+            <p:sp>
+              <p:nvSpPr>
+                <p:cNvPr id="3" name="矩形 71"/>
+                <p:cNvSpPr>
+                  <a:spLocks noChangeArrowheads="1"/>
+                </p:cNvSpPr>
+                <p:nvPr/>
+              </p:nvSpPr>
+              <p:spPr bwMode="auto">
+                <a:xfrm>
+                  <a:off x="3791744" y="4724878"/>
+                  <a:ext cx="1446762" cy="338554"/>
+                </a:xfrm>
+                <a:prstGeom prst="rect">
+                  <a:avLst/>
+                </a:prstGeom>
+                <a:noFill/>
+                <a:ln>
+                  <a:noFill/>
+                </a:ln>
                 <a:extLst>
-                  <a:ext uri="{28A0092B-C50C-407E-A947-70E740481C1C}">
-                    <a14:useLocalDpi xmlns:a14="http://schemas.microsoft.com/office/drawing/2010/main" val="0"/>
+                  <a:ext uri="{909E8E84-426E-40DD-AFC4-6F175D3DCCD1}">
+                    <a14:hiddenFill xmlns:a14="http://schemas.microsoft.com/office/drawing/2010/main">
+                      <a:solidFill>
+                        <a:srgbClr val="FFFFFF"/>
+                      </a:solidFill>
+                    </a14:hiddenFill>
+                  </a:ext>
+                  <a:ext uri="{91240B29-F687-4F45-9708-019B960494DF}">
+                    <a14:hiddenLine xmlns:a14="http://schemas.microsoft.com/office/drawing/2010/main" w="9525">
+                      <a:solidFill>
+                        <a:srgbClr val="000000"/>
+                      </a:solidFill>
+                      <a:miter lim="800000"/>
+                      <a:headEnd/>
+                      <a:tailEnd/>
+                    </a14:hiddenLine>
                   </a:ext>
                 </a:extLst>
-              </a:blip>
-              <a:srcRect t="16483" b="12974"/>
-              <a:stretch/>
-            </p:blipFill>
-            <p:spPr bwMode="auto">
-              <a:xfrm>
-                <a:off x="1596213" y="5650092"/>
-                <a:ext cx="2039402" cy="1079003"/>
-              </a:xfrm>
-              <a:prstGeom prst="rect">
-                <a:avLst/>
-              </a:prstGeom>
-              <a:noFill/>
-              <a:extLst>
-                <a:ext uri="{909E8E84-426E-40DD-AFC4-6F175D3DCCD1}">
-                  <a14:hiddenFill xmlns:a14="http://schemas.microsoft.com/office/drawing/2010/main">
-                    <a:solidFill>
-                      <a:srgbClr val="FFFFFF"/>
-                    </a:solidFill>
-                  </a14:hiddenFill>
-                </a:ext>
-              </a:extLst>
-            </p:spPr>
-          </p:pic>
-        </p:grpSp>
-        <p:grpSp>
-          <p:nvGrpSpPr>
-            <p:cNvPr id="8" name="组合 7">
-              <a:extLst>
-                <a:ext uri="{FF2B5EF4-FFF2-40B4-BE49-F238E27FC236}">
-                  <a16:creationId xmlns:a16="http://schemas.microsoft.com/office/drawing/2014/main" id="{BF2C7FE0-929B-21CF-8C17-464FF525C8D7}"/>
-                </a:ext>
-              </a:extLst>
-            </p:cNvPr>
-            <p:cNvGrpSpPr/>
-            <p:nvPr/>
-          </p:nvGrpSpPr>
-          <p:grpSpPr>
-            <a:xfrm>
-              <a:off x="1596213" y="4352548"/>
-              <a:ext cx="3642293" cy="1083215"/>
-              <a:chOff x="1596213" y="4352548"/>
-              <a:chExt cx="3642293" cy="1083215"/>
-            </a:xfrm>
-          </p:grpSpPr>
-          <p:sp>
-            <p:nvSpPr>
-              <p:cNvPr id="3" name="矩形 71"/>
-              <p:cNvSpPr>
-                <a:spLocks noChangeArrowheads="1"/>
-              </p:cNvSpPr>
-              <p:nvPr/>
-            </p:nvSpPr>
-            <p:spPr bwMode="auto">
-              <a:xfrm>
-                <a:off x="3791744" y="4724878"/>
-                <a:ext cx="1446762" cy="338554"/>
-              </a:xfrm>
-              <a:prstGeom prst="rect">
-                <a:avLst/>
-              </a:prstGeom>
-              <a:noFill/>
-              <a:ln>
-                <a:noFill/>
-              </a:ln>
-              <a:extLst>
-                <a:ext uri="{909E8E84-426E-40DD-AFC4-6F175D3DCCD1}">
-                  <a14:hiddenFill xmlns:a14="http://schemas.microsoft.com/office/drawing/2010/main">
-                    <a:solidFill>
-                      <a:srgbClr val="FFFFFF"/>
-                    </a:solidFill>
-                  </a14:hiddenFill>
-                </a:ext>
-                <a:ext uri="{91240B29-F687-4F45-9708-019B960494DF}">
-                  <a14:hiddenLine xmlns:a14="http://schemas.microsoft.com/office/drawing/2010/main" w="9525">
-                    <a:solidFill>
-                      <a:srgbClr val="000000"/>
-                    </a:solidFill>
-                    <a:miter lim="800000"/>
-                    <a:headEnd/>
-                    <a:tailEnd/>
-                  </a14:hiddenLine>
-                </a:ext>
-              </a:extLst>
-            </p:spPr>
-            <p:txBody>
-              <a:bodyPr wrap="square">
-                <a:spAutoFit/>
-              </a:bodyPr>
-              <a:lstStyle>
-                <a:lvl1pPr>
-                  <a:spcBef>
-                    <a:spcPct val="20000"/>
-                  </a:spcBef>
-                  <a:buClr>
-                    <a:srgbClr val="C00000"/>
-                  </a:buClr>
-                  <a:buSzPct val="85000"/>
-                  <a:buFont typeface="Wingdings" panose="05000000000000000000" pitchFamily="2" charset="2"/>
-                  <a:buChar char="p"/>
-                  <a:defRPr sz="2800">
-                    <a:solidFill>
-                      <a:schemeClr val="tx1"/>
-                    </a:solidFill>
-                    <a:latin typeface="Arial" panose="020B0604020202020204" pitchFamily="34" charset="0"/>
-                  </a:defRPr>
-                </a:lvl1pPr>
-                <a:lvl2pPr marL="742950" indent="-285750">
-                  <a:spcBef>
-                    <a:spcPct val="20000"/>
-                  </a:spcBef>
-                  <a:buClr>
-                    <a:srgbClr val="C00000"/>
-                  </a:buClr>
-                  <a:buSzPct val="85000"/>
-                  <a:buFont typeface="Wingdings" panose="05000000000000000000" pitchFamily="2" charset="2"/>
-                  <a:buChar char="Ø"/>
-                  <a:defRPr sz="2400">
-                    <a:solidFill>
-                      <a:schemeClr val="tx1"/>
-                    </a:solidFill>
-                    <a:latin typeface="Arial" panose="020B0604020202020204" pitchFamily="34" charset="0"/>
-                  </a:defRPr>
-                </a:lvl2pPr>
-                <a:lvl3pPr marL="1143000" indent="-228600">
-                  <a:spcBef>
-                    <a:spcPct val="20000"/>
-                  </a:spcBef>
-                  <a:buClr>
-                    <a:schemeClr val="accent1"/>
-                  </a:buClr>
-                  <a:buSzPct val="85000"/>
-                  <a:buFont typeface="Wingdings" panose="05000000000000000000" pitchFamily="2" charset="2"/>
-                  <a:buChar char="n"/>
-                  <a:defRPr sz="2000">
-                    <a:solidFill>
-                      <a:schemeClr val="tx1"/>
-                    </a:solidFill>
-                    <a:latin typeface="Arial" panose="020B0604020202020204" pitchFamily="34" charset="0"/>
-                  </a:defRPr>
-                </a:lvl3pPr>
-                <a:lvl4pPr marL="1600200" indent="-228600">
-                  <a:spcBef>
-                    <a:spcPct val="20000"/>
-                  </a:spcBef>
-                  <a:buClr>
-                    <a:schemeClr val="bg2"/>
-                  </a:buClr>
-                  <a:buFont typeface="Wingdings" panose="05000000000000000000" pitchFamily="2" charset="2"/>
-                  <a:buChar char="§"/>
-                  <a:defRPr sz="2000">
-                    <a:solidFill>
-                      <a:schemeClr val="tx1"/>
-                    </a:solidFill>
-                    <a:latin typeface="Arial" panose="020B0604020202020204" pitchFamily="34" charset="0"/>
-                  </a:defRPr>
-                </a:lvl4pPr>
-                <a:lvl5pPr marL="2057400" indent="-228600">
-                  <a:spcBef>
-                    <a:spcPct val="20000"/>
-                  </a:spcBef>
-                  <a:buClr>
-                    <a:schemeClr val="tx2"/>
-                  </a:buClr>
-                  <a:buSzPct val="80000"/>
-                  <a:buFont typeface="Wingdings" panose="05000000000000000000" pitchFamily="2" charset="2"/>
-                  <a:buChar char="§"/>
-                  <a:defRPr sz="2000">
-                    <a:solidFill>
-                      <a:schemeClr val="tx1"/>
-                    </a:solidFill>
-                    <a:latin typeface="Arial" panose="020B0604020202020204" pitchFamily="34" charset="0"/>
-                  </a:defRPr>
-                </a:lvl5pPr>
-                <a:lvl6pPr marL="2514600" indent="-228600" eaLnBrk="0" fontAlgn="base" hangingPunct="0">
-                  <a:spcBef>
-                    <a:spcPct val="20000"/>
-                  </a:spcBef>
-                  <a:spcAft>
-                    <a:spcPct val="0"/>
-                  </a:spcAft>
-                  <a:buClr>
-                    <a:schemeClr val="tx2"/>
-                  </a:buClr>
-                  <a:buSzPct val="80000"/>
-                  <a:buFont typeface="Wingdings" panose="05000000000000000000" pitchFamily="2" charset="2"/>
-                  <a:buChar char="§"/>
-                  <a:defRPr sz="2000">
-                    <a:solidFill>
-                      <a:schemeClr val="tx1"/>
-                    </a:solidFill>
-                    <a:latin typeface="Arial" panose="020B0604020202020204" pitchFamily="34" charset="0"/>
-                  </a:defRPr>
-                </a:lvl6pPr>
-                <a:lvl7pPr marL="2971800" indent="-228600" eaLnBrk="0" fontAlgn="base" hangingPunct="0">
-                  <a:spcBef>
-                    <a:spcPct val="20000"/>
-                  </a:spcBef>
-                  <a:spcAft>
-                    <a:spcPct val="0"/>
-                  </a:spcAft>
-                  <a:buClr>
-                    <a:schemeClr val="tx2"/>
-                  </a:buClr>
-                  <a:buSzPct val="80000"/>
-                  <a:buFont typeface="Wingdings" panose="05000000000000000000" pitchFamily="2" charset="2"/>
-                  <a:buChar char="§"/>
-                  <a:defRPr sz="2000">
-                    <a:solidFill>
-                      <a:schemeClr val="tx1"/>
-                    </a:solidFill>
-                    <a:latin typeface="Arial" panose="020B0604020202020204" pitchFamily="34" charset="0"/>
-                  </a:defRPr>
-                </a:lvl7pPr>
-                <a:lvl8pPr marL="3429000" indent="-228600" eaLnBrk="0" fontAlgn="base" hangingPunct="0">
-                  <a:spcBef>
-                    <a:spcPct val="20000"/>
-                  </a:spcBef>
-                  <a:spcAft>
-                    <a:spcPct val="0"/>
-                  </a:spcAft>
-                  <a:buClr>
-                    <a:schemeClr val="tx2"/>
-                  </a:buClr>
-                  <a:buSzPct val="80000"/>
-                  <a:buFont typeface="Wingdings" panose="05000000000000000000" pitchFamily="2" charset="2"/>
-                  <a:buChar char="§"/>
-                  <a:defRPr sz="2000">
-                    <a:solidFill>
-                      <a:schemeClr val="tx1"/>
-                    </a:solidFill>
-                    <a:latin typeface="Arial" panose="020B0604020202020204" pitchFamily="34" charset="0"/>
-                  </a:defRPr>
-                </a:lvl8pPr>
-                <a:lvl9pPr marL="3886200" indent="-228600" eaLnBrk="0" fontAlgn="base" hangingPunct="0">
-                  <a:spcBef>
-                    <a:spcPct val="20000"/>
-                  </a:spcBef>
-                  <a:spcAft>
-                    <a:spcPct val="0"/>
-                  </a:spcAft>
-                  <a:buClr>
-                    <a:schemeClr val="tx2"/>
-                  </a:buClr>
-                  <a:buSzPct val="80000"/>
-                  <a:buFont typeface="Wingdings" panose="05000000000000000000" pitchFamily="2" charset="2"/>
-                  <a:buChar char="§"/>
-                  <a:defRPr sz="2000">
-                    <a:solidFill>
-                      <a:schemeClr val="tx1"/>
-                    </a:solidFill>
-                    <a:latin typeface="Arial" panose="020B0604020202020204" pitchFamily="34" charset="0"/>
-                  </a:defRPr>
-                </a:lvl9pPr>
-              </a:lstStyle>
-              <a:p>
-                <a:pPr algn="ctr" eaLnBrk="1" hangingPunct="1">
-                  <a:spcBef>
-                    <a:spcPct val="0"/>
-                  </a:spcBef>
-                  <a:buClrTx/>
-                  <a:buSzTx/>
-                  <a:buFontTx/>
-                  <a:buNone/>
-                </a:pPr>
-                <a:r>
-                  <a:rPr lang="zh-CN" altLang="en-US" sz="1600" b="1" dirty="0">
+              </p:spPr>
+              <p:txBody>
+                <a:bodyPr wrap="square">
+                  <a:spAutoFit/>
+                </a:bodyPr>
+                <a:lstStyle>
+                  <a:lvl1pPr>
+                    <a:spcBef>
+                      <a:spcPct val="20000"/>
+                    </a:spcBef>
+                    <a:buClr>
+                      <a:srgbClr val="C00000"/>
+                    </a:buClr>
+                    <a:buSzPct val="85000"/>
+                    <a:buFont typeface="Wingdings" panose="05000000000000000000" pitchFamily="2" charset="2"/>
+                    <a:buChar char="p"/>
+                    <a:defRPr sz="2800">
+                      <a:solidFill>
+                        <a:schemeClr val="tx1"/>
+                      </a:solidFill>
+                      <a:latin typeface="Arial" panose="020B0604020202020204" pitchFamily="34" charset="0"/>
+                    </a:defRPr>
+                  </a:lvl1pPr>
+                  <a:lvl2pPr marL="742950" indent="-285750">
+                    <a:spcBef>
+                      <a:spcPct val="20000"/>
+                    </a:spcBef>
+                    <a:buClr>
+                      <a:srgbClr val="C00000"/>
+                    </a:buClr>
+                    <a:buSzPct val="85000"/>
+                    <a:buFont typeface="Wingdings" panose="05000000000000000000" pitchFamily="2" charset="2"/>
+                    <a:buChar char="Ø"/>
+                    <a:defRPr sz="2400">
+                      <a:solidFill>
+                        <a:schemeClr val="tx1"/>
+                      </a:solidFill>
+                      <a:latin typeface="Arial" panose="020B0604020202020204" pitchFamily="34" charset="0"/>
+                    </a:defRPr>
+                  </a:lvl2pPr>
+                  <a:lvl3pPr marL="1143000" indent="-228600">
+                    <a:spcBef>
+                      <a:spcPct val="20000"/>
+                    </a:spcBef>
+                    <a:buClr>
+                      <a:schemeClr val="accent1"/>
+                    </a:buClr>
+                    <a:buSzPct val="85000"/>
+                    <a:buFont typeface="Wingdings" panose="05000000000000000000" pitchFamily="2" charset="2"/>
+                    <a:buChar char="n"/>
+                    <a:defRPr sz="2000">
+                      <a:solidFill>
+                        <a:schemeClr val="tx1"/>
+                      </a:solidFill>
+                      <a:latin typeface="Arial" panose="020B0604020202020204" pitchFamily="34" charset="0"/>
+                    </a:defRPr>
+                  </a:lvl3pPr>
+                  <a:lvl4pPr marL="1600200" indent="-228600">
+                    <a:spcBef>
+                      <a:spcPct val="20000"/>
+                    </a:spcBef>
+                    <a:buClr>
+                      <a:schemeClr val="bg2"/>
+                    </a:buClr>
+                    <a:buFont typeface="Wingdings" panose="05000000000000000000" pitchFamily="2" charset="2"/>
+                    <a:buChar char="§"/>
+                    <a:defRPr sz="2000">
+                      <a:solidFill>
+                        <a:schemeClr val="tx1"/>
+                      </a:solidFill>
+                      <a:latin typeface="Arial" panose="020B0604020202020204" pitchFamily="34" charset="0"/>
+                    </a:defRPr>
+                  </a:lvl4pPr>
+                  <a:lvl5pPr marL="2057400" indent="-228600">
+                    <a:spcBef>
+                      <a:spcPct val="20000"/>
+                    </a:spcBef>
+                    <a:buClr>
+                      <a:schemeClr val="tx2"/>
+                    </a:buClr>
+                    <a:buSzPct val="80000"/>
+                    <a:buFont typeface="Wingdings" panose="05000000000000000000" pitchFamily="2" charset="2"/>
+                    <a:buChar char="§"/>
+                    <a:defRPr sz="2000">
+                      <a:solidFill>
+                        <a:schemeClr val="tx1"/>
+                      </a:solidFill>
+                      <a:latin typeface="Arial" panose="020B0604020202020204" pitchFamily="34" charset="0"/>
+                    </a:defRPr>
+                  </a:lvl5pPr>
+                  <a:lvl6pPr marL="2514600" indent="-228600" eaLnBrk="0" fontAlgn="base" hangingPunct="0">
+                    <a:spcBef>
+                      <a:spcPct val="20000"/>
+                    </a:spcBef>
+                    <a:spcAft>
+                      <a:spcPct val="0"/>
+                    </a:spcAft>
+                    <a:buClr>
+                      <a:schemeClr val="tx2"/>
+                    </a:buClr>
+                    <a:buSzPct val="80000"/>
+                    <a:buFont typeface="Wingdings" panose="05000000000000000000" pitchFamily="2" charset="2"/>
+                    <a:buChar char="§"/>
+                    <a:defRPr sz="2000">
+                      <a:solidFill>
+                        <a:schemeClr val="tx1"/>
+                      </a:solidFill>
+                      <a:latin typeface="Arial" panose="020B0604020202020204" pitchFamily="34" charset="0"/>
+                    </a:defRPr>
+                  </a:lvl6pPr>
+                  <a:lvl7pPr marL="2971800" indent="-228600" eaLnBrk="0" fontAlgn="base" hangingPunct="0">
+                    <a:spcBef>
+                      <a:spcPct val="20000"/>
+                    </a:spcBef>
+                    <a:spcAft>
+                      <a:spcPct val="0"/>
+                    </a:spcAft>
+                    <a:buClr>
+                      <a:schemeClr val="tx2"/>
+                    </a:buClr>
+                    <a:buSzPct val="80000"/>
+                    <a:buFont typeface="Wingdings" panose="05000000000000000000" pitchFamily="2" charset="2"/>
+                    <a:buChar char="§"/>
+                    <a:defRPr sz="2000">
+                      <a:solidFill>
+                        <a:schemeClr val="tx1"/>
+                      </a:solidFill>
+                      <a:latin typeface="Arial" panose="020B0604020202020204" pitchFamily="34" charset="0"/>
+                    </a:defRPr>
+                  </a:lvl7pPr>
+                  <a:lvl8pPr marL="3429000" indent="-228600" eaLnBrk="0" fontAlgn="base" hangingPunct="0">
+                    <a:spcBef>
+                      <a:spcPct val="20000"/>
+                    </a:spcBef>
+                    <a:spcAft>
+                      <a:spcPct val="0"/>
+                    </a:spcAft>
+                    <a:buClr>
+                      <a:schemeClr val="tx2"/>
+                    </a:buClr>
+                    <a:buSzPct val="80000"/>
+                    <a:buFont typeface="Wingdings" panose="05000000000000000000" pitchFamily="2" charset="2"/>
+                    <a:buChar char="§"/>
+                    <a:defRPr sz="2000">
+                      <a:solidFill>
+                        <a:schemeClr val="tx1"/>
+                      </a:solidFill>
+                      <a:latin typeface="Arial" panose="020B0604020202020204" pitchFamily="34" charset="0"/>
+                    </a:defRPr>
+                  </a:lvl8pPr>
+                  <a:lvl9pPr marL="3886200" indent="-228600" eaLnBrk="0" fontAlgn="base" hangingPunct="0">
+                    <a:spcBef>
+                      <a:spcPct val="20000"/>
+                    </a:spcBef>
+                    <a:spcAft>
+                      <a:spcPct val="0"/>
+                    </a:spcAft>
+                    <a:buClr>
+                      <a:schemeClr val="tx2"/>
+                    </a:buClr>
+                    <a:buSzPct val="80000"/>
+                    <a:buFont typeface="Wingdings" panose="05000000000000000000" pitchFamily="2" charset="2"/>
+                    <a:buChar char="§"/>
+                    <a:defRPr sz="2000">
+                      <a:solidFill>
+                        <a:schemeClr val="tx1"/>
+                      </a:solidFill>
+                      <a:latin typeface="Arial" panose="020B0604020202020204" pitchFamily="34" charset="0"/>
+                    </a:defRPr>
+                  </a:lvl9pPr>
+                </a:lstStyle>
+                <a:p>
+                  <a:pPr algn="ctr" eaLnBrk="1" hangingPunct="1">
+                    <a:spcBef>
+                      <a:spcPct val="0"/>
+                    </a:spcBef>
+                    <a:buClrTx/>
+                    <a:buSzTx/>
+                    <a:buFontTx/>
+                    <a:buNone/>
+                  </a:pPr>
+                  <a:r>
+                    <a:rPr lang="zh-CN" altLang="en-US" sz="1600" b="1" dirty="0">
+                      <a:solidFill>
+                        <a:srgbClr val="002060"/>
+                      </a:solidFill>
+                      <a:latin typeface="微软雅黑" panose="020B0503020204020204" pitchFamily="34" charset="-122"/>
+                      <a:ea typeface="微软雅黑" panose="020B0503020204020204" pitchFamily="34" charset="-122"/>
+                    </a:rPr>
+                    <a:t>网络传输延迟</a:t>
+                  </a:r>
+                  <a:endParaRPr lang="en-US" altLang="zh-CN" sz="1600" b="1" dirty="0">
                     <a:solidFill>
                       <a:srgbClr val="002060"/>
                     </a:solidFill>
                     <a:latin typeface="微软雅黑" panose="020B0503020204020204" pitchFamily="34" charset="-122"/>
                     <a:ea typeface="微软雅黑" panose="020B0503020204020204" pitchFamily="34" charset="-122"/>
-                  </a:rPr>
-                  <a:t>网络传输延迟</a:t>
-                </a:r>
-                <a:endParaRPr lang="en-US" altLang="zh-CN" sz="1600" b="1" dirty="0">
-                  <a:solidFill>
-                    <a:srgbClr val="002060"/>
-                  </a:solidFill>
-                  <a:latin typeface="微软雅黑" panose="020B0503020204020204" pitchFamily="34" charset="-122"/>
-                  <a:ea typeface="微软雅黑" panose="020B0503020204020204" pitchFamily="34" charset="-122"/>
-                </a:endParaRPr>
-              </a:p>
-            </p:txBody>
-          </p:sp>
-          <p:pic>
-            <p:nvPicPr>
-              <p:cNvPr id="1030" name="Picture 6" descr="计算机网络中的时延有哪几部分,计算机网络中的四种延迟分别是什么？-CSDN博客">
+                  </a:endParaRPr>
+                </a:p>
+              </p:txBody>
+            </p:sp>
+            <p:pic>
+              <p:nvPicPr>
+                <p:cNvPr id="1030" name="Picture 6" descr="计算机网络中的时延有哪几部分,计算机网络中的四种延迟分别是什么？-CSDN博客">
+                  <a:extLst>
+                    <a:ext uri="{FF2B5EF4-FFF2-40B4-BE49-F238E27FC236}">
+                      <a16:creationId xmlns:a16="http://schemas.microsoft.com/office/drawing/2014/main" id="{922B0EBE-BF82-0D01-4F37-8B2CB56239DA}"/>
+                    </a:ext>
+                  </a:extLst>
+                </p:cNvPr>
+                <p:cNvPicPr>
+                  <a:picLocks noChangeAspect="1" noChangeArrowheads="1"/>
+                </p:cNvPicPr>
+                <p:nvPr/>
+              </p:nvPicPr>
+              <p:blipFill rotWithShape="1">
+                <a:blip r:embed="rId6" cstate="print">
+                  <a:extLst>
+                    <a:ext uri="{28A0092B-C50C-407E-A947-70E740481C1C}">
+                      <a14:useLocalDpi xmlns:a14="http://schemas.microsoft.com/office/drawing/2010/main" val="0"/>
+                    </a:ext>
+                  </a:extLst>
+                </a:blip>
+                <a:srcRect l="5583" t="7603" b="6268"/>
+                <a:stretch/>
+              </p:blipFill>
+              <p:spPr bwMode="auto">
+                <a:xfrm>
+                  <a:off x="1596213" y="4352548"/>
+                  <a:ext cx="2039403" cy="1083215"/>
+                </a:xfrm>
+                <a:prstGeom prst="rect">
+                  <a:avLst/>
+                </a:prstGeom>
+                <a:noFill/>
                 <a:extLst>
-                  <a:ext uri="{FF2B5EF4-FFF2-40B4-BE49-F238E27FC236}">
-                    <a16:creationId xmlns:a16="http://schemas.microsoft.com/office/drawing/2014/main" id="{922B0EBE-BF82-0D01-4F37-8B2CB56239DA}"/>
+                  <a:ext uri="{909E8E84-426E-40DD-AFC4-6F175D3DCCD1}">
+                    <a14:hiddenFill xmlns:a14="http://schemas.microsoft.com/office/drawing/2010/main">
+                      <a:solidFill>
+                        <a:srgbClr val="FFFFFF"/>
+                      </a:solidFill>
+                    </a14:hiddenFill>
                   </a:ext>
                 </a:extLst>
-              </p:cNvPr>
-              <p:cNvPicPr>
-                <a:picLocks noChangeAspect="1" noChangeArrowheads="1"/>
-              </p:cNvPicPr>
-              <p:nvPr/>
-            </p:nvPicPr>
-            <p:blipFill rotWithShape="1">
-              <a:blip r:embed="rId8" cstate="print">
-                <a:extLst>
-                  <a:ext uri="{28A0092B-C50C-407E-A947-70E740481C1C}">
-                    <a14:useLocalDpi xmlns:a14="http://schemas.microsoft.com/office/drawing/2010/main" val="0"/>
-                  </a:ext>
-                </a:extLst>
-              </a:blip>
-              <a:srcRect l="5583" t="7603" b="6268"/>
-              <a:stretch/>
-            </p:blipFill>
-            <p:spPr bwMode="auto">
-              <a:xfrm>
-                <a:off x="1596213" y="4352548"/>
-                <a:ext cx="2039403" cy="1083215"/>
-              </a:xfrm>
-              <a:prstGeom prst="rect">
-                <a:avLst/>
-              </a:prstGeom>
-              <a:noFill/>
+              </p:spPr>
+            </p:pic>
+          </p:grpSp>
+        </p:grpSp>
+        <p:sp>
+          <p:nvSpPr>
+            <p:cNvPr id="2" name="矩形 1">
               <a:extLst>
-                <a:ext uri="{909E8E84-426E-40DD-AFC4-6F175D3DCCD1}">
-                  <a14:hiddenFill xmlns:a14="http://schemas.microsoft.com/office/drawing/2010/main">
-                    <a:solidFill>
-                      <a:srgbClr val="FFFFFF"/>
-                    </a:solidFill>
-                  </a14:hiddenFill>
+                <a:ext uri="{FF2B5EF4-FFF2-40B4-BE49-F238E27FC236}">
+                  <a16:creationId xmlns:a16="http://schemas.microsoft.com/office/drawing/2014/main" id="{7F501DC3-8C5F-2472-FA11-D25DA8E39DDA}"/>
                 </a:ext>
               </a:extLst>
-            </p:spPr>
-          </p:pic>
-        </p:grpSp>
+            </p:cNvPr>
+            <p:cNvSpPr/>
+            <p:nvPr/>
+          </p:nvSpPr>
+          <p:spPr bwMode="auto">
+            <a:xfrm>
+              <a:off x="660563" y="2996952"/>
+              <a:ext cx="4211301" cy="3794685"/>
+            </a:xfrm>
+            <a:prstGeom prst="rect">
+              <a:avLst/>
+            </a:prstGeom>
+            <a:noFill/>
+            <a:ln w="19050" cap="flat" cmpd="sng" algn="ctr">
+              <a:solidFill>
+                <a:schemeClr val="tx1"/>
+              </a:solidFill>
+              <a:prstDash val="dash"/>
+              <a:round/>
+              <a:headEnd type="none" w="med" len="med"/>
+              <a:tailEnd type="none" w="med" len="med"/>
+            </a:ln>
+            <a:effectLst/>
+          </p:spPr>
+          <p:txBody>
+            <a:bodyPr vert="horz" wrap="square" lIns="91440" tIns="45720" rIns="91440" bIns="45720" numCol="1" rtlCol="0" anchor="t" anchorCtr="0" compatLnSpc="1"/>
+            <a:lstStyle/>
+            <a:p>
+              <a:pPr marL="0" marR="0" indent="0" algn="l" defTabSz="914400" rtl="0" eaLnBrk="0" fontAlgn="base" latinLnBrk="0" hangingPunct="0">
+                <a:lnSpc>
+                  <a:spcPct val="100000"/>
+                </a:lnSpc>
+                <a:spcBef>
+                  <a:spcPct val="0"/>
+                </a:spcBef>
+                <a:spcAft>
+                  <a:spcPct val="0"/>
+                </a:spcAft>
+                <a:buClrTx/>
+                <a:buSzTx/>
+                <a:buFontTx/>
+                <a:buNone/>
+              </a:pPr>
+              <a:endParaRPr kumimoji="0" lang="zh-CN" altLang="en-US" sz="1800" b="0" i="0" u="none" strike="noStrike" cap="none" normalizeH="0" baseline="0">
+                <a:ln>
+                  <a:noFill/>
+                </a:ln>
+                <a:solidFill>
+                  <a:schemeClr val="tx1"/>
+                </a:solidFill>
+                <a:effectLst/>
+                <a:latin typeface="微软雅黑" panose="020B0503020204020204" pitchFamily="34" charset="-122"/>
+                <a:ea typeface="微软雅黑" panose="020B0503020204020204" pitchFamily="34" charset="-122"/>
+              </a:endParaRPr>
+            </a:p>
+          </p:txBody>
+        </p:sp>
+      </p:grpSp>
+      <p:grpSp>
+        <p:nvGrpSpPr>
+          <p:cNvPr id="6" name="组合 5">
+            <a:extLst>
+              <a:ext uri="{FF2B5EF4-FFF2-40B4-BE49-F238E27FC236}">
+                <a16:creationId xmlns:a16="http://schemas.microsoft.com/office/drawing/2014/main" id="{234F71AA-7E7F-D9DA-1EEC-6F66F7732385}"/>
+              </a:ext>
+            </a:extLst>
+          </p:cNvPr>
+          <p:cNvGrpSpPr/>
+          <p:nvPr/>
+        </p:nvGrpSpPr>
+        <p:grpSpPr>
+          <a:xfrm>
+            <a:off x="5369446" y="2996979"/>
+            <a:ext cx="6050802" cy="3794685"/>
+            <a:chOff x="5369446" y="2996979"/>
+            <a:chExt cx="6050802" cy="3794685"/>
+          </a:xfrm>
+        </p:grpSpPr>
+        <p:graphicFrame>
+          <p:nvGraphicFramePr>
+            <p:cNvPr id="20" name="对象 19">
+              <a:extLst>
+                <a:ext uri="{FF2B5EF4-FFF2-40B4-BE49-F238E27FC236}">
+                  <a16:creationId xmlns:a16="http://schemas.microsoft.com/office/drawing/2014/main" id="{9C51CC63-84D7-A7D8-8660-D0A98B1C4DCB}"/>
+                </a:ext>
+              </a:extLst>
+            </p:cNvPr>
+            <p:cNvGraphicFramePr>
+              <a:graphicFrameLocks noChangeAspect="1"/>
+            </p:cNvGraphicFramePr>
+            <p:nvPr>
+              <p:extLst>
+                <p:ext uri="{D42A27DB-BD31-4B8C-83A1-F6EECF244321}">
+                  <p14:modId xmlns:p14="http://schemas.microsoft.com/office/powerpoint/2010/main" val="1493639344"/>
+                </p:ext>
+              </p:extLst>
+            </p:nvPr>
+          </p:nvGraphicFramePr>
+          <p:xfrm>
+            <a:off x="5591391" y="3212976"/>
+            <a:ext cx="5606913" cy="3238475"/>
+          </p:xfrm>
+          <a:graphic>
+            <a:graphicData uri="http://schemas.openxmlformats.org/presentationml/2006/ole">
+              <mc:AlternateContent xmlns:mc="http://schemas.openxmlformats.org/markup-compatibility/2006">
+                <mc:Choice xmlns:v="urn:schemas-microsoft-com:vml" Requires="v">
+                  <p:oleObj name="Visio" r:id="rId7" imgW="3314341" imgH="1914339" progId="Visio.Drawing.15">
+                    <p:embed/>
+                  </p:oleObj>
+                </mc:Choice>
+                <mc:Fallback>
+                  <p:oleObj name="Visio" r:id="rId7" imgW="3314341" imgH="1914339" progId="Visio.Drawing.15">
+                    <p:embed/>
+                    <p:pic>
+                      <p:nvPicPr>
+                        <p:cNvPr id="0" name="Object 1"/>
+                        <p:cNvPicPr>
+                          <a:picLocks noChangeAspect="1" noChangeArrowheads="1"/>
+                        </p:cNvPicPr>
+                        <p:nvPr/>
+                      </p:nvPicPr>
+                      <p:blipFill>
+                        <a:blip r:embed="rId8">
+                          <a:extLst>
+                            <a:ext uri="{28A0092B-C50C-407E-A947-70E740481C1C}">
+                              <a14:useLocalDpi xmlns:a14="http://schemas.microsoft.com/office/drawing/2010/main" val="0"/>
+                            </a:ext>
+                          </a:extLst>
+                        </a:blip>
+                        <a:srcRect/>
+                        <a:stretch>
+                          <a:fillRect/>
+                        </a:stretch>
+                      </p:blipFill>
+                      <p:spPr bwMode="auto">
+                        <a:xfrm>
+                          <a:off x="5591391" y="3212976"/>
+                          <a:ext cx="5606913" cy="3238475"/>
+                        </a:xfrm>
+                        <a:prstGeom prst="rect">
+                          <a:avLst/>
+                        </a:prstGeom>
+                        <a:noFill/>
+                      </p:spPr>
+                    </p:pic>
+                  </p:oleObj>
+                </mc:Fallback>
+              </mc:AlternateContent>
+            </a:graphicData>
+          </a:graphic>
+        </p:graphicFrame>
+        <p:sp>
+          <p:nvSpPr>
+            <p:cNvPr id="4" name="矩形 3">
+              <a:extLst>
+                <a:ext uri="{FF2B5EF4-FFF2-40B4-BE49-F238E27FC236}">
+                  <a16:creationId xmlns:a16="http://schemas.microsoft.com/office/drawing/2014/main" id="{E7A00A3D-AFE0-1A50-5538-22B3C0C00048}"/>
+                </a:ext>
+              </a:extLst>
+            </p:cNvPr>
+            <p:cNvSpPr/>
+            <p:nvPr/>
+          </p:nvSpPr>
+          <p:spPr bwMode="auto">
+            <a:xfrm>
+              <a:off x="5369446" y="2996979"/>
+              <a:ext cx="6050802" cy="3794685"/>
+            </a:xfrm>
+            <a:prstGeom prst="rect">
+              <a:avLst/>
+            </a:prstGeom>
+            <a:noFill/>
+            <a:ln w="19050" cap="flat" cmpd="sng" algn="ctr">
+              <a:solidFill>
+                <a:schemeClr val="tx1"/>
+              </a:solidFill>
+              <a:prstDash val="dash"/>
+              <a:round/>
+              <a:headEnd type="none" w="med" len="med"/>
+              <a:tailEnd type="none" w="med" len="med"/>
+            </a:ln>
+            <a:effectLst/>
+          </p:spPr>
+          <p:txBody>
+            <a:bodyPr vert="horz" wrap="square" lIns="91440" tIns="45720" rIns="91440" bIns="45720" numCol="1" rtlCol="0" anchor="t" anchorCtr="0" compatLnSpc="1"/>
+            <a:lstStyle/>
+            <a:p>
+              <a:pPr marL="0" marR="0" indent="0" algn="l" defTabSz="914400" rtl="0" eaLnBrk="0" fontAlgn="base" latinLnBrk="0" hangingPunct="0">
+                <a:lnSpc>
+                  <a:spcPct val="100000"/>
+                </a:lnSpc>
+                <a:spcBef>
+                  <a:spcPct val="0"/>
+                </a:spcBef>
+                <a:spcAft>
+                  <a:spcPct val="0"/>
+                </a:spcAft>
+                <a:buClrTx/>
+                <a:buSzTx/>
+                <a:buFontTx/>
+                <a:buNone/>
+              </a:pPr>
+              <a:endParaRPr kumimoji="0" lang="zh-CN" altLang="en-US" sz="1800" b="0" i="0" u="none" strike="noStrike" cap="none" normalizeH="0" baseline="0">
+                <a:ln>
+                  <a:noFill/>
+                </a:ln>
+                <a:solidFill>
+                  <a:schemeClr val="tx1"/>
+                </a:solidFill>
+                <a:effectLst/>
+                <a:latin typeface="微软雅黑" panose="020B0503020204020204" pitchFamily="34" charset="-122"/>
+                <a:ea typeface="微软雅黑" panose="020B0503020204020204" pitchFamily="34" charset="-122"/>
+              </a:endParaRPr>
+            </a:p>
+          </p:txBody>
+        </p:sp>
       </p:grpSp>
       <p:sp>
         <p:nvSpPr>
@@ -42591,16 +41187,14 @@
         </p:nvSpPr>
         <p:spPr>
           <a:xfrm rot="16200000">
-            <a:off x="4886748" y="4534115"/>
-            <a:ext cx="546297" cy="720080"/>
+            <a:off x="4850744" y="4498110"/>
+            <a:ext cx="546297" cy="792089"/>
           </a:xfrm>
           <a:prstGeom prst="downArrow">
             <a:avLst/>
           </a:prstGeom>
           <a:solidFill>
-            <a:srgbClr val="4874CB">
-              <a:lumMod val="50000"/>
-            </a:srgbClr>
+            <a:srgbClr val="0066FF"/>
           </a:solidFill>
           <a:ln w="9525" cap="flat" cmpd="sng" algn="ctr">
             <a:noFill/>
@@ -43153,53 +41747,14 @@
       </p:pic>
       <p:sp>
         <p:nvSpPr>
-          <p:cNvPr id="9" name="圆角矩形 52"/>
-          <p:cNvSpPr/>
-          <p:nvPr/>
-        </p:nvSpPr>
-        <p:spPr bwMode="auto">
-          <a:xfrm>
-            <a:off x="695400" y="1301999"/>
-            <a:ext cx="10691019" cy="2631057"/>
-          </a:xfrm>
-          <a:prstGeom prst="roundRect">
-            <a:avLst>
-              <a:gd name="adj" fmla="val 2113"/>
-            </a:avLst>
-          </a:prstGeom>
-          <a:noFill/>
-          <a:ln w="19050" cap="flat" cmpd="sng" algn="ctr">
-            <a:solidFill>
-              <a:srgbClr val="002060"/>
-            </a:solidFill>
-            <a:prstDash val="sysDash"/>
-            <a:round/>
-            <a:headEnd type="none" w="med" len="med"/>
-            <a:tailEnd type="none" w="med" len="med"/>
-          </a:ln>
-          <a:effectLst/>
-        </p:spPr>
-        <p:txBody>
-          <a:bodyPr/>
-          <a:lstStyle/>
-          <a:p>
-            <a:pPr>
-              <a:defRPr/>
-            </a:pPr>
-            <a:endParaRPr lang="zh-CN" altLang="en-US"/>
-          </a:p>
-        </p:txBody>
-      </p:sp>
-      <p:sp>
-        <p:nvSpPr>
           <p:cNvPr id="45" name="圆角矩形 52"/>
           <p:cNvSpPr/>
           <p:nvPr/>
         </p:nvSpPr>
         <p:spPr bwMode="auto">
           <a:xfrm>
-            <a:off x="695709" y="1301998"/>
-            <a:ext cx="10691019" cy="898770"/>
+            <a:off x="695709" y="1301997"/>
+            <a:ext cx="10691019" cy="2100571"/>
           </a:xfrm>
           <a:prstGeom prst="roundRect">
             <a:avLst>
@@ -43241,8 +41796,8 @@
         </p:nvSpPr>
         <p:spPr bwMode="auto">
           <a:xfrm>
-            <a:off x="695709" y="1345815"/>
-            <a:ext cx="10612273" cy="753220"/>
+            <a:off x="695709" y="1409973"/>
+            <a:ext cx="10612273" cy="1884618"/>
           </a:xfrm>
           <a:prstGeom prst="rect">
             <a:avLst/>
@@ -43423,314 +41978,47 @@
             </a:lvl9pPr>
           </a:lstStyle>
           <a:p>
-            <a:pPr algn="just">
+            <a:pPr marL="342900" indent="-342900" algn="just">
               <a:lnSpc>
-                <a:spcPct val="125000"/>
+                <a:spcPct val="150000"/>
               </a:lnSpc>
               <a:spcBef>
                 <a:spcPct val="0"/>
               </a:spcBef>
               <a:buClrTx/>
               <a:buSzTx/>
-              <a:buFontTx/>
-              <a:buNone/>
+              <a:buFont typeface="Wingdings" panose="05000000000000000000" pitchFamily="2" charset="2"/>
+              <a:buChar char="n"/>
             </a:pPr>
             <a:r>
-              <a:rPr lang="zh-CN" altLang="en-US" sz="1800" b="1" dirty="0">
-                <a:solidFill>
-                  <a:srgbClr val="C00000"/>
+              <a:rPr lang="zh-CN" altLang="en-US" sz="2000" b="1" dirty="0">
+                <a:solidFill>
+                  <a:srgbClr val="002060"/>
                 </a:solidFill>
                 <a:latin typeface="微软雅黑" panose="020B0503020204020204" pitchFamily="34" charset="-122"/>
                 <a:ea typeface="微软雅黑" panose="020B0503020204020204" pitchFamily="34" charset="-122"/>
               </a:rPr>
-              <a:t>最优跟踪控制</a:t>
-            </a:r>
-            <a:r>
-              <a:rPr lang="zh-CN" altLang="en-US" sz="1800" b="1" dirty="0">
-                <a:solidFill>
-                  <a:srgbClr val="002060"/>
+              <a:t>最优跟踪控制通过设计</a:t>
+            </a:r>
+            <a:r>
+              <a:rPr lang="zh-CN" altLang="en-US" sz="2000" b="1" dirty="0">
+                <a:solidFill>
+                  <a:srgbClr val="FF0000"/>
                 </a:solidFill>
                 <a:latin typeface="微软雅黑" panose="020B0503020204020204" pitchFamily="34" charset="-122"/>
                 <a:ea typeface="微软雅黑" panose="020B0503020204020204" pitchFamily="34" charset="-122"/>
               </a:rPr>
-              <a:t>：通过设计给定性能指标下的最优跟踪控制器，可实现系统状态或输出与目标信号的一致性，被广泛应用于无人机编队、雷达追踪等领域，成为备受关注的研究热点。</a:t>
-            </a:r>
-          </a:p>
-        </p:txBody>
-      </p:sp>
-      <p:sp>
-        <p:nvSpPr>
-          <p:cNvPr id="4" name="箭头: 右 3"/>
-          <p:cNvSpPr/>
-          <p:nvPr/>
-        </p:nvSpPr>
-        <p:spPr bwMode="auto">
-          <a:xfrm>
-            <a:off x="3766908" y="2943547"/>
-            <a:ext cx="4092184" cy="216024"/>
-          </a:xfrm>
-          <a:prstGeom prst="rightArrow">
-            <a:avLst/>
-          </a:prstGeom>
-          <a:solidFill>
-            <a:srgbClr val="002060"/>
-          </a:solidFill>
-          <a:ln w="19050" cap="flat" cmpd="sng" algn="ctr">
-            <a:noFill/>
-            <a:prstDash val="solid"/>
-            <a:round/>
-            <a:headEnd type="none" w="med" len="med"/>
-            <a:tailEnd type="none" w="med" len="med"/>
-          </a:ln>
-          <a:effectLst/>
-        </p:spPr>
-        <p:txBody>
-          <a:bodyPr/>
-          <a:lstStyle/>
-          <a:p>
-            <a:endParaRPr lang="zh-CN" altLang="en-US"/>
-          </a:p>
-        </p:txBody>
-      </p:sp>
-      <p:sp>
-        <p:nvSpPr>
-          <p:cNvPr id="68" name="矩形 71"/>
-          <p:cNvSpPr>
-            <a:spLocks noChangeArrowheads="1"/>
-          </p:cNvSpPr>
-          <p:nvPr/>
-        </p:nvSpPr>
-        <p:spPr bwMode="auto">
-          <a:xfrm>
-            <a:off x="4138171" y="2552484"/>
-            <a:ext cx="3130776" cy="400110"/>
-          </a:xfrm>
-          <a:prstGeom prst="rect">
-            <a:avLst/>
-          </a:prstGeom>
-          <a:noFill/>
-          <a:ln>
-            <a:noFill/>
-          </a:ln>
-          <a:extLst>
-            <a:ext uri="{909E8E84-426E-40DD-AFC4-6F175D3DCCD1}">
-              <a14:hiddenFill xmlns:a14="http://schemas.microsoft.com/office/drawing/2010/main">
-                <a:solidFill>
-                  <a:srgbClr val="FFFFFF"/>
-                </a:solidFill>
-              </a14:hiddenFill>
-            </a:ext>
-            <a:ext uri="{91240B29-F687-4F45-9708-019B960494DF}">
-              <a14:hiddenLine xmlns:a14="http://schemas.microsoft.com/office/drawing/2010/main" w="9525">
-                <a:solidFill>
-                  <a:srgbClr val="000000"/>
-                </a:solidFill>
-                <a:miter lim="800000"/>
-                <a:headEnd/>
-                <a:tailEnd/>
-              </a14:hiddenLine>
-            </a:ext>
-          </a:extLst>
-        </p:spPr>
-        <p:txBody>
-          <a:bodyPr wrap="square">
-            <a:spAutoFit/>
-          </a:bodyPr>
-          <a:lstStyle>
-            <a:lvl1pPr>
-              <a:spcBef>
-                <a:spcPct val="20000"/>
-              </a:spcBef>
-              <a:buClr>
-                <a:srgbClr val="C00000"/>
-              </a:buClr>
-              <a:buSzPct val="85000"/>
-              <a:buFont typeface="Wingdings" panose="05000000000000000000" pitchFamily="2" charset="2"/>
-              <a:buChar char="p"/>
-              <a:defRPr sz="2800">
-                <a:solidFill>
-                  <a:schemeClr val="tx1"/>
-                </a:solidFill>
-                <a:latin typeface="Arial" panose="020B0604020202020204" pitchFamily="34" charset="0"/>
-              </a:defRPr>
-            </a:lvl1pPr>
-            <a:lvl2pPr marL="742950" indent="-285750">
-              <a:spcBef>
-                <a:spcPct val="20000"/>
-              </a:spcBef>
-              <a:buClr>
-                <a:srgbClr val="C00000"/>
-              </a:buClr>
-              <a:buSzPct val="85000"/>
-              <a:buFont typeface="Wingdings" panose="05000000000000000000" pitchFamily="2" charset="2"/>
-              <a:buChar char="Ø"/>
-              <a:defRPr sz="2400">
-                <a:solidFill>
-                  <a:schemeClr val="tx1"/>
-                </a:solidFill>
-                <a:latin typeface="Arial" panose="020B0604020202020204" pitchFamily="34" charset="0"/>
-              </a:defRPr>
-            </a:lvl2pPr>
-            <a:lvl3pPr marL="1143000" indent="-228600">
-              <a:spcBef>
-                <a:spcPct val="20000"/>
-              </a:spcBef>
-              <a:buClr>
-                <a:schemeClr val="accent1"/>
-              </a:buClr>
-              <a:buSzPct val="85000"/>
-              <a:buFont typeface="Wingdings" panose="05000000000000000000" pitchFamily="2" charset="2"/>
-              <a:buChar char="n"/>
-              <a:defRPr sz="2000">
-                <a:solidFill>
-                  <a:schemeClr val="tx1"/>
-                </a:solidFill>
-                <a:latin typeface="Arial" panose="020B0604020202020204" pitchFamily="34" charset="0"/>
-              </a:defRPr>
-            </a:lvl3pPr>
-            <a:lvl4pPr marL="1600200" indent="-228600">
-              <a:spcBef>
-                <a:spcPct val="20000"/>
-              </a:spcBef>
-              <a:buClr>
-                <a:schemeClr val="bg2"/>
-              </a:buClr>
-              <a:buFont typeface="Wingdings" panose="05000000000000000000" pitchFamily="2" charset="2"/>
-              <a:buChar char="§"/>
-              <a:defRPr sz="2000">
-                <a:solidFill>
-                  <a:schemeClr val="tx1"/>
-                </a:solidFill>
-                <a:latin typeface="Arial" panose="020B0604020202020204" pitchFamily="34" charset="0"/>
-              </a:defRPr>
-            </a:lvl4pPr>
-            <a:lvl5pPr marL="2057400" indent="-228600">
-              <a:spcBef>
-                <a:spcPct val="20000"/>
-              </a:spcBef>
-              <a:buClr>
-                <a:schemeClr val="tx2"/>
-              </a:buClr>
-              <a:buSzPct val="80000"/>
-              <a:buFont typeface="Wingdings" panose="05000000000000000000" pitchFamily="2" charset="2"/>
-              <a:buChar char="§"/>
-              <a:defRPr sz="2000">
-                <a:solidFill>
-                  <a:schemeClr val="tx1"/>
-                </a:solidFill>
-                <a:latin typeface="Arial" panose="020B0604020202020204" pitchFamily="34" charset="0"/>
-              </a:defRPr>
-            </a:lvl5pPr>
-            <a:lvl6pPr marL="2514600" indent="-228600" eaLnBrk="0" fontAlgn="base" hangingPunct="0">
-              <a:spcBef>
-                <a:spcPct val="20000"/>
-              </a:spcBef>
-              <a:spcAft>
-                <a:spcPct val="0"/>
-              </a:spcAft>
-              <a:buClr>
-                <a:schemeClr val="tx2"/>
-              </a:buClr>
-              <a:buSzPct val="80000"/>
-              <a:buFont typeface="Wingdings" panose="05000000000000000000" pitchFamily="2" charset="2"/>
-              <a:buChar char="§"/>
-              <a:defRPr sz="2000">
-                <a:solidFill>
-                  <a:schemeClr val="tx1"/>
-                </a:solidFill>
-                <a:latin typeface="Arial" panose="020B0604020202020204" pitchFamily="34" charset="0"/>
-              </a:defRPr>
-            </a:lvl6pPr>
-            <a:lvl7pPr marL="2971800" indent="-228600" eaLnBrk="0" fontAlgn="base" hangingPunct="0">
-              <a:spcBef>
-                <a:spcPct val="20000"/>
-              </a:spcBef>
-              <a:spcAft>
-                <a:spcPct val="0"/>
-              </a:spcAft>
-              <a:buClr>
-                <a:schemeClr val="tx2"/>
-              </a:buClr>
-              <a:buSzPct val="80000"/>
-              <a:buFont typeface="Wingdings" panose="05000000000000000000" pitchFamily="2" charset="2"/>
-              <a:buChar char="§"/>
-              <a:defRPr sz="2000">
-                <a:solidFill>
-                  <a:schemeClr val="tx1"/>
-                </a:solidFill>
-                <a:latin typeface="Arial" panose="020B0604020202020204" pitchFamily="34" charset="0"/>
-              </a:defRPr>
-            </a:lvl7pPr>
-            <a:lvl8pPr marL="3429000" indent="-228600" eaLnBrk="0" fontAlgn="base" hangingPunct="0">
-              <a:spcBef>
-                <a:spcPct val="20000"/>
-              </a:spcBef>
-              <a:spcAft>
-                <a:spcPct val="0"/>
-              </a:spcAft>
-              <a:buClr>
-                <a:schemeClr val="tx2"/>
-              </a:buClr>
-              <a:buSzPct val="80000"/>
-              <a:buFont typeface="Wingdings" panose="05000000000000000000" pitchFamily="2" charset="2"/>
-              <a:buChar char="§"/>
-              <a:defRPr sz="2000">
-                <a:solidFill>
-                  <a:schemeClr val="tx1"/>
-                </a:solidFill>
-                <a:latin typeface="Arial" panose="020B0604020202020204" pitchFamily="34" charset="0"/>
-              </a:defRPr>
-            </a:lvl8pPr>
-            <a:lvl9pPr marL="3886200" indent="-228600" eaLnBrk="0" fontAlgn="base" hangingPunct="0">
-              <a:spcBef>
-                <a:spcPct val="20000"/>
-              </a:spcBef>
-              <a:spcAft>
-                <a:spcPct val="0"/>
-              </a:spcAft>
-              <a:buClr>
-                <a:schemeClr val="tx2"/>
-              </a:buClr>
-              <a:buSzPct val="80000"/>
-              <a:buFont typeface="Wingdings" panose="05000000000000000000" pitchFamily="2" charset="2"/>
-              <a:buChar char="§"/>
-              <a:defRPr sz="2000">
-                <a:solidFill>
-                  <a:schemeClr val="tx1"/>
-                </a:solidFill>
-                <a:latin typeface="Arial" panose="020B0604020202020204" pitchFamily="34" charset="0"/>
-              </a:defRPr>
-            </a:lvl9pPr>
-          </a:lstStyle>
-          <a:p>
-            <a:pPr algn="ctr" eaLnBrk="1" hangingPunct="1">
-              <a:spcBef>
-                <a:spcPct val="0"/>
-              </a:spcBef>
-              <a:buClrTx/>
-              <a:buSzTx/>
-              <a:buFontTx/>
-              <a:buNone/>
-            </a:pPr>
+              <a:t>给定性能指标</a:t>
+            </a:r>
             <a:r>
               <a:rPr lang="zh-CN" altLang="en-US" sz="2000" b="1" dirty="0">
                 <a:solidFill>
-                  <a:srgbClr val="C00000"/>
+                  <a:srgbClr val="002060"/>
                 </a:solidFill>
                 <a:latin typeface="微软雅黑" panose="020B0503020204020204" pitchFamily="34" charset="-122"/>
                 <a:ea typeface="微软雅黑" panose="020B0503020204020204" pitchFamily="34" charset="-122"/>
               </a:rPr>
-              <a:t>网络化</a:t>
-            </a:r>
-            <a:r>
-              <a:rPr lang="zh-CN" altLang="en-US" sz="2000" b="1" dirty="0">
-                <a:solidFill>
-                  <a:srgbClr val="002060"/>
-                </a:solidFill>
-                <a:latin typeface="微软雅黑" panose="020B0503020204020204" pitchFamily="34" charset="-122"/>
-                <a:ea typeface="微软雅黑" panose="020B0503020204020204" pitchFamily="34" charset="-122"/>
-              </a:rPr>
-              <a:t>多传感器系统</a:t>
+              <a:t>下的最优跟踪控制器，可实现系统状态或输出与目标信号的一致性，被广泛应用于无人机编队、雷达追踪等领域。</a:t>
             </a:r>
             <a:endParaRPr lang="en-US" altLang="zh-CN" sz="2000" b="1" dirty="0">
               <a:solidFill>
@@ -43740,915 +42028,88 @@
               <a:ea typeface="微软雅黑" panose="020B0503020204020204" pitchFamily="34" charset="-122"/>
             </a:endParaRPr>
           </a:p>
-        </p:txBody>
-      </p:sp>
-      <p:sp>
-        <p:nvSpPr>
-          <p:cNvPr id="69" name="矩形 68"/>
-          <p:cNvSpPr/>
-          <p:nvPr/>
-        </p:nvSpPr>
-        <p:spPr bwMode="auto">
-          <a:xfrm>
-            <a:off x="1025624" y="2347618"/>
-            <a:ext cx="2422241" cy="1392972"/>
-          </a:xfrm>
-          <a:prstGeom prst="rect">
-            <a:avLst/>
-          </a:prstGeom>
-          <a:solidFill>
-            <a:schemeClr val="bg1"/>
-          </a:solidFill>
-          <a:ln w="28575" cap="flat" cmpd="sng" algn="ctr">
-            <a:solidFill>
-              <a:srgbClr val="0070C0"/>
-            </a:solidFill>
-            <a:prstDash val="solid"/>
-            <a:round/>
-            <a:headEnd type="none" w="med" len="med"/>
-            <a:tailEnd type="none" w="med" len="med"/>
-          </a:ln>
-          <a:effectLst/>
-        </p:spPr>
-        <p:txBody>
-          <a:bodyPr/>
-          <a:lstStyle/>
-          <a:p>
-            <a:pPr>
-              <a:defRPr/>
-            </a:pPr>
-            <a:endParaRPr lang="zh-CN" altLang="en-US" dirty="0"/>
-          </a:p>
-        </p:txBody>
-      </p:sp>
-      <p:sp>
-        <p:nvSpPr>
-          <p:cNvPr id="70" name="TextBox 24"/>
-          <p:cNvSpPr txBox="1">
-            <a:spLocks noChangeArrowheads="1"/>
-          </p:cNvSpPr>
-          <p:nvPr/>
-        </p:nvSpPr>
-        <p:spPr bwMode="auto">
-          <a:xfrm>
-            <a:off x="1050596" y="2557769"/>
-            <a:ext cx="2422241" cy="987578"/>
-          </a:xfrm>
-          <a:prstGeom prst="rect">
-            <a:avLst/>
-          </a:prstGeom>
-          <a:noFill/>
-          <a:ln>
-            <a:noFill/>
-          </a:ln>
-          <a:extLst>
-            <a:ext uri="{909E8E84-426E-40DD-AFC4-6F175D3DCCD1}">
-              <a14:hiddenFill xmlns:a14="http://schemas.microsoft.com/office/drawing/2010/main">
-                <a:solidFill>
-                  <a:srgbClr val="FFFFFF"/>
-                </a:solidFill>
-              </a14:hiddenFill>
-            </a:ext>
-            <a:ext uri="{91240B29-F687-4F45-9708-019B960494DF}">
-              <a14:hiddenLine xmlns:a14="http://schemas.microsoft.com/office/drawing/2010/main" w="9525">
-                <a:solidFill>
-                  <a:srgbClr val="000000"/>
-                </a:solidFill>
-                <a:miter lim="800000"/>
-                <a:headEnd/>
-                <a:tailEnd/>
-              </a14:hiddenLine>
-            </a:ext>
-          </a:extLst>
-        </p:spPr>
-        <p:txBody>
-          <a:bodyPr wrap="square" anchor="ctr">
-            <a:spAutoFit/>
-          </a:bodyPr>
-          <a:lstStyle>
-            <a:lvl1pPr>
-              <a:spcBef>
-                <a:spcPct val="20000"/>
-              </a:spcBef>
-              <a:buClr>
-                <a:srgbClr val="C00000"/>
-              </a:buClr>
-              <a:buSzPct val="85000"/>
-              <a:buFont typeface="Wingdings" panose="05000000000000000000" pitchFamily="2" charset="2"/>
-              <a:buChar char="p"/>
-              <a:defRPr sz="2800">
-                <a:solidFill>
-                  <a:schemeClr val="tx1"/>
-                </a:solidFill>
-                <a:latin typeface="Arial" panose="020B0604020202020204" pitchFamily="34" charset="0"/>
-              </a:defRPr>
-            </a:lvl1pPr>
-            <a:lvl2pPr marL="742950" indent="-285750">
-              <a:spcBef>
-                <a:spcPct val="20000"/>
-              </a:spcBef>
-              <a:buClr>
-                <a:srgbClr val="C00000"/>
-              </a:buClr>
-              <a:buSzPct val="85000"/>
-              <a:buFont typeface="Wingdings" panose="05000000000000000000" pitchFamily="2" charset="2"/>
-              <a:buChar char="Ø"/>
-              <a:defRPr sz="2400">
-                <a:solidFill>
-                  <a:schemeClr val="tx1"/>
-                </a:solidFill>
-                <a:latin typeface="Arial" panose="020B0604020202020204" pitchFamily="34" charset="0"/>
-              </a:defRPr>
-            </a:lvl2pPr>
-            <a:lvl3pPr marL="1143000" indent="-228600">
-              <a:spcBef>
-                <a:spcPct val="20000"/>
-              </a:spcBef>
-              <a:buClr>
-                <a:schemeClr val="accent1"/>
-              </a:buClr>
-              <a:buSzPct val="85000"/>
-              <a:buFont typeface="Wingdings" panose="05000000000000000000" pitchFamily="2" charset="2"/>
-              <a:buChar char="n"/>
-              <a:defRPr sz="2000">
-                <a:solidFill>
-                  <a:schemeClr val="tx1"/>
-                </a:solidFill>
-                <a:latin typeface="Arial" panose="020B0604020202020204" pitchFamily="34" charset="0"/>
-              </a:defRPr>
-            </a:lvl3pPr>
-            <a:lvl4pPr marL="1600200" indent="-228600">
-              <a:spcBef>
-                <a:spcPct val="20000"/>
-              </a:spcBef>
-              <a:buClr>
-                <a:schemeClr val="bg2"/>
-              </a:buClr>
-              <a:buFont typeface="Wingdings" panose="05000000000000000000" pitchFamily="2" charset="2"/>
-              <a:buChar char="§"/>
-              <a:defRPr sz="2000">
-                <a:solidFill>
-                  <a:schemeClr val="tx1"/>
-                </a:solidFill>
-                <a:latin typeface="Arial" panose="020B0604020202020204" pitchFamily="34" charset="0"/>
-              </a:defRPr>
-            </a:lvl4pPr>
-            <a:lvl5pPr marL="2057400" indent="-228600">
-              <a:spcBef>
-                <a:spcPct val="20000"/>
-              </a:spcBef>
-              <a:buClr>
-                <a:schemeClr val="tx2"/>
-              </a:buClr>
-              <a:buSzPct val="80000"/>
-              <a:buFont typeface="Wingdings" panose="05000000000000000000" pitchFamily="2" charset="2"/>
-              <a:buChar char="§"/>
-              <a:defRPr sz="2000">
-                <a:solidFill>
-                  <a:schemeClr val="tx1"/>
-                </a:solidFill>
-                <a:latin typeface="Arial" panose="020B0604020202020204" pitchFamily="34" charset="0"/>
-              </a:defRPr>
-            </a:lvl5pPr>
-            <a:lvl6pPr marL="2514600" indent="-228600" eaLnBrk="0" fontAlgn="base" hangingPunct="0">
-              <a:spcBef>
-                <a:spcPct val="20000"/>
-              </a:spcBef>
-              <a:spcAft>
-                <a:spcPct val="0"/>
-              </a:spcAft>
-              <a:buClr>
-                <a:schemeClr val="tx2"/>
-              </a:buClr>
-              <a:buSzPct val="80000"/>
-              <a:buFont typeface="Wingdings" panose="05000000000000000000" pitchFamily="2" charset="2"/>
-              <a:buChar char="§"/>
-              <a:defRPr sz="2000">
-                <a:solidFill>
-                  <a:schemeClr val="tx1"/>
-                </a:solidFill>
-                <a:latin typeface="Arial" panose="020B0604020202020204" pitchFamily="34" charset="0"/>
-              </a:defRPr>
-            </a:lvl6pPr>
-            <a:lvl7pPr marL="2971800" indent="-228600" eaLnBrk="0" fontAlgn="base" hangingPunct="0">
-              <a:spcBef>
-                <a:spcPct val="20000"/>
-              </a:spcBef>
-              <a:spcAft>
-                <a:spcPct val="0"/>
-              </a:spcAft>
-              <a:buClr>
-                <a:schemeClr val="tx2"/>
-              </a:buClr>
-              <a:buSzPct val="80000"/>
-              <a:buFont typeface="Wingdings" panose="05000000000000000000" pitchFamily="2" charset="2"/>
-              <a:buChar char="§"/>
-              <a:defRPr sz="2000">
-                <a:solidFill>
-                  <a:schemeClr val="tx1"/>
-                </a:solidFill>
-                <a:latin typeface="Arial" panose="020B0604020202020204" pitchFamily="34" charset="0"/>
-              </a:defRPr>
-            </a:lvl7pPr>
-            <a:lvl8pPr marL="3429000" indent="-228600" eaLnBrk="0" fontAlgn="base" hangingPunct="0">
-              <a:spcBef>
-                <a:spcPct val="20000"/>
-              </a:spcBef>
-              <a:spcAft>
-                <a:spcPct val="0"/>
-              </a:spcAft>
-              <a:buClr>
-                <a:schemeClr val="tx2"/>
-              </a:buClr>
-              <a:buSzPct val="80000"/>
-              <a:buFont typeface="Wingdings" panose="05000000000000000000" pitchFamily="2" charset="2"/>
-              <a:buChar char="§"/>
-              <a:defRPr sz="2000">
-                <a:solidFill>
-                  <a:schemeClr val="tx1"/>
-                </a:solidFill>
-                <a:latin typeface="Arial" panose="020B0604020202020204" pitchFamily="34" charset="0"/>
-              </a:defRPr>
-            </a:lvl8pPr>
-            <a:lvl9pPr marL="3886200" indent="-228600" eaLnBrk="0" fontAlgn="base" hangingPunct="0">
-              <a:spcBef>
-                <a:spcPct val="20000"/>
-              </a:spcBef>
-              <a:spcAft>
-                <a:spcPct val="0"/>
-              </a:spcAft>
-              <a:buClr>
-                <a:schemeClr val="tx2"/>
-              </a:buClr>
-              <a:buSzPct val="80000"/>
-              <a:buFont typeface="Wingdings" panose="05000000000000000000" pitchFamily="2" charset="2"/>
-              <a:buChar char="§"/>
-              <a:defRPr sz="2000">
-                <a:solidFill>
-                  <a:schemeClr val="tx1"/>
-                </a:solidFill>
-                <a:latin typeface="Arial" panose="020B0604020202020204" pitchFamily="34" charset="0"/>
-              </a:defRPr>
-            </a:lvl9pPr>
-          </a:lstStyle>
-          <a:p>
-            <a:pPr marL="285750" indent="-285750" eaLnBrk="1" hangingPunct="1">
+          <a:p>
+            <a:pPr marL="342900" indent="-342900" algn="just">
               <a:lnSpc>
-                <a:spcPct val="125000"/>
+                <a:spcPct val="150000"/>
               </a:lnSpc>
-              <a:spcBef>
-                <a:spcPct val="0"/>
-              </a:spcBef>
-              <a:buSzTx/>
-              <a:buFont typeface="Wingdings" panose="05000000000000000000" pitchFamily="2" charset="2"/>
-              <a:buChar char="u"/>
-            </a:pPr>
-            <a:r>
-              <a:rPr lang="zh-CN" altLang="en-US" sz="1600" b="1" dirty="0">
-                <a:solidFill>
-                  <a:srgbClr val="002060"/>
-                </a:solidFill>
-                <a:latin typeface="微软雅黑" panose="020B0503020204020204" pitchFamily="34" charset="-122"/>
-                <a:ea typeface="微软雅黑" panose="020B0503020204020204" pitchFamily="34" charset="-122"/>
-              </a:rPr>
-              <a:t>跟踪性能优越</a:t>
-            </a:r>
-            <a:endParaRPr lang="en-US" altLang="zh-CN" sz="1600" b="1" dirty="0">
-              <a:solidFill>
-                <a:srgbClr val="002060"/>
-              </a:solidFill>
-              <a:latin typeface="微软雅黑" panose="020B0503020204020204" pitchFamily="34" charset="-122"/>
-              <a:ea typeface="微软雅黑" panose="020B0503020204020204" pitchFamily="34" charset="-122"/>
-            </a:endParaRPr>
-          </a:p>
-          <a:p>
-            <a:pPr marL="285750" indent="-285750" eaLnBrk="1" hangingPunct="1">
-              <a:lnSpc>
-                <a:spcPct val="125000"/>
-              </a:lnSpc>
-              <a:spcBef>
-                <a:spcPct val="0"/>
-              </a:spcBef>
-              <a:buSzTx/>
-              <a:buFont typeface="Wingdings" panose="05000000000000000000" pitchFamily="2" charset="2"/>
-              <a:buChar char="u"/>
-            </a:pPr>
-            <a:r>
-              <a:rPr lang="zh-CN" altLang="en-US" sz="1600" b="1" dirty="0">
-                <a:solidFill>
-                  <a:srgbClr val="002060"/>
-                </a:solidFill>
-                <a:latin typeface="微软雅黑" panose="020B0503020204020204" pitchFamily="34" charset="-122"/>
-                <a:ea typeface="微软雅黑" panose="020B0503020204020204" pitchFamily="34" charset="-122"/>
-              </a:rPr>
-              <a:t>求解简便</a:t>
-            </a:r>
-            <a:endParaRPr lang="en-US" altLang="zh-CN" sz="1600" b="1" dirty="0">
-              <a:solidFill>
-                <a:srgbClr val="002060"/>
-              </a:solidFill>
-              <a:latin typeface="微软雅黑" panose="020B0503020204020204" pitchFamily="34" charset="-122"/>
-              <a:ea typeface="微软雅黑" panose="020B0503020204020204" pitchFamily="34" charset="-122"/>
-            </a:endParaRPr>
-          </a:p>
-          <a:p>
-            <a:pPr marL="285750" indent="-285750" eaLnBrk="1" hangingPunct="1">
-              <a:lnSpc>
-                <a:spcPct val="125000"/>
-              </a:lnSpc>
-              <a:spcBef>
-                <a:spcPct val="0"/>
-              </a:spcBef>
-              <a:buSzTx/>
-              <a:buFont typeface="Wingdings" panose="05000000000000000000" pitchFamily="2" charset="2"/>
-              <a:buChar char="u"/>
-            </a:pPr>
-            <a:r>
-              <a:rPr lang="zh-CN" altLang="en-US" sz="1600" b="1" dirty="0">
-                <a:solidFill>
-                  <a:srgbClr val="002060"/>
-                </a:solidFill>
-                <a:latin typeface="微软雅黑" panose="020B0503020204020204" pitchFamily="34" charset="-122"/>
-                <a:ea typeface="微软雅黑" panose="020B0503020204020204" pitchFamily="34" charset="-122"/>
-              </a:rPr>
-              <a:t>布线</a:t>
-            </a:r>
-            <a:endParaRPr lang="en-US" altLang="zh-CN" sz="1600" b="1" dirty="0">
-              <a:solidFill>
-                <a:srgbClr val="002060"/>
-              </a:solidFill>
-              <a:latin typeface="微软雅黑" panose="020B0503020204020204" pitchFamily="34" charset="-122"/>
-              <a:ea typeface="微软雅黑" panose="020B0503020204020204" pitchFamily="34" charset="-122"/>
-            </a:endParaRPr>
-          </a:p>
-        </p:txBody>
-      </p:sp>
-      <p:grpSp>
-        <p:nvGrpSpPr>
-          <p:cNvPr id="7" name="组合 6"/>
-          <p:cNvGrpSpPr/>
-          <p:nvPr/>
-        </p:nvGrpSpPr>
-        <p:grpSpPr>
-          <a:xfrm>
-            <a:off x="5146953" y="3190876"/>
-            <a:ext cx="1132534" cy="553510"/>
-            <a:chOff x="2494093" y="7866275"/>
-            <a:chExt cx="713882" cy="553510"/>
-          </a:xfrm>
-        </p:grpSpPr>
-        <p:sp>
-          <p:nvSpPr>
-            <p:cNvPr id="29" name="云形 28"/>
-            <p:cNvSpPr/>
-            <p:nvPr/>
-          </p:nvSpPr>
-          <p:spPr bwMode="auto">
-            <a:xfrm>
-              <a:off x="2697148" y="7866275"/>
-              <a:ext cx="295315" cy="261382"/>
-            </a:xfrm>
-            <a:prstGeom prst="cloud">
-              <a:avLst/>
-            </a:prstGeom>
-            <a:solidFill>
-              <a:srgbClr val="3FCDFF"/>
-            </a:solidFill>
-            <a:ln w="3175" cap="flat" cmpd="sng" algn="ctr">
-              <a:solidFill>
-                <a:schemeClr val="tx1"/>
-              </a:solidFill>
-              <a:prstDash val="sysDash"/>
-              <a:round/>
-              <a:headEnd type="none" w="med" len="med"/>
-              <a:tailEnd type="none" w="med" len="med"/>
-            </a:ln>
-            <a:effectLst/>
-          </p:spPr>
-          <p:txBody>
-            <a:bodyPr vert="horz" wrap="square" lIns="91440" tIns="45720" rIns="91440" bIns="45720" numCol="1" rtlCol="0" anchor="t" anchorCtr="0" compatLnSpc="1"/>
-            <a:lstStyle/>
-            <a:p>
-              <a:pPr marL="0" marR="0" indent="0" algn="l" defTabSz="914400" rtl="0" eaLnBrk="0" fontAlgn="base" latinLnBrk="0" hangingPunct="0">
-                <a:lnSpc>
-                  <a:spcPct val="100000"/>
-                </a:lnSpc>
-                <a:spcBef>
-                  <a:spcPct val="0"/>
-                </a:spcBef>
-                <a:spcAft>
-                  <a:spcPct val="0"/>
-                </a:spcAft>
-                <a:buClrTx/>
-                <a:buSzTx/>
-                <a:buFontTx/>
-                <a:buNone/>
-              </a:pPr>
-              <a:endParaRPr kumimoji="0" lang="zh-CN" altLang="en-US" sz="1800" b="0" i="0" u="none" strike="noStrike" cap="none" normalizeH="0" baseline="0" dirty="0">
-                <a:ln>
-                  <a:noFill/>
-                </a:ln>
-                <a:solidFill>
-                  <a:schemeClr val="tx1"/>
-                </a:solidFill>
-                <a:effectLst/>
-                <a:latin typeface="Arial" panose="020B0604020202020204" pitchFamily="34" charset="0"/>
-              </a:endParaRPr>
-            </a:p>
-          </p:txBody>
-        </p:sp>
-        <p:sp>
-          <p:nvSpPr>
-            <p:cNvPr id="30" name="文本框 29"/>
-            <p:cNvSpPr txBox="1"/>
-            <p:nvPr/>
-          </p:nvSpPr>
-          <p:spPr>
-            <a:xfrm>
-              <a:off x="2494093" y="8112008"/>
-              <a:ext cx="713882" cy="307777"/>
-            </a:xfrm>
-            <a:prstGeom prst="rect">
-              <a:avLst/>
-            </a:prstGeom>
-            <a:noFill/>
-          </p:spPr>
-          <p:txBody>
-            <a:bodyPr wrap="none" rtlCol="0">
-              <a:spAutoFit/>
-            </a:bodyPr>
-            <a:lstStyle/>
-            <a:p>
-              <a:pPr algn="ctr"/>
-              <a:r>
-                <a:rPr lang="zh-CN" altLang="en-US" sz="1400" b="1" dirty="0">
-                  <a:latin typeface="微软雅黑" panose="020B0503020204020204" pitchFamily="34" charset="-122"/>
-                  <a:ea typeface="微软雅黑" panose="020B0503020204020204" pitchFamily="34" charset="-122"/>
-                </a:rPr>
-                <a:t>通信网络</a:t>
-              </a:r>
-            </a:p>
-          </p:txBody>
-        </p:sp>
-      </p:grpSp>
-      <p:sp>
-        <p:nvSpPr>
-          <p:cNvPr id="14" name="文本框 46"/>
-          <p:cNvSpPr txBox="1">
-            <a:spLocks noChangeArrowheads="1"/>
-          </p:cNvSpPr>
-          <p:nvPr/>
-        </p:nvSpPr>
-        <p:spPr bwMode="auto">
-          <a:xfrm>
-            <a:off x="4108509" y="3288550"/>
-            <a:ext cx="699935" cy="307777"/>
-          </a:xfrm>
-          <a:prstGeom prst="rect">
-            <a:avLst/>
-          </a:prstGeom>
-          <a:noFill/>
-          <a:ln w="28575">
-            <a:solidFill>
-              <a:srgbClr val="0070C0"/>
-            </a:solidFill>
-            <a:miter lim="800000"/>
-          </a:ln>
-          <a:extLst>
-            <a:ext uri="{909E8E84-426E-40DD-AFC4-6F175D3DCCD1}">
-              <a14:hiddenFill xmlns:a14="http://schemas.microsoft.com/office/drawing/2010/main">
-                <a:solidFill>
-                  <a:srgbClr val="FFFFFF"/>
-                </a:solidFill>
-              </a14:hiddenFill>
-            </a:ext>
-          </a:extLst>
-        </p:spPr>
-        <p:txBody>
-          <a:bodyPr wrap="square">
-            <a:spAutoFit/>
-          </a:bodyPr>
-          <a:lstStyle>
-            <a:lvl1pPr>
-              <a:spcBef>
-                <a:spcPct val="20000"/>
-              </a:spcBef>
-              <a:buClr>
-                <a:srgbClr val="C00000"/>
-              </a:buClr>
-              <a:buSzPct val="85000"/>
-              <a:buFont typeface="Wingdings" panose="05000000000000000000" pitchFamily="2" charset="2"/>
-              <a:buChar char="p"/>
-              <a:defRPr sz="2800">
-                <a:solidFill>
-                  <a:schemeClr val="tx1"/>
-                </a:solidFill>
-                <a:latin typeface="Arial" panose="020B0604020202020204" pitchFamily="34" charset="0"/>
-              </a:defRPr>
-            </a:lvl1pPr>
-            <a:lvl2pPr marL="742950" indent="-285750">
-              <a:spcBef>
-                <a:spcPct val="20000"/>
-              </a:spcBef>
-              <a:buClr>
-                <a:srgbClr val="C00000"/>
-              </a:buClr>
-              <a:buSzPct val="85000"/>
-              <a:buFont typeface="Wingdings" panose="05000000000000000000" pitchFamily="2" charset="2"/>
-              <a:buChar char="Ø"/>
-              <a:defRPr sz="2400">
-                <a:solidFill>
-                  <a:schemeClr val="tx1"/>
-                </a:solidFill>
-                <a:latin typeface="Arial" panose="020B0604020202020204" pitchFamily="34" charset="0"/>
-              </a:defRPr>
-            </a:lvl2pPr>
-            <a:lvl3pPr marL="1143000" indent="-228600">
-              <a:spcBef>
-                <a:spcPct val="20000"/>
-              </a:spcBef>
-              <a:buClr>
-                <a:schemeClr val="accent1"/>
-              </a:buClr>
-              <a:buSzPct val="85000"/>
-              <a:buFont typeface="Wingdings" panose="05000000000000000000" pitchFamily="2" charset="2"/>
-              <a:buChar char="n"/>
-              <a:defRPr sz="2000">
-                <a:solidFill>
-                  <a:schemeClr val="tx1"/>
-                </a:solidFill>
-                <a:latin typeface="Arial" panose="020B0604020202020204" pitchFamily="34" charset="0"/>
-              </a:defRPr>
-            </a:lvl3pPr>
-            <a:lvl4pPr marL="1600200" indent="-228600">
-              <a:spcBef>
-                <a:spcPct val="20000"/>
-              </a:spcBef>
-              <a:buClr>
-                <a:schemeClr val="bg2"/>
-              </a:buClr>
-              <a:buFont typeface="Wingdings" panose="05000000000000000000" pitchFamily="2" charset="2"/>
-              <a:buChar char="§"/>
-              <a:defRPr sz="2000">
-                <a:solidFill>
-                  <a:schemeClr val="tx1"/>
-                </a:solidFill>
-                <a:latin typeface="Arial" panose="020B0604020202020204" pitchFamily="34" charset="0"/>
-              </a:defRPr>
-            </a:lvl4pPr>
-            <a:lvl5pPr marL="2057400" indent="-228600">
-              <a:spcBef>
-                <a:spcPct val="20000"/>
-              </a:spcBef>
-              <a:buClr>
-                <a:schemeClr val="tx2"/>
-              </a:buClr>
-              <a:buSzPct val="80000"/>
-              <a:buFont typeface="Wingdings" panose="05000000000000000000" pitchFamily="2" charset="2"/>
-              <a:buChar char="§"/>
-              <a:defRPr sz="2000">
-                <a:solidFill>
-                  <a:schemeClr val="tx1"/>
-                </a:solidFill>
-                <a:latin typeface="Arial" panose="020B0604020202020204" pitchFamily="34" charset="0"/>
-              </a:defRPr>
-            </a:lvl5pPr>
-            <a:lvl6pPr marL="2514600" indent="-228600" eaLnBrk="0" fontAlgn="base" hangingPunct="0">
-              <a:spcBef>
-                <a:spcPct val="20000"/>
-              </a:spcBef>
-              <a:spcAft>
-                <a:spcPct val="0"/>
-              </a:spcAft>
-              <a:buClr>
-                <a:schemeClr val="tx2"/>
-              </a:buClr>
-              <a:buSzPct val="80000"/>
-              <a:buFont typeface="Wingdings" panose="05000000000000000000" pitchFamily="2" charset="2"/>
-              <a:buChar char="§"/>
-              <a:defRPr sz="2000">
-                <a:solidFill>
-                  <a:schemeClr val="tx1"/>
-                </a:solidFill>
-                <a:latin typeface="Arial" panose="020B0604020202020204" pitchFamily="34" charset="0"/>
-              </a:defRPr>
-            </a:lvl6pPr>
-            <a:lvl7pPr marL="2971800" indent="-228600" eaLnBrk="0" fontAlgn="base" hangingPunct="0">
-              <a:spcBef>
-                <a:spcPct val="20000"/>
-              </a:spcBef>
-              <a:spcAft>
-                <a:spcPct val="0"/>
-              </a:spcAft>
-              <a:buClr>
-                <a:schemeClr val="tx2"/>
-              </a:buClr>
-              <a:buSzPct val="80000"/>
-              <a:buFont typeface="Wingdings" panose="05000000000000000000" pitchFamily="2" charset="2"/>
-              <a:buChar char="§"/>
-              <a:defRPr sz="2000">
-                <a:solidFill>
-                  <a:schemeClr val="tx1"/>
-                </a:solidFill>
-                <a:latin typeface="Arial" panose="020B0604020202020204" pitchFamily="34" charset="0"/>
-              </a:defRPr>
-            </a:lvl7pPr>
-            <a:lvl8pPr marL="3429000" indent="-228600" eaLnBrk="0" fontAlgn="base" hangingPunct="0">
-              <a:spcBef>
-                <a:spcPct val="20000"/>
-              </a:spcBef>
-              <a:spcAft>
-                <a:spcPct val="0"/>
-              </a:spcAft>
-              <a:buClr>
-                <a:schemeClr val="tx2"/>
-              </a:buClr>
-              <a:buSzPct val="80000"/>
-              <a:buFont typeface="Wingdings" panose="05000000000000000000" pitchFamily="2" charset="2"/>
-              <a:buChar char="§"/>
-              <a:defRPr sz="2000">
-                <a:solidFill>
-                  <a:schemeClr val="tx1"/>
-                </a:solidFill>
-                <a:latin typeface="Arial" panose="020B0604020202020204" pitchFamily="34" charset="0"/>
-              </a:defRPr>
-            </a:lvl8pPr>
-            <a:lvl9pPr marL="3886200" indent="-228600" eaLnBrk="0" fontAlgn="base" hangingPunct="0">
-              <a:spcBef>
-                <a:spcPct val="20000"/>
-              </a:spcBef>
-              <a:spcAft>
-                <a:spcPct val="0"/>
-              </a:spcAft>
-              <a:buClr>
-                <a:schemeClr val="tx2"/>
-              </a:buClr>
-              <a:buSzPct val="80000"/>
-              <a:buFont typeface="Wingdings" panose="05000000000000000000" pitchFamily="2" charset="2"/>
-              <a:buChar char="§"/>
-              <a:defRPr sz="2000">
-                <a:solidFill>
-                  <a:schemeClr val="tx1"/>
-                </a:solidFill>
-                <a:latin typeface="Arial" panose="020B0604020202020204" pitchFamily="34" charset="0"/>
-              </a:defRPr>
-            </a:lvl9pPr>
-          </a:lstStyle>
-          <a:p>
-            <a:pPr algn="ctr">
               <a:spcBef>
                 <a:spcPct val="0"/>
               </a:spcBef>
               <a:buClrTx/>
               <a:buSzTx/>
-              <a:buNone/>
+              <a:buFont typeface="Wingdings" panose="05000000000000000000" pitchFamily="2" charset="2"/>
+              <a:buChar char="n"/>
             </a:pPr>
             <a:r>
-              <a:rPr lang="zh-CN" altLang="en-US" sz="1400" b="1" dirty="0">
-                <a:solidFill>
-                  <a:srgbClr val="C00000"/>
+              <a:rPr lang="en-US" altLang="zh-CN" sz="2000" b="1" dirty="0">
+                <a:solidFill>
+                  <a:srgbClr val="002060"/>
                 </a:solidFill>
                 <a:latin typeface="微软雅黑" panose="020B0503020204020204" pitchFamily="34" charset="-122"/>
                 <a:ea typeface="微软雅黑" panose="020B0503020204020204" pitchFamily="34" charset="-122"/>
               </a:rPr>
-              <a:t>实时</a:t>
-            </a:r>
-            <a:endParaRPr lang="zh-CN" altLang="en-US" sz="1400" dirty="0"/>
-          </a:p>
-        </p:txBody>
-      </p:sp>
-      <p:sp>
-        <p:nvSpPr>
-          <p:cNvPr id="224" name="文本框 46"/>
-          <p:cNvSpPr txBox="1">
-            <a:spLocks noChangeArrowheads="1"/>
-          </p:cNvSpPr>
-          <p:nvPr/>
-        </p:nvSpPr>
-        <p:spPr bwMode="auto">
-          <a:xfrm>
-            <a:off x="6749477" y="3284004"/>
-            <a:ext cx="680931" cy="307777"/>
-          </a:xfrm>
-          <a:prstGeom prst="rect">
-            <a:avLst/>
-          </a:prstGeom>
-          <a:noFill/>
-          <a:ln w="28575">
-            <a:solidFill>
-              <a:srgbClr val="0070C0"/>
-            </a:solidFill>
-            <a:miter lim="800000"/>
-          </a:ln>
-          <a:extLst>
-            <a:ext uri="{909E8E84-426E-40DD-AFC4-6F175D3DCCD1}">
-              <a14:hiddenFill xmlns:a14="http://schemas.microsoft.com/office/drawing/2010/main">
-                <a:solidFill>
-                  <a:srgbClr val="FFFFFF"/>
-                </a:solidFill>
-              </a14:hiddenFill>
-            </a:ext>
-          </a:extLst>
-        </p:spPr>
-        <p:txBody>
-          <a:bodyPr wrap="square">
-            <a:spAutoFit/>
-          </a:bodyPr>
-          <a:lstStyle>
-            <a:lvl1pPr>
-              <a:spcBef>
-                <a:spcPct val="20000"/>
-              </a:spcBef>
-              <a:buClr>
-                <a:srgbClr val="C00000"/>
-              </a:buClr>
-              <a:buSzPct val="85000"/>
-              <a:buFont typeface="Wingdings" panose="05000000000000000000" pitchFamily="2" charset="2"/>
-              <a:buChar char="p"/>
-              <a:defRPr sz="2800">
-                <a:solidFill>
-                  <a:schemeClr val="tx1"/>
-                </a:solidFill>
-                <a:latin typeface="Arial" panose="020B0604020202020204" pitchFamily="34" charset="0"/>
-              </a:defRPr>
-            </a:lvl1pPr>
-            <a:lvl2pPr marL="742950" indent="-285750">
-              <a:spcBef>
-                <a:spcPct val="20000"/>
-              </a:spcBef>
-              <a:buClr>
-                <a:srgbClr val="C00000"/>
-              </a:buClr>
-              <a:buSzPct val="85000"/>
-              <a:buFont typeface="Wingdings" panose="05000000000000000000" pitchFamily="2" charset="2"/>
-              <a:buChar char="Ø"/>
-              <a:defRPr sz="2400">
-                <a:solidFill>
-                  <a:schemeClr val="tx1"/>
-                </a:solidFill>
-                <a:latin typeface="Arial" panose="020B0604020202020204" pitchFamily="34" charset="0"/>
-              </a:defRPr>
-            </a:lvl2pPr>
-            <a:lvl3pPr marL="1143000" indent="-228600">
-              <a:spcBef>
-                <a:spcPct val="20000"/>
-              </a:spcBef>
-              <a:buClr>
-                <a:schemeClr val="accent1"/>
-              </a:buClr>
-              <a:buSzPct val="85000"/>
-              <a:buFont typeface="Wingdings" panose="05000000000000000000" pitchFamily="2" charset="2"/>
-              <a:buChar char="n"/>
-              <a:defRPr sz="2000">
-                <a:solidFill>
-                  <a:schemeClr val="tx1"/>
-                </a:solidFill>
-                <a:latin typeface="Arial" panose="020B0604020202020204" pitchFamily="34" charset="0"/>
-              </a:defRPr>
-            </a:lvl3pPr>
-            <a:lvl4pPr marL="1600200" indent="-228600">
-              <a:spcBef>
-                <a:spcPct val="20000"/>
-              </a:spcBef>
-              <a:buClr>
-                <a:schemeClr val="bg2"/>
-              </a:buClr>
-              <a:buFont typeface="Wingdings" panose="05000000000000000000" pitchFamily="2" charset="2"/>
-              <a:buChar char="§"/>
-              <a:defRPr sz="2000">
-                <a:solidFill>
-                  <a:schemeClr val="tx1"/>
-                </a:solidFill>
-                <a:latin typeface="Arial" panose="020B0604020202020204" pitchFamily="34" charset="0"/>
-              </a:defRPr>
-            </a:lvl4pPr>
-            <a:lvl5pPr marL="2057400" indent="-228600">
-              <a:spcBef>
-                <a:spcPct val="20000"/>
-              </a:spcBef>
-              <a:buClr>
-                <a:schemeClr val="tx2"/>
-              </a:buClr>
-              <a:buSzPct val="80000"/>
-              <a:buFont typeface="Wingdings" panose="05000000000000000000" pitchFamily="2" charset="2"/>
-              <a:buChar char="§"/>
-              <a:defRPr sz="2000">
-                <a:solidFill>
-                  <a:schemeClr val="tx1"/>
-                </a:solidFill>
-                <a:latin typeface="Arial" panose="020B0604020202020204" pitchFamily="34" charset="0"/>
-              </a:defRPr>
-            </a:lvl5pPr>
-            <a:lvl6pPr marL="2514600" indent="-228600" eaLnBrk="0" fontAlgn="base" hangingPunct="0">
-              <a:spcBef>
-                <a:spcPct val="20000"/>
-              </a:spcBef>
-              <a:spcAft>
-                <a:spcPct val="0"/>
-              </a:spcAft>
-              <a:buClr>
-                <a:schemeClr val="tx2"/>
-              </a:buClr>
-              <a:buSzPct val="80000"/>
-              <a:buFont typeface="Wingdings" panose="05000000000000000000" pitchFamily="2" charset="2"/>
-              <a:buChar char="§"/>
-              <a:defRPr sz="2000">
-                <a:solidFill>
-                  <a:schemeClr val="tx1"/>
-                </a:solidFill>
-                <a:latin typeface="Arial" panose="020B0604020202020204" pitchFamily="34" charset="0"/>
-              </a:defRPr>
-            </a:lvl6pPr>
-            <a:lvl7pPr marL="2971800" indent="-228600" eaLnBrk="0" fontAlgn="base" hangingPunct="0">
-              <a:spcBef>
-                <a:spcPct val="20000"/>
-              </a:spcBef>
-              <a:spcAft>
-                <a:spcPct val="0"/>
-              </a:spcAft>
-              <a:buClr>
-                <a:schemeClr val="tx2"/>
-              </a:buClr>
-              <a:buSzPct val="80000"/>
-              <a:buFont typeface="Wingdings" panose="05000000000000000000" pitchFamily="2" charset="2"/>
-              <a:buChar char="§"/>
-              <a:defRPr sz="2000">
-                <a:solidFill>
-                  <a:schemeClr val="tx1"/>
-                </a:solidFill>
-                <a:latin typeface="Arial" panose="020B0604020202020204" pitchFamily="34" charset="0"/>
-              </a:defRPr>
-            </a:lvl7pPr>
-            <a:lvl8pPr marL="3429000" indent="-228600" eaLnBrk="0" fontAlgn="base" hangingPunct="0">
-              <a:spcBef>
-                <a:spcPct val="20000"/>
-              </a:spcBef>
-              <a:spcAft>
-                <a:spcPct val="0"/>
-              </a:spcAft>
-              <a:buClr>
-                <a:schemeClr val="tx2"/>
-              </a:buClr>
-              <a:buSzPct val="80000"/>
-              <a:buFont typeface="Wingdings" panose="05000000000000000000" pitchFamily="2" charset="2"/>
-              <a:buChar char="§"/>
-              <a:defRPr sz="2000">
-                <a:solidFill>
-                  <a:schemeClr val="tx1"/>
-                </a:solidFill>
-                <a:latin typeface="Arial" panose="020B0604020202020204" pitchFamily="34" charset="0"/>
-              </a:defRPr>
-            </a:lvl8pPr>
-            <a:lvl9pPr marL="3886200" indent="-228600" eaLnBrk="0" fontAlgn="base" hangingPunct="0">
-              <a:spcBef>
-                <a:spcPct val="20000"/>
-              </a:spcBef>
-              <a:spcAft>
-                <a:spcPct val="0"/>
-              </a:spcAft>
-              <a:buClr>
-                <a:schemeClr val="tx2"/>
-              </a:buClr>
-              <a:buSzPct val="80000"/>
-              <a:buFont typeface="Wingdings" panose="05000000000000000000" pitchFamily="2" charset="2"/>
-              <a:buChar char="§"/>
-              <a:defRPr sz="2000">
-                <a:solidFill>
-                  <a:schemeClr val="tx1"/>
-                </a:solidFill>
-                <a:latin typeface="Arial" panose="020B0604020202020204" pitchFamily="34" charset="0"/>
-              </a:defRPr>
-            </a:lvl9pPr>
-          </a:lstStyle>
-          <a:p>
-            <a:pPr algn="ctr">
-              <a:spcBef>
-                <a:spcPct val="0"/>
-              </a:spcBef>
-              <a:buClrTx/>
-              <a:buSzTx/>
-              <a:buNone/>
-            </a:pPr>
-            <a:r>
-              <a:rPr lang="zh-CN" altLang="en-US" sz="1400" b="1" dirty="0">
-                <a:solidFill>
-                  <a:srgbClr val="C00000"/>
+              <a:t>MJS</a:t>
+            </a:r>
+            <a:r>
+              <a:rPr lang="zh-CN" altLang="en-US" sz="2000" b="1" dirty="0">
+                <a:solidFill>
+                  <a:srgbClr val="002060"/>
                 </a:solidFill>
                 <a:latin typeface="微软雅黑" panose="020B0503020204020204" pitchFamily="34" charset="-122"/>
                 <a:ea typeface="微软雅黑" panose="020B0503020204020204" pitchFamily="34" charset="-122"/>
               </a:rPr>
-              <a:t>高效</a:t>
-            </a:r>
-            <a:endParaRPr lang="zh-CN" altLang="en-US" sz="1400" dirty="0"/>
+              <a:t>的控制或滤波问题需要考虑</a:t>
+            </a:r>
+            <a:r>
+              <a:rPr lang="zh-CN" altLang="en-US" sz="2000" b="1" dirty="0">
+                <a:solidFill>
+                  <a:srgbClr val="FF0000"/>
+                </a:solidFill>
+                <a:latin typeface="微软雅黑" panose="020B0503020204020204" pitchFamily="34" charset="-122"/>
+                <a:ea typeface="微软雅黑" panose="020B0503020204020204" pitchFamily="34" charset="-122"/>
+              </a:rPr>
+              <a:t>系统模态</a:t>
+            </a:r>
+            <a:r>
+              <a:rPr lang="zh-CN" altLang="en-US" sz="2000" b="1" dirty="0">
+                <a:solidFill>
+                  <a:srgbClr val="002060"/>
+                </a:solidFill>
+                <a:latin typeface="微软雅黑" panose="020B0503020204020204" pitchFamily="34" charset="-122"/>
+                <a:ea typeface="微软雅黑" panose="020B0503020204020204" pitchFamily="34" charset="-122"/>
+              </a:rPr>
+              <a:t>并处理模态之间的转移关系，特别是当</a:t>
+            </a:r>
+            <a:r>
+              <a:rPr lang="zh-CN" altLang="en-US" sz="2000" b="1" dirty="0">
+                <a:solidFill>
+                  <a:srgbClr val="FF0000"/>
+                </a:solidFill>
+                <a:latin typeface="微软雅黑" panose="020B0503020204020204" pitchFamily="34" charset="-122"/>
+                <a:ea typeface="微软雅黑" panose="020B0503020204020204" pitchFamily="34" charset="-122"/>
+              </a:rPr>
+              <a:t>模态转移概率等模型信息未知</a:t>
+            </a:r>
+            <a:r>
+              <a:rPr lang="zh-CN" altLang="en-US" sz="2000" b="1" dirty="0">
+                <a:solidFill>
+                  <a:srgbClr val="002060"/>
+                </a:solidFill>
+                <a:latin typeface="微软雅黑" panose="020B0503020204020204" pitchFamily="34" charset="-122"/>
+                <a:ea typeface="微软雅黑" panose="020B0503020204020204" pitchFamily="34" charset="-122"/>
+              </a:rPr>
+              <a:t>时，已有的控制算法将不再适用。</a:t>
+            </a:r>
           </a:p>
         </p:txBody>
       </p:sp>
       <p:grpSp>
         <p:nvGrpSpPr>
-          <p:cNvPr id="3" name="组合 2">
+          <p:cNvPr id="11" name="组合 10">
             <a:extLst>
               <a:ext uri="{FF2B5EF4-FFF2-40B4-BE49-F238E27FC236}">
-                <a16:creationId xmlns:a16="http://schemas.microsoft.com/office/drawing/2014/main" id="{99971C5E-0AC5-A450-6D22-1C6CD7EAB72E}"/>
+                <a16:creationId xmlns:a16="http://schemas.microsoft.com/office/drawing/2014/main" id="{BE1775AC-6605-6CE3-C686-9832C02BF5AC}"/>
               </a:ext>
             </a:extLst>
           </p:cNvPr>
@@ -44657,10 +42118,10 @@
         </p:nvGrpSpPr>
         <p:grpSpPr>
           <a:xfrm>
-            <a:off x="1482800" y="4070244"/>
-            <a:ext cx="9226399" cy="2706792"/>
-            <a:chOff x="1199456" y="2431711"/>
-            <a:chExt cx="9226399" cy="2706792"/>
+            <a:off x="263352" y="3717032"/>
+            <a:ext cx="11531996" cy="2700000"/>
+            <a:chOff x="263352" y="2711259"/>
+            <a:chExt cx="11531996" cy="2700000"/>
           </a:xfrm>
         </p:grpSpPr>
         <p:pic>
@@ -44677,16 +42138,15 @@
             </p:cNvPicPr>
             <p:nvPr/>
           </p:nvPicPr>
-          <p:blipFill>
+          <p:blipFill rotWithShape="1">
             <a:blip r:embed="rId4"/>
-            <a:stretch>
-              <a:fillRect/>
-            </a:stretch>
+            <a:srcRect l="8736" r="13774"/>
+            <a:stretch/>
           </p:blipFill>
           <p:spPr>
             <a:xfrm>
-              <a:off x="1199456" y="2438503"/>
-              <a:ext cx="4506338" cy="2700000"/>
+              <a:off x="263352" y="2711259"/>
+              <a:ext cx="3492000" cy="2700000"/>
             </a:xfrm>
             <a:prstGeom prst="rect">
               <a:avLst/>
@@ -44695,10 +42155,10 @@
         </p:pic>
         <p:pic>
           <p:nvPicPr>
-            <p:cNvPr id="8" name="图片 7">
+            <p:cNvPr id="7" name="图片 6">
               <a:extLst>
                 <a:ext uri="{FF2B5EF4-FFF2-40B4-BE49-F238E27FC236}">
-                  <a16:creationId xmlns:a16="http://schemas.microsoft.com/office/drawing/2014/main" id="{A6A08639-9020-FBAF-72D1-B496420EBB31}"/>
+                  <a16:creationId xmlns:a16="http://schemas.microsoft.com/office/drawing/2014/main" id="{11380533-9EFD-929C-5956-108F8A9BC381}"/>
                 </a:ext>
               </a:extLst>
             </p:cNvPr>
@@ -44707,52 +42167,132 @@
             </p:cNvPicPr>
             <p:nvPr/>
           </p:nvPicPr>
-          <p:blipFill>
+          <p:blipFill rotWithShape="1">
             <a:blip r:embed="rId5"/>
-            <a:stretch>
-              <a:fillRect/>
-            </a:stretch>
+            <a:srcRect r="13863"/>
+            <a:stretch/>
           </p:blipFill>
           <p:spPr>
             <a:xfrm>
-              <a:off x="6371801" y="2431711"/>
-              <a:ext cx="4054054" cy="2700000"/>
+              <a:off x="4283350" y="2711259"/>
+              <a:ext cx="3492000" cy="2700000"/>
             </a:xfrm>
             <a:prstGeom prst="rect">
               <a:avLst/>
             </a:prstGeom>
           </p:spPr>
         </p:pic>
+        <p:pic>
+          <p:nvPicPr>
+            <p:cNvPr id="10" name="Picture 2" descr="VideoRay 水下机器人为世界最繁忙的港口及水道保驾护航 - 模拟/电源 - -EETOP-创芯网">
+              <a:extLst>
+                <a:ext uri="{FF2B5EF4-FFF2-40B4-BE49-F238E27FC236}">
+                  <a16:creationId xmlns:a16="http://schemas.microsoft.com/office/drawing/2014/main" id="{CE7AD89E-101D-5151-FCFC-32AA2766478F}"/>
+                </a:ext>
+              </a:extLst>
+            </p:cNvPr>
+            <p:cNvPicPr>
+              <a:picLocks noChangeAspect="1" noChangeArrowheads="1"/>
+            </p:cNvPicPr>
+            <p:nvPr/>
+          </p:nvPicPr>
+          <p:blipFill rotWithShape="1">
+            <a:blip r:embed="rId6">
+              <a:extLst>
+                <a:ext uri="{28A0092B-C50C-407E-A947-70E740481C1C}">
+                  <a14:useLocalDpi xmlns:a14="http://schemas.microsoft.com/office/drawing/2010/main" val="0"/>
+                </a:ext>
+              </a:extLst>
+            </a:blip>
+            <a:srcRect l="17209" r="10865"/>
+            <a:stretch/>
+          </p:blipFill>
+          <p:spPr bwMode="auto">
+            <a:xfrm>
+              <a:off x="8303348" y="2711259"/>
+              <a:ext cx="3492000" cy="2686978"/>
+            </a:xfrm>
+            <a:prstGeom prst="rect">
+              <a:avLst/>
+            </a:prstGeom>
+            <a:noFill/>
+            <a:extLst>
+              <a:ext uri="{909E8E84-426E-40DD-AFC4-6F175D3DCCD1}">
+                <a14:hiddenFill xmlns:a14="http://schemas.microsoft.com/office/drawing/2010/main">
+                  <a:solidFill>
+                    <a:srgbClr val="FFFFFF"/>
+                  </a:solidFill>
+                </a14:hiddenFill>
+              </a:ext>
+            </a:extLst>
+          </p:spPr>
+        </p:pic>
       </p:grpSp>
-      <p:pic>
-        <p:nvPicPr>
-          <p:cNvPr id="13" name="图片 12">
+      <p:sp>
+        <p:nvSpPr>
+          <p:cNvPr id="17" name="矩形 16">
             <a:extLst>
               <a:ext uri="{FF2B5EF4-FFF2-40B4-BE49-F238E27FC236}">
-                <a16:creationId xmlns:a16="http://schemas.microsoft.com/office/drawing/2014/main" id="{6B8FFAF1-E8DF-852B-2EF2-200B2F445B78}"/>
+                <a16:creationId xmlns:a16="http://schemas.microsoft.com/office/drawing/2014/main" id="{E215D130-880D-28BD-DFE0-0B33088983E7}"/>
               </a:ext>
             </a:extLst>
           </p:cNvPr>
-          <p:cNvPicPr>
-            <a:picLocks noChangeAspect="1"/>
-          </p:cNvPicPr>
+          <p:cNvSpPr/>
           <p:nvPr/>
-        </p:nvPicPr>
-        <p:blipFill rotWithShape="1">
-          <a:blip r:embed="rId6"/>
-          <a:srcRect l="9491" t="5573" r="7624" b="6745"/>
-          <a:stretch/>
-        </p:blipFill>
-        <p:spPr>
+        </p:nvSpPr>
+        <p:spPr bwMode="auto">
           <a:xfrm>
-            <a:off x="8104381" y="2297800"/>
-            <a:ext cx="3061995" cy="1609508"/>
+            <a:off x="119336" y="3601331"/>
+            <a:ext cx="11795390" cy="2924013"/>
           </a:xfrm>
           <a:prstGeom prst="rect">
             <a:avLst/>
           </a:prstGeom>
+          <a:noFill/>
+          <a:ln w="19050" cap="flat" cmpd="sng" algn="ctr">
+            <a:solidFill>
+              <a:schemeClr val="tx1"/>
+            </a:solidFill>
+            <a:prstDash val="dash"/>
+            <a:round/>
+            <a:headEnd type="none" w="med" len="med"/>
+            <a:tailEnd type="none" w="med" len="med"/>
+          </a:ln>
+          <a:effectLst/>
         </p:spPr>
-      </p:pic>
+        <p:txBody>
+          <a:bodyPr vert="horz" wrap="square" lIns="91440" tIns="45720" rIns="91440" bIns="45720" numCol="1" rtlCol="0" anchor="t" anchorCtr="0" compatLnSpc="1"/>
+          <a:lstStyle/>
+          <a:p>
+            <a:pPr marL="0" marR="0" indent="0" algn="l" defTabSz="914400" rtl="0" eaLnBrk="0" fontAlgn="base" latinLnBrk="0" hangingPunct="0">
+              <a:lnSpc>
+                <a:spcPct val="100000"/>
+              </a:lnSpc>
+              <a:spcBef>
+                <a:spcPct val="0"/>
+              </a:spcBef>
+              <a:spcAft>
+                <a:spcPct val="0"/>
+              </a:spcAft>
+              <a:buClrTx/>
+              <a:buSzTx/>
+              <a:buFontTx/>
+              <a:buNone/>
+            </a:pPr>
+            <a:endParaRPr kumimoji="0" lang="zh-CN" altLang="en-US" sz="1800" b="0" i="0" u="none" strike="noStrike" cap="none" normalizeH="0" baseline="0">
+              <a:ln>
+                <a:noFill/>
+              </a:ln>
+              <a:solidFill>
+                <a:schemeClr val="tx1"/>
+              </a:solidFill>
+              <a:effectLst/>
+              <a:latin typeface="微软雅黑" panose="020B0503020204020204" pitchFamily="34" charset="-122"/>
+              <a:ea typeface="微软雅黑" panose="020B0503020204020204" pitchFamily="34" charset="-122"/>
+            </a:endParaRPr>
+          </a:p>
+        </p:txBody>
+      </p:sp>
     </p:spTree>
   </p:cSld>
   <p:clrMapOvr>
@@ -45941,7 +43481,7 @@
                 <a:latin typeface="微软雅黑" panose="020B0503020204020204" pitchFamily="34" charset="-122"/>
                 <a:ea typeface="微软雅黑" panose="020B0503020204020204" pitchFamily="34" charset="-122"/>
               </a:rPr>
-              <a:t>噪声统计特性未知下的分布式非线性融合估计</a:t>
+              <a:t>最优控制问题难以求解</a:t>
             </a:r>
             <a:endParaRPr kumimoji="0" lang="en-US" altLang="zh-CN" sz="2000" b="1" i="0" u="none" strike="noStrike" kern="0" cap="none" spc="0" normalizeH="0" baseline="0" noProof="0" dirty="0">
               <a:ln>
@@ -46034,7 +43574,7 @@
         </p:nvSpPr>
         <p:spPr>
           <a:xfrm>
-            <a:off x="2929462" y="4436907"/>
+            <a:off x="3302571" y="4897309"/>
             <a:ext cx="546297" cy="560643"/>
           </a:xfrm>
           <a:prstGeom prst="downArrow">
@@ -46153,7 +43693,7 @@
                 <a:latin typeface="微软雅黑" panose="020B0503020204020204" pitchFamily="34" charset="-122"/>
                 <a:ea typeface="微软雅黑" panose="020B0503020204020204" pitchFamily="34" charset="-122"/>
               </a:rPr>
-              <a:t>资源约束下的分布式融合估计</a:t>
+              <a:t>最优控制问题无解</a:t>
             </a:r>
           </a:p>
         </p:txBody>
@@ -46167,7 +43707,7 @@
         <p:spPr bwMode="auto">
           <a:xfrm>
             <a:off x="673425" y="1320481"/>
-            <a:ext cx="5062535" cy="3260647"/>
+            <a:ext cx="5062535" cy="2468559"/>
           </a:xfrm>
           <a:prstGeom prst="rect">
             <a:avLst/>
@@ -46219,14 +43759,14 @@
       </p:sp>
       <p:sp>
         <p:nvSpPr>
-          <p:cNvPr id="38" name="文本框 37"/>
+          <p:cNvPr id="60" name="文本框 59"/>
           <p:cNvSpPr txBox="1"/>
           <p:nvPr/>
         </p:nvSpPr>
         <p:spPr>
           <a:xfrm>
-            <a:off x="9578667" y="2521103"/>
-            <a:ext cx="1346042" cy="307777"/>
+            <a:off x="2249415" y="3182337"/>
+            <a:ext cx="1814984" cy="369332"/>
           </a:xfrm>
           <a:prstGeom prst="rect">
             <a:avLst/>
@@ -46241,28 +43781,35 @@
           <a:p>
             <a:pPr algn="ctr"/>
             <a:r>
-              <a:rPr kumimoji="1" lang="zh-CN" altLang="en-US" sz="1400" b="1" dirty="0">
+              <a:rPr kumimoji="1" lang="zh-CN" altLang="en-US" b="1" dirty="0">
                 <a:solidFill>
                   <a:srgbClr val="002060"/>
                 </a:solidFill>
                 <a:latin typeface="微软雅黑" panose="020B0503020204020204" pitchFamily="34" charset="-122"/>
                 <a:ea typeface="微软雅黑" panose="020B0503020204020204" pitchFamily="34" charset="-122"/>
               </a:rPr>
-              <a:t>监测目标</a:t>
-            </a:r>
-          </a:p>
-        </p:txBody>
-      </p:sp>
-      <p:sp>
-        <p:nvSpPr>
-          <p:cNvPr id="39" name="文本框 38"/>
+              <a:t>不稳定系统</a:t>
+            </a:r>
+            <a:endParaRPr kumimoji="1" lang="zh-CN" altLang="en-US" b="1" dirty="0">
+              <a:solidFill>
+                <a:srgbClr val="C00000"/>
+              </a:solidFill>
+              <a:latin typeface="微软雅黑" panose="020B0503020204020204" pitchFamily="34" charset="-122"/>
+              <a:ea typeface="微软雅黑" panose="020B0503020204020204" pitchFamily="34" charset="-122"/>
+            </a:endParaRPr>
+          </a:p>
+        </p:txBody>
+      </p:sp>
+      <p:sp>
+        <p:nvSpPr>
+          <p:cNvPr id="61" name="文本框 60"/>
           <p:cNvSpPr txBox="1"/>
           <p:nvPr/>
         </p:nvSpPr>
         <p:spPr>
           <a:xfrm>
-            <a:off x="7533746" y="2512171"/>
-            <a:ext cx="1207784" cy="307777"/>
+            <a:off x="7995536" y="3217880"/>
+            <a:ext cx="1875533" cy="369332"/>
           </a:xfrm>
           <a:prstGeom prst="rect">
             <a:avLst/>
@@ -46277,329 +43824,14 @@
           <a:p>
             <a:pPr algn="ctr"/>
             <a:r>
-              <a:rPr kumimoji="1" lang="zh-CN" altLang="en-US" sz="1400" b="1" dirty="0">
+              <a:rPr kumimoji="1" lang="zh-CN" altLang="en-US" b="1" dirty="0">
                 <a:solidFill>
                   <a:srgbClr val="002060"/>
                 </a:solidFill>
                 <a:latin typeface="微软雅黑" panose="020B0503020204020204" pitchFamily="34" charset="-122"/>
                 <a:ea typeface="微软雅黑" panose="020B0503020204020204" pitchFamily="34" charset="-122"/>
               </a:rPr>
-              <a:t>多传感器</a:t>
-            </a:r>
-          </a:p>
-        </p:txBody>
-      </p:sp>
-      <p:pic>
-        <p:nvPicPr>
-          <p:cNvPr id="40" name="图片 39"/>
-          <p:cNvPicPr>
-            <a:picLocks noChangeAspect="1"/>
-          </p:cNvPicPr>
-          <p:nvPr/>
-        </p:nvPicPr>
-        <p:blipFill>
-          <a:blip r:embed="rId8"/>
-          <a:stretch>
-            <a:fillRect/>
-          </a:stretch>
-        </p:blipFill>
-        <p:spPr>
-          <a:xfrm>
-            <a:off x="9250565" y="1430980"/>
-            <a:ext cx="2002247" cy="1088782"/>
-          </a:xfrm>
-          <a:prstGeom prst="rect">
-            <a:avLst/>
-          </a:prstGeom>
-        </p:spPr>
-      </p:pic>
-      <p:pic>
-        <p:nvPicPr>
-          <p:cNvPr id="41" name="图片 40"/>
-          <p:cNvPicPr>
-            <a:picLocks noChangeAspect="1"/>
-          </p:cNvPicPr>
-          <p:nvPr/>
-        </p:nvPicPr>
-        <p:blipFill>
-          <a:blip r:embed="rId9"/>
-          <a:stretch>
-            <a:fillRect/>
-          </a:stretch>
-        </p:blipFill>
-        <p:spPr>
-          <a:xfrm>
-            <a:off x="7121930" y="1436493"/>
-            <a:ext cx="2002247" cy="1088783"/>
-          </a:xfrm>
-          <a:prstGeom prst="rect">
-            <a:avLst/>
-          </a:prstGeom>
-        </p:spPr>
-      </p:pic>
-      <p:pic>
-        <p:nvPicPr>
-          <p:cNvPr id="54" name="图片 53"/>
-          <p:cNvPicPr>
-            <a:picLocks noChangeAspect="1"/>
-          </p:cNvPicPr>
-          <p:nvPr/>
-        </p:nvPicPr>
-        <p:blipFill>
-          <a:blip r:embed="rId10"/>
-          <a:stretch>
-            <a:fillRect/>
-          </a:stretch>
-        </p:blipFill>
-        <p:spPr>
-          <a:xfrm>
-            <a:off x="782033" y="1438788"/>
-            <a:ext cx="2002247" cy="1080973"/>
-          </a:xfrm>
-          <a:prstGeom prst="rect">
-            <a:avLst/>
-          </a:prstGeom>
-          <a:ln>
-            <a:solidFill>
-              <a:srgbClr val="002060"/>
-            </a:solidFill>
-          </a:ln>
-        </p:spPr>
-      </p:pic>
-      <p:sp>
-        <p:nvSpPr>
-          <p:cNvPr id="57" name="文本框 56"/>
-          <p:cNvSpPr txBox="1"/>
-          <p:nvPr/>
-        </p:nvSpPr>
-        <p:spPr>
-          <a:xfrm>
-            <a:off x="1088744" y="2521103"/>
-            <a:ext cx="1346042" cy="307777"/>
-          </a:xfrm>
-          <a:prstGeom prst="rect">
-            <a:avLst/>
-          </a:prstGeom>
-          <a:noFill/>
-        </p:spPr>
-        <p:txBody>
-          <a:bodyPr wrap="square" rtlCol="0">
-            <a:spAutoFit/>
-          </a:bodyPr>
-          <a:lstStyle/>
-          <a:p>
-            <a:pPr algn="ctr"/>
-            <a:r>
-              <a:rPr kumimoji="1" lang="zh-CN" altLang="en-US" sz="1400" b="1" dirty="0">
-                <a:solidFill>
-                  <a:srgbClr val="002060"/>
-                </a:solidFill>
-                <a:latin typeface="微软雅黑" panose="020B0503020204020204" pitchFamily="34" charset="-122"/>
-                <a:ea typeface="微软雅黑" panose="020B0503020204020204" pitchFamily="34" charset="-122"/>
-              </a:rPr>
-              <a:t>有线网络</a:t>
-            </a:r>
-          </a:p>
-        </p:txBody>
-      </p:sp>
-      <p:sp>
-        <p:nvSpPr>
-          <p:cNvPr id="60" name="文本框 59"/>
-          <p:cNvSpPr txBox="1"/>
-          <p:nvPr/>
-        </p:nvSpPr>
-        <p:spPr>
-          <a:xfrm>
-            <a:off x="1524015" y="3286389"/>
-            <a:ext cx="3357192" cy="646331"/>
-          </a:xfrm>
-          <a:prstGeom prst="rect">
-            <a:avLst/>
-          </a:prstGeom>
-          <a:noFill/>
-        </p:spPr>
-        <p:txBody>
-          <a:bodyPr wrap="square" rtlCol="0">
-            <a:spAutoFit/>
-          </a:bodyPr>
-          <a:lstStyle/>
-          <a:p>
-            <a:pPr algn="ctr"/>
-            <a:r>
-              <a:rPr kumimoji="1" lang="zh-CN" altLang="en-US" b="1" dirty="0">
-                <a:solidFill>
-                  <a:srgbClr val="002060"/>
-                </a:solidFill>
-                <a:latin typeface="微软雅黑" panose="020B0503020204020204" pitchFamily="34" charset="-122"/>
-                <a:ea typeface="微软雅黑" panose="020B0503020204020204" pitchFamily="34" charset="-122"/>
-              </a:rPr>
-              <a:t>网络</a:t>
-            </a:r>
-            <a:r>
-              <a:rPr kumimoji="1" lang="zh-CN" altLang="en-US" b="1" dirty="0">
-                <a:solidFill>
-                  <a:srgbClr val="C00000"/>
-                </a:solidFill>
-                <a:latin typeface="微软雅黑" panose="020B0503020204020204" pitchFamily="34" charset="-122"/>
-                <a:ea typeface="微软雅黑" panose="020B0503020204020204" pitchFamily="34" charset="-122"/>
-              </a:rPr>
-              <a:t>带宽有限</a:t>
-            </a:r>
-            <a:r>
-              <a:rPr kumimoji="1" lang="zh-CN" altLang="en-US" b="1" dirty="0">
-                <a:solidFill>
-                  <a:srgbClr val="002060"/>
-                </a:solidFill>
-                <a:latin typeface="微软雅黑" panose="020B0503020204020204" pitchFamily="34" charset="-122"/>
-                <a:ea typeface="微软雅黑" panose="020B0503020204020204" pitchFamily="34" charset="-122"/>
-              </a:rPr>
-              <a:t>、传感器节点</a:t>
-            </a:r>
-            <a:r>
-              <a:rPr kumimoji="1" lang="zh-CN" altLang="en-US" b="1" dirty="0">
-                <a:solidFill>
-                  <a:srgbClr val="C00000"/>
-                </a:solidFill>
-                <a:latin typeface="微软雅黑" panose="020B0503020204020204" pitchFamily="34" charset="-122"/>
-                <a:ea typeface="微软雅黑" panose="020B0503020204020204" pitchFamily="34" charset="-122"/>
-              </a:rPr>
-              <a:t>能量</a:t>
-            </a:r>
-            <a:r>
-              <a:rPr kumimoji="1" lang="zh-CN" altLang="en-US" b="1" dirty="0">
-                <a:solidFill>
-                  <a:srgbClr val="002060"/>
-                </a:solidFill>
-                <a:latin typeface="微软雅黑" panose="020B0503020204020204" pitchFamily="34" charset="-122"/>
-                <a:ea typeface="微软雅黑" panose="020B0503020204020204" pitchFamily="34" charset="-122"/>
-              </a:rPr>
-              <a:t>和</a:t>
-            </a:r>
-            <a:r>
-              <a:rPr kumimoji="1" lang="zh-CN" altLang="en-US" b="1" dirty="0">
-                <a:solidFill>
-                  <a:srgbClr val="C00000"/>
-                </a:solidFill>
-                <a:latin typeface="微软雅黑" panose="020B0503020204020204" pitchFamily="34" charset="-122"/>
-                <a:ea typeface="微软雅黑" panose="020B0503020204020204" pitchFamily="34" charset="-122"/>
-              </a:rPr>
-              <a:t>计算能力有限</a:t>
-            </a:r>
-          </a:p>
-        </p:txBody>
-      </p:sp>
-      <p:sp>
-        <p:nvSpPr>
-          <p:cNvPr id="61" name="文本框 60"/>
-          <p:cNvSpPr txBox="1"/>
-          <p:nvPr/>
-        </p:nvSpPr>
-        <p:spPr>
-          <a:xfrm>
-            <a:off x="6804926" y="2981399"/>
-            <a:ext cx="4119783" cy="646331"/>
-          </a:xfrm>
-          <a:prstGeom prst="rect">
-            <a:avLst/>
-          </a:prstGeom>
-          <a:noFill/>
-        </p:spPr>
-        <p:txBody>
-          <a:bodyPr wrap="square" rtlCol="0">
-            <a:spAutoFit/>
-          </a:bodyPr>
-          <a:lstStyle/>
-          <a:p>
-            <a:pPr algn="ctr"/>
-            <a:r>
-              <a:rPr kumimoji="1" lang="zh-CN" altLang="en-US" b="1" dirty="0">
-                <a:solidFill>
-                  <a:srgbClr val="002060"/>
-                </a:solidFill>
-                <a:latin typeface="微软雅黑" panose="020B0503020204020204" pitchFamily="34" charset="-122"/>
-                <a:ea typeface="微软雅黑" panose="020B0503020204020204" pitchFamily="34" charset="-122"/>
-              </a:rPr>
-              <a:t>系统</a:t>
-            </a:r>
-            <a:r>
-              <a:rPr kumimoji="1" lang="zh-CN" altLang="en-US" b="1" dirty="0">
-                <a:solidFill>
-                  <a:srgbClr val="C00000"/>
-                </a:solidFill>
-                <a:latin typeface="微软雅黑" panose="020B0503020204020204" pitchFamily="34" charset="-122"/>
-                <a:ea typeface="微软雅黑" panose="020B0503020204020204" pitchFamily="34" charset="-122"/>
-              </a:rPr>
-              <a:t>非线性</a:t>
-            </a:r>
-            <a:r>
-              <a:rPr kumimoji="1" lang="zh-CN" altLang="en-US" b="1" dirty="0">
-                <a:solidFill>
-                  <a:srgbClr val="002060"/>
-                </a:solidFill>
-                <a:latin typeface="微软雅黑" panose="020B0503020204020204" pitchFamily="34" charset="-122"/>
-                <a:ea typeface="微软雅黑" panose="020B0503020204020204" pitchFamily="34" charset="-122"/>
-              </a:rPr>
-              <a:t>、感知信息</a:t>
-            </a:r>
-            <a:r>
-              <a:rPr kumimoji="1" lang="zh-CN" altLang="en-US" b="1" dirty="0">
-                <a:solidFill>
-                  <a:srgbClr val="C00000"/>
-                </a:solidFill>
-                <a:latin typeface="微软雅黑" panose="020B0503020204020204" pitchFamily="34" charset="-122"/>
-                <a:ea typeface="微软雅黑" panose="020B0503020204020204" pitchFamily="34" charset="-122"/>
-              </a:rPr>
-              <a:t>多样性</a:t>
-            </a:r>
-            <a:r>
-              <a:rPr kumimoji="1" lang="zh-CN" altLang="en-US" b="1" dirty="0">
-                <a:solidFill>
-                  <a:srgbClr val="002060"/>
-                </a:solidFill>
-                <a:latin typeface="微软雅黑" panose="020B0503020204020204" pitchFamily="34" charset="-122"/>
-                <a:ea typeface="微软雅黑" panose="020B0503020204020204" pitchFamily="34" charset="-122"/>
-              </a:rPr>
-              <a:t>、</a:t>
-            </a:r>
-            <a:r>
-              <a:rPr kumimoji="1" lang="zh-CN" altLang="en-US" b="1" dirty="0">
-                <a:solidFill>
-                  <a:srgbClr val="C00000"/>
-                </a:solidFill>
-                <a:latin typeface="微软雅黑" panose="020B0503020204020204" pitchFamily="34" charset="-122"/>
-                <a:ea typeface="微软雅黑" panose="020B0503020204020204" pitchFamily="34" charset="-122"/>
-              </a:rPr>
-              <a:t>交互性</a:t>
-            </a:r>
-            <a:r>
-              <a:rPr kumimoji="1" lang="zh-CN" altLang="en-US" b="1" dirty="0">
-                <a:solidFill>
-                  <a:srgbClr val="002060"/>
-                </a:solidFill>
-                <a:latin typeface="微软雅黑" panose="020B0503020204020204" pitchFamily="34" charset="-122"/>
-                <a:ea typeface="微软雅黑" panose="020B0503020204020204" pitchFamily="34" charset="-122"/>
-              </a:rPr>
-              <a:t>和</a:t>
-            </a:r>
-            <a:r>
-              <a:rPr kumimoji="1" lang="zh-CN" altLang="en-US" b="1" dirty="0">
-                <a:solidFill>
-                  <a:srgbClr val="C00000"/>
-                </a:solidFill>
-                <a:latin typeface="微软雅黑" panose="020B0503020204020204" pitchFamily="34" charset="-122"/>
-                <a:ea typeface="微软雅黑" panose="020B0503020204020204" pitchFamily="34" charset="-122"/>
-              </a:rPr>
-              <a:t>复杂性</a:t>
-            </a:r>
-            <a:r>
-              <a:rPr kumimoji="1" lang="zh-CN" altLang="en-US" b="1" dirty="0">
-                <a:solidFill>
-                  <a:srgbClr val="002060"/>
-                </a:solidFill>
-                <a:latin typeface="微软雅黑" panose="020B0503020204020204" pitchFamily="34" charset="-122"/>
-                <a:ea typeface="微软雅黑" panose="020B0503020204020204" pitchFamily="34" charset="-122"/>
-              </a:rPr>
-              <a:t>更强、噪声统计信息难以获取</a:t>
+              <a:t>转移概率未知</a:t>
             </a:r>
             <a:endParaRPr kumimoji="1" lang="zh-CN" altLang="en-US" b="1" dirty="0">
               <a:solidFill>
@@ -46626,7 +43858,7 @@
         <p:spPr bwMode="auto">
           <a:xfrm>
             <a:off x="6303798" y="1320481"/>
-            <a:ext cx="5062535" cy="3260647"/>
+            <a:ext cx="5062535" cy="2468559"/>
           </a:xfrm>
           <a:prstGeom prst="rect">
             <a:avLst/>
@@ -46678,78 +43910,6 @@
       </p:sp>
       <p:sp>
         <p:nvSpPr>
-          <p:cNvPr id="4" name="文本框 3">
-            <a:extLst>
-              <a:ext uri="{FF2B5EF4-FFF2-40B4-BE49-F238E27FC236}">
-                <a16:creationId xmlns:a16="http://schemas.microsoft.com/office/drawing/2014/main" id="{C6FF44A6-CF54-AC91-A29B-65A2621B7FF2}"/>
-              </a:ext>
-            </a:extLst>
-          </p:cNvPr>
-          <p:cNvSpPr txBox="1"/>
-          <p:nvPr/>
-        </p:nvSpPr>
-        <p:spPr>
-          <a:xfrm>
-            <a:off x="3791122" y="2556148"/>
-            <a:ext cx="1207784" cy="307777"/>
-          </a:xfrm>
-          <a:prstGeom prst="rect">
-            <a:avLst/>
-          </a:prstGeom>
-          <a:noFill/>
-        </p:spPr>
-        <p:txBody>
-          <a:bodyPr wrap="square" rtlCol="0">
-            <a:spAutoFit/>
-          </a:bodyPr>
-          <a:lstStyle/>
-          <a:p>
-            <a:pPr algn="ctr"/>
-            <a:r>
-              <a:rPr kumimoji="1" lang="zh-CN" altLang="en-US" sz="1400" b="1" dirty="0">
-                <a:solidFill>
-                  <a:srgbClr val="002060"/>
-                </a:solidFill>
-                <a:latin typeface="微软雅黑" panose="020B0503020204020204" pitchFamily="34" charset="-122"/>
-                <a:ea typeface="微软雅黑" panose="020B0503020204020204" pitchFamily="34" charset="-122"/>
-              </a:rPr>
-              <a:t>多传感器</a:t>
-            </a:r>
-          </a:p>
-        </p:txBody>
-      </p:sp>
-      <p:pic>
-        <p:nvPicPr>
-          <p:cNvPr id="6" name="图片 5">
-            <a:extLst>
-              <a:ext uri="{FF2B5EF4-FFF2-40B4-BE49-F238E27FC236}">
-                <a16:creationId xmlns:a16="http://schemas.microsoft.com/office/drawing/2014/main" id="{1E40BFC0-8D8C-B071-B48B-2FD0A181B755}"/>
-              </a:ext>
-            </a:extLst>
-          </p:cNvPr>
-          <p:cNvPicPr>
-            <a:picLocks noChangeAspect="1"/>
-          </p:cNvPicPr>
-          <p:nvPr/>
-        </p:nvPicPr>
-        <p:blipFill>
-          <a:blip r:embed="rId9"/>
-          <a:stretch>
-            <a:fillRect/>
-          </a:stretch>
-        </p:blipFill>
-        <p:spPr>
-          <a:xfrm>
-            <a:off x="3379306" y="1480470"/>
-            <a:ext cx="2002247" cy="1088783"/>
-          </a:xfrm>
-          <a:prstGeom prst="rect">
-            <a:avLst/>
-          </a:prstGeom>
-        </p:spPr>
-      </p:pic>
-      <p:sp>
-        <p:nvSpPr>
           <p:cNvPr id="7" name="下箭头 43">
             <a:extLst>
               <a:ext uri="{FF2B5EF4-FFF2-40B4-BE49-F238E27FC236}">
@@ -46762,7 +43922,7 @@
         </p:nvSpPr>
         <p:spPr>
           <a:xfrm>
-            <a:off x="9032370" y="4436907"/>
+            <a:off x="8352614" y="4858240"/>
             <a:ext cx="546297" cy="560643"/>
           </a:xfrm>
           <a:prstGeom prst="downArrow">
@@ -46815,6 +43975,303 @@
           </a:p>
         </p:txBody>
       </p:sp>
+      <p:sp>
+        <p:nvSpPr>
+          <p:cNvPr id="2" name="文本框 1">
+            <a:extLst>
+              <a:ext uri="{FF2B5EF4-FFF2-40B4-BE49-F238E27FC236}">
+                <a16:creationId xmlns:a16="http://schemas.microsoft.com/office/drawing/2014/main" id="{43AA8253-52C9-A923-B069-944AE5C9F9C6}"/>
+              </a:ext>
+            </a:extLst>
+          </p:cNvPr>
+          <p:cNvSpPr txBox="1"/>
+          <p:nvPr/>
+        </p:nvSpPr>
+        <p:spPr>
+          <a:xfrm>
+            <a:off x="2279576" y="4341960"/>
+            <a:ext cx="2715430" cy="369332"/>
+          </a:xfrm>
+          <a:prstGeom prst="rect">
+            <a:avLst/>
+          </a:prstGeom>
+          <a:noFill/>
+        </p:spPr>
+        <p:txBody>
+          <a:bodyPr wrap="square" rtlCol="0">
+            <a:spAutoFit/>
+          </a:bodyPr>
+          <a:lstStyle/>
+          <a:p>
+            <a:pPr algn="ctr"/>
+            <a:r>
+              <a:rPr kumimoji="1" lang="zh-CN" altLang="en-US" b="1" dirty="0">
+                <a:solidFill>
+                  <a:srgbClr val="002060"/>
+                </a:solidFill>
+                <a:latin typeface="微软雅黑" panose="020B0503020204020204" pitchFamily="34" charset="-122"/>
+                <a:ea typeface="微软雅黑" panose="020B0503020204020204" pitchFamily="34" charset="-122"/>
+              </a:rPr>
+              <a:t>二次型性能指标无法收敛</a:t>
+            </a:r>
+            <a:endParaRPr kumimoji="1" lang="zh-CN" altLang="en-US" b="1" dirty="0">
+              <a:solidFill>
+                <a:srgbClr val="C00000"/>
+              </a:solidFill>
+              <a:latin typeface="微软雅黑" panose="020B0503020204020204" pitchFamily="34" charset="-122"/>
+              <a:ea typeface="微软雅黑" panose="020B0503020204020204" pitchFamily="34" charset="-122"/>
+            </a:endParaRPr>
+          </a:p>
+        </p:txBody>
+      </p:sp>
+      <p:sp>
+        <p:nvSpPr>
+          <p:cNvPr id="8" name="文本框 7">
+            <a:extLst>
+              <a:ext uri="{FF2B5EF4-FFF2-40B4-BE49-F238E27FC236}">
+                <a16:creationId xmlns:a16="http://schemas.microsoft.com/office/drawing/2014/main" id="{90137F7E-A7F1-FBB0-2E97-402FCC717A45}"/>
+              </a:ext>
+            </a:extLst>
+          </p:cNvPr>
+          <p:cNvSpPr txBox="1"/>
+          <p:nvPr/>
+        </p:nvSpPr>
+        <p:spPr>
+          <a:xfrm>
+            <a:off x="7367169" y="4269660"/>
+            <a:ext cx="2702666" cy="369332"/>
+          </a:xfrm>
+          <a:prstGeom prst="rect">
+            <a:avLst/>
+          </a:prstGeom>
+          <a:noFill/>
+        </p:spPr>
+        <p:txBody>
+          <a:bodyPr wrap="square" rtlCol="0">
+            <a:spAutoFit/>
+          </a:bodyPr>
+          <a:lstStyle/>
+          <a:p>
+            <a:pPr algn="ctr"/>
+            <a:r>
+              <a:rPr kumimoji="1" lang="en-US" altLang="zh-CN" b="1" dirty="0" err="1">
+                <a:solidFill>
+                  <a:srgbClr val="002060"/>
+                </a:solidFill>
+                <a:latin typeface="微软雅黑" panose="020B0503020204020204" pitchFamily="34" charset="-122"/>
+                <a:ea typeface="微软雅黑" panose="020B0503020204020204" pitchFamily="34" charset="-122"/>
+              </a:rPr>
+              <a:t>Riccati</a:t>
+            </a:r>
+            <a:r>
+              <a:rPr kumimoji="1" lang="zh-CN" altLang="en-US" b="1" dirty="0">
+                <a:solidFill>
+                  <a:srgbClr val="002060"/>
+                </a:solidFill>
+                <a:latin typeface="微软雅黑" panose="020B0503020204020204" pitchFamily="34" charset="-122"/>
+                <a:ea typeface="微软雅黑" panose="020B0503020204020204" pitchFamily="34" charset="-122"/>
+              </a:rPr>
+              <a:t>方程无法求解</a:t>
+            </a:r>
+            <a:endParaRPr kumimoji="1" lang="zh-CN" altLang="en-US" b="1" dirty="0">
+              <a:solidFill>
+                <a:srgbClr val="C00000"/>
+              </a:solidFill>
+              <a:latin typeface="微软雅黑" panose="020B0503020204020204" pitchFamily="34" charset="-122"/>
+              <a:ea typeface="微软雅黑" panose="020B0503020204020204" pitchFamily="34" charset="-122"/>
+            </a:endParaRPr>
+          </a:p>
+        </p:txBody>
+      </p:sp>
+      <p:pic>
+        <p:nvPicPr>
+          <p:cNvPr id="11" name="图片 10">
+            <a:extLst>
+              <a:ext uri="{FF2B5EF4-FFF2-40B4-BE49-F238E27FC236}">
+                <a16:creationId xmlns:a16="http://schemas.microsoft.com/office/drawing/2014/main" id="{1E6C64BA-BE99-79A9-4990-63BC0D032A2B}"/>
+              </a:ext>
+            </a:extLst>
+          </p:cNvPr>
+          <p:cNvPicPr>
+            <a:picLocks noChangeAspect="1"/>
+          </p:cNvPicPr>
+          <p:nvPr/>
+        </p:nvPicPr>
+        <p:blipFill>
+          <a:blip r:embed="rId8"/>
+          <a:stretch>
+            <a:fillRect/>
+          </a:stretch>
+        </p:blipFill>
+        <p:spPr>
+          <a:xfrm>
+            <a:off x="3575720" y="1541980"/>
+            <a:ext cx="1896554" cy="1009648"/>
+          </a:xfrm>
+          <a:prstGeom prst="rect">
+            <a:avLst/>
+          </a:prstGeom>
+        </p:spPr>
+      </p:pic>
+      <p:pic>
+        <p:nvPicPr>
+          <p:cNvPr id="19" name="图片 18">
+            <a:extLst>
+              <a:ext uri="{FF2B5EF4-FFF2-40B4-BE49-F238E27FC236}">
+                <a16:creationId xmlns:a16="http://schemas.microsoft.com/office/drawing/2014/main" id="{909CD451-C3F2-2C08-3C30-B22B0C29C843}"/>
+              </a:ext>
+            </a:extLst>
+          </p:cNvPr>
+          <p:cNvPicPr>
+            <a:picLocks noChangeAspect="1"/>
+          </p:cNvPicPr>
+          <p:nvPr/>
+        </p:nvPicPr>
+        <p:blipFill>
+          <a:blip r:embed="rId9"/>
+          <a:stretch>
+            <a:fillRect/>
+          </a:stretch>
+        </p:blipFill>
+        <p:spPr>
+          <a:xfrm>
+            <a:off x="911424" y="1544138"/>
+            <a:ext cx="2175024" cy="1085279"/>
+          </a:xfrm>
+          <a:prstGeom prst="rect">
+            <a:avLst/>
+          </a:prstGeom>
+        </p:spPr>
+      </p:pic>
+      <p:pic>
+        <p:nvPicPr>
+          <p:cNvPr id="22" name="图片 21">
+            <a:extLst>
+              <a:ext uri="{FF2B5EF4-FFF2-40B4-BE49-F238E27FC236}">
+                <a16:creationId xmlns:a16="http://schemas.microsoft.com/office/drawing/2014/main" id="{FA3343C9-2A50-3ED9-9F9F-5E6D17CE464A}"/>
+              </a:ext>
+            </a:extLst>
+          </p:cNvPr>
+          <p:cNvPicPr>
+            <a:picLocks noChangeAspect="1"/>
+          </p:cNvPicPr>
+          <p:nvPr/>
+        </p:nvPicPr>
+        <p:blipFill>
+          <a:blip r:embed="rId10"/>
+          <a:stretch>
+            <a:fillRect/>
+          </a:stretch>
+        </p:blipFill>
+        <p:spPr>
+          <a:xfrm>
+            <a:off x="6384045" y="1374752"/>
+            <a:ext cx="2334457" cy="1683701"/>
+          </a:xfrm>
+          <a:prstGeom prst="rect">
+            <a:avLst/>
+          </a:prstGeom>
+        </p:spPr>
+      </p:pic>
+      <p:grpSp>
+        <p:nvGrpSpPr>
+          <p:cNvPr id="34" name="组合 33">
+            <a:extLst>
+              <a:ext uri="{FF2B5EF4-FFF2-40B4-BE49-F238E27FC236}">
+                <a16:creationId xmlns:a16="http://schemas.microsoft.com/office/drawing/2014/main" id="{6A0C8801-086D-4717-CCD9-5846205E4BF8}"/>
+              </a:ext>
+            </a:extLst>
+          </p:cNvPr>
+          <p:cNvGrpSpPr/>
+          <p:nvPr/>
+        </p:nvGrpSpPr>
+        <p:grpSpPr>
+          <a:xfrm>
+            <a:off x="8926872" y="1682172"/>
+            <a:ext cx="2353704" cy="1042067"/>
+            <a:chOff x="8835065" y="1682172"/>
+            <a:chExt cx="2353704" cy="1042067"/>
+          </a:xfrm>
+        </p:grpSpPr>
+        <p:pic>
+          <p:nvPicPr>
+            <p:cNvPr id="32" name="图片 31">
+              <a:extLst>
+                <a:ext uri="{FF2B5EF4-FFF2-40B4-BE49-F238E27FC236}">
+                  <a16:creationId xmlns:a16="http://schemas.microsoft.com/office/drawing/2014/main" id="{2003FC12-86C7-AEB1-DCFC-FCFD301614B6}"/>
+                </a:ext>
+              </a:extLst>
+            </p:cNvPr>
+            <p:cNvPicPr>
+              <a:picLocks noChangeAspect="1"/>
+            </p:cNvPicPr>
+            <p:nvPr/>
+          </p:nvPicPr>
+          <p:blipFill>
+            <a:blip r:embed="rId11"/>
+            <a:stretch>
+              <a:fillRect/>
+            </a:stretch>
+          </p:blipFill>
+          <p:spPr>
+            <a:xfrm>
+              <a:off x="8835065" y="2086777"/>
+              <a:ext cx="2353704" cy="637462"/>
+            </a:xfrm>
+            <a:prstGeom prst="rect">
+              <a:avLst/>
+            </a:prstGeom>
+          </p:spPr>
+        </p:pic>
+        <p:sp>
+          <p:nvSpPr>
+            <p:cNvPr id="33" name="文本框 32">
+              <a:extLst>
+                <a:ext uri="{FF2B5EF4-FFF2-40B4-BE49-F238E27FC236}">
+                  <a16:creationId xmlns:a16="http://schemas.microsoft.com/office/drawing/2014/main" id="{E905BC56-AAAB-B771-D751-915155AEA5C2}"/>
+                </a:ext>
+              </a:extLst>
+            </p:cNvPr>
+            <p:cNvSpPr txBox="1"/>
+            <p:nvPr/>
+          </p:nvSpPr>
+          <p:spPr>
+            <a:xfrm>
+              <a:off x="9778520" y="1682172"/>
+              <a:ext cx="466794" cy="646331"/>
+            </a:xfrm>
+            <a:prstGeom prst="rect">
+              <a:avLst/>
+            </a:prstGeom>
+            <a:noFill/>
+          </p:spPr>
+          <p:txBody>
+            <a:bodyPr wrap="none" rtlCol="0">
+              <a:spAutoFit/>
+            </a:bodyPr>
+            <a:lstStyle/>
+            <a:p>
+              <a:r>
+                <a:rPr lang="en-US" altLang="zh-CN" sz="3600" b="1" dirty="0">
+                  <a:solidFill>
+                    <a:srgbClr val="FF0000"/>
+                  </a:solidFill>
+                  <a:latin typeface="+mj-ea"/>
+                  <a:ea typeface="+mj-ea"/>
+                </a:rPr>
+                <a:t>?</a:t>
+              </a:r>
+              <a:endParaRPr lang="zh-CN" altLang="en-US" sz="3600" b="1" dirty="0">
+                <a:solidFill>
+                  <a:srgbClr val="FF0000"/>
+                </a:solidFill>
+                <a:latin typeface="+mj-ea"/>
+                <a:ea typeface="+mj-ea"/>
+              </a:endParaRPr>
+            </a:p>
+          </p:txBody>
+        </p:sp>
+      </p:grpSp>
     </p:spTree>
   </p:cSld>
   <p:clrMapOvr>
@@ -47390,21 +44847,8 @@
                 <a:latin typeface="微软雅黑" panose="020B0503020204020204" pitchFamily="34" charset="-122"/>
                 <a:ea typeface="微软雅黑" panose="020B0503020204020204" pitchFamily="34" charset="-122"/>
               </a:rPr>
-              <a:t>噪声统计特性未知下的分布式非线性融合估计</a:t>
-            </a:r>
-            <a:endParaRPr kumimoji="0" lang="en-US" altLang="zh-CN" b="1" i="0" u="none" strike="noStrike" kern="0" cap="none" spc="0" normalizeH="0" baseline="0" noProof="0" dirty="0">
-              <a:ln>
-                <a:noFill/>
-              </a:ln>
-              <a:solidFill>
-                <a:srgbClr val="000000"/>
-              </a:solidFill>
-              <a:effectLst/>
-              <a:uLnTx/>
-              <a:uFillTx/>
-              <a:latin typeface="微软雅黑" panose="020B0503020204020204" pitchFamily="34" charset="-122"/>
-              <a:ea typeface="微软雅黑" panose="020B0503020204020204" pitchFamily="34" charset="-122"/>
-            </a:endParaRPr>
+              <a:t>最优控制问题无解</a:t>
+            </a:r>
           </a:p>
         </p:txBody>
       </p:sp>
@@ -47476,7 +44920,7 @@
                 <a:latin typeface="微软雅黑" panose="020B0503020204020204" pitchFamily="34" charset="-122"/>
                 <a:ea typeface="微软雅黑" panose="020B0503020204020204" pitchFamily="34" charset="-122"/>
               </a:rPr>
-              <a:t>资源约束下的分布式融合估计</a:t>
+              <a:t>最优控制问题难以求解</a:t>
             </a:r>
           </a:p>
         </p:txBody>
@@ -50977,7 +48421,7 @@
         </p:nvGrpSpPr>
         <p:grpSpPr>
           <a:xfrm>
-            <a:off x="3728294" y="4348636"/>
+            <a:off x="4956241" y="4181496"/>
             <a:ext cx="2160089" cy="664540"/>
             <a:chOff x="983583" y="4089773"/>
             <a:chExt cx="2160089" cy="664540"/>
@@ -51198,235 +48642,6 @@
           </p:txBody>
         </p:sp>
       </p:grpSp>
-      <p:grpSp>
-        <p:nvGrpSpPr>
-          <p:cNvPr id="59" name="组合 58"/>
-          <p:cNvGrpSpPr/>
-          <p:nvPr/>
-        </p:nvGrpSpPr>
-        <p:grpSpPr>
-          <a:xfrm>
-            <a:off x="6101329" y="4348636"/>
-            <a:ext cx="2160089" cy="664540"/>
-            <a:chOff x="983583" y="4089773"/>
-            <a:chExt cx="2160089" cy="664540"/>
-          </a:xfrm>
-        </p:grpSpPr>
-        <p:sp>
-          <p:nvSpPr>
-            <p:cNvPr id="60" name="矩形: 圆角 59"/>
-            <p:cNvSpPr/>
-            <p:nvPr/>
-          </p:nvSpPr>
-          <p:spPr bwMode="auto">
-            <a:xfrm>
-              <a:off x="983583" y="4089773"/>
-              <a:ext cx="2160089" cy="664540"/>
-            </a:xfrm>
-            <a:prstGeom prst="roundRect">
-              <a:avLst>
-                <a:gd name="adj" fmla="val 0"/>
-              </a:avLst>
-            </a:prstGeom>
-            <a:solidFill>
-              <a:schemeClr val="bg1">
-                <a:lumMod val="95000"/>
-              </a:schemeClr>
-            </a:solidFill>
-            <a:ln w="9525" cap="flat" cmpd="sng" algn="ctr">
-              <a:solidFill>
-                <a:schemeClr val="tx1"/>
-              </a:solidFill>
-              <a:prstDash val="solid"/>
-              <a:round/>
-              <a:headEnd type="none" w="med" len="med"/>
-              <a:tailEnd type="none" w="med" len="med"/>
-            </a:ln>
-            <a:effectLst/>
-          </p:spPr>
-          <p:txBody>
-            <a:bodyPr vert="horz" wrap="square" lIns="91440" tIns="45720" rIns="91440" bIns="45720" numCol="1" rtlCol="0" anchor="t" anchorCtr="0" compatLnSpc="1"/>
-            <a:lstStyle/>
-            <a:p>
-              <a:pPr marL="0" marR="0" indent="0" algn="l" defTabSz="914400" rtl="0" eaLnBrk="0" fontAlgn="base" latinLnBrk="0" hangingPunct="0">
-                <a:lnSpc>
-                  <a:spcPct val="100000"/>
-                </a:lnSpc>
-                <a:spcBef>
-                  <a:spcPct val="0"/>
-                </a:spcBef>
-                <a:spcAft>
-                  <a:spcPct val="0"/>
-                </a:spcAft>
-                <a:buClrTx/>
-                <a:buSzTx/>
-                <a:buFontTx/>
-                <a:buNone/>
-              </a:pPr>
-              <a:endParaRPr kumimoji="0" lang="zh-CN" altLang="en-US" sz="1800" b="0" i="0" u="none" strike="noStrike" cap="none" normalizeH="0" baseline="0" dirty="0">
-                <a:ln>
-                  <a:noFill/>
-                </a:ln>
-                <a:solidFill>
-                  <a:schemeClr val="tx1"/>
-                </a:solidFill>
-                <a:effectLst/>
-                <a:latin typeface="Arial" panose="020B0604020202020204" pitchFamily="34" charset="0"/>
-              </a:endParaRPr>
-            </a:p>
-          </p:txBody>
-        </p:sp>
-        <p:sp>
-          <p:nvSpPr>
-            <p:cNvPr id="61" name="矩形 60"/>
-            <p:cNvSpPr/>
-            <p:nvPr/>
-          </p:nvSpPr>
-          <p:spPr>
-            <a:xfrm>
-              <a:off x="1134870" y="4140369"/>
-              <a:ext cx="1857513" cy="584775"/>
-            </a:xfrm>
-            <a:prstGeom prst="rect">
-              <a:avLst/>
-            </a:prstGeom>
-            <a:noFill/>
-            <a:ln w="28575">
-              <a:noFill/>
-              <a:prstDash val="sysDash"/>
-            </a:ln>
-          </p:spPr>
-          <p:txBody>
-            <a:bodyPr wrap="square">
-              <a:spAutoFit/>
-            </a:bodyPr>
-            <a:lstStyle>
-              <a:lvl1pPr>
-                <a:defRPr>
-                  <a:solidFill>
-                    <a:schemeClr val="tx1"/>
-                  </a:solidFill>
-                  <a:latin typeface="Arial" panose="020B0604020202020204" pitchFamily="34" charset="0"/>
-                  <a:ea typeface="宋体" panose="02010600030101010101" pitchFamily="2" charset="-122"/>
-                </a:defRPr>
-              </a:lvl1pPr>
-              <a:lvl2pPr marL="742950" indent="-285750">
-                <a:defRPr>
-                  <a:solidFill>
-                    <a:schemeClr val="tx1"/>
-                  </a:solidFill>
-                  <a:latin typeface="Arial" panose="020B0604020202020204" pitchFamily="34" charset="0"/>
-                  <a:ea typeface="宋体" panose="02010600030101010101" pitchFamily="2" charset="-122"/>
-                </a:defRPr>
-              </a:lvl2pPr>
-              <a:lvl3pPr marL="1143000" indent="-228600">
-                <a:defRPr>
-                  <a:solidFill>
-                    <a:schemeClr val="tx1"/>
-                  </a:solidFill>
-                  <a:latin typeface="Arial" panose="020B0604020202020204" pitchFamily="34" charset="0"/>
-                  <a:ea typeface="宋体" panose="02010600030101010101" pitchFamily="2" charset="-122"/>
-                </a:defRPr>
-              </a:lvl3pPr>
-              <a:lvl4pPr marL="1600200" indent="-228600">
-                <a:defRPr>
-                  <a:solidFill>
-                    <a:schemeClr val="tx1"/>
-                  </a:solidFill>
-                  <a:latin typeface="Arial" panose="020B0604020202020204" pitchFamily="34" charset="0"/>
-                  <a:ea typeface="宋体" panose="02010600030101010101" pitchFamily="2" charset="-122"/>
-                </a:defRPr>
-              </a:lvl4pPr>
-              <a:lvl5pPr marL="2057400" indent="-228600">
-                <a:defRPr>
-                  <a:solidFill>
-                    <a:schemeClr val="tx1"/>
-                  </a:solidFill>
-                  <a:latin typeface="Arial" panose="020B0604020202020204" pitchFamily="34" charset="0"/>
-                  <a:ea typeface="宋体" panose="02010600030101010101" pitchFamily="2" charset="-122"/>
-                </a:defRPr>
-              </a:lvl5pPr>
-              <a:lvl6pPr marL="2514600" indent="-228600" eaLnBrk="0" fontAlgn="base" hangingPunct="0">
-                <a:spcBef>
-                  <a:spcPct val="0"/>
-                </a:spcBef>
-                <a:spcAft>
-                  <a:spcPct val="0"/>
-                </a:spcAft>
-                <a:defRPr>
-                  <a:solidFill>
-                    <a:schemeClr val="tx1"/>
-                  </a:solidFill>
-                  <a:latin typeface="Arial" panose="020B0604020202020204" pitchFamily="34" charset="0"/>
-                  <a:ea typeface="宋体" panose="02010600030101010101" pitchFamily="2" charset="-122"/>
-                </a:defRPr>
-              </a:lvl6pPr>
-              <a:lvl7pPr marL="2971800" indent="-228600" eaLnBrk="0" fontAlgn="base" hangingPunct="0">
-                <a:spcBef>
-                  <a:spcPct val="0"/>
-                </a:spcBef>
-                <a:spcAft>
-                  <a:spcPct val="0"/>
-                </a:spcAft>
-                <a:defRPr>
-                  <a:solidFill>
-                    <a:schemeClr val="tx1"/>
-                  </a:solidFill>
-                  <a:latin typeface="Arial" panose="020B0604020202020204" pitchFamily="34" charset="0"/>
-                  <a:ea typeface="宋体" panose="02010600030101010101" pitchFamily="2" charset="-122"/>
-                </a:defRPr>
-              </a:lvl7pPr>
-              <a:lvl8pPr marL="3429000" indent="-228600" eaLnBrk="0" fontAlgn="base" hangingPunct="0">
-                <a:spcBef>
-                  <a:spcPct val="0"/>
-                </a:spcBef>
-                <a:spcAft>
-                  <a:spcPct val="0"/>
-                </a:spcAft>
-                <a:defRPr>
-                  <a:solidFill>
-                    <a:schemeClr val="tx1"/>
-                  </a:solidFill>
-                  <a:latin typeface="Arial" panose="020B0604020202020204" pitchFamily="34" charset="0"/>
-                  <a:ea typeface="宋体" panose="02010600030101010101" pitchFamily="2" charset="-122"/>
-                </a:defRPr>
-              </a:lvl8pPr>
-              <a:lvl9pPr marL="3886200" indent="-228600" eaLnBrk="0" fontAlgn="base" hangingPunct="0">
-                <a:spcBef>
-                  <a:spcPct val="0"/>
-                </a:spcBef>
-                <a:spcAft>
-                  <a:spcPct val="0"/>
-                </a:spcAft>
-                <a:defRPr>
-                  <a:solidFill>
-                    <a:schemeClr val="tx1"/>
-                  </a:solidFill>
-                  <a:latin typeface="Arial" panose="020B0604020202020204" pitchFamily="34" charset="0"/>
-                  <a:ea typeface="宋体" panose="02010600030101010101" pitchFamily="2" charset="-122"/>
-                </a:defRPr>
-              </a:lvl9pPr>
-            </a:lstStyle>
-            <a:p>
-              <a:pPr algn="ctr">
-                <a:spcBef>
-                  <a:spcPts val="300"/>
-                </a:spcBef>
-              </a:pPr>
-              <a:r>
-                <a:rPr lang="zh-CN" altLang="en-US" sz="1600" b="1" dirty="0">
-                  <a:solidFill>
-                    <a:srgbClr val="002060"/>
-                  </a:solidFill>
-                  <a:latin typeface="微软雅黑" panose="020B0503020204020204" pitchFamily="34" charset="-122"/>
-                  <a:ea typeface="微软雅黑" panose="020B0503020204020204" pitchFamily="34" charset="-122"/>
-                </a:rPr>
-                <a:t>智能传感器至融合中心信道受限</a:t>
-              </a:r>
-            </a:p>
-          </p:txBody>
-        </p:sp>
-      </p:grpSp>
       <p:sp>
         <p:nvSpPr>
           <p:cNvPr id="63" name="矩形: 圆角 62"/>
@@ -51630,213 +48845,6 @@
                 <a:ea typeface="微软雅黑" panose="020B0503020204020204" pitchFamily="34" charset="-122"/>
               </a:rPr>
               <a:t>采用事件触发与降维双重压缩</a:t>
-            </a:r>
-          </a:p>
-        </p:txBody>
-      </p:sp>
-      <p:sp>
-        <p:nvSpPr>
-          <p:cNvPr id="65" name="矩形: 圆角 64"/>
-          <p:cNvSpPr/>
-          <p:nvPr/>
-        </p:nvSpPr>
-        <p:spPr bwMode="auto">
-          <a:xfrm>
-            <a:off x="6101329" y="5173660"/>
-            <a:ext cx="1662905" cy="664540"/>
-          </a:xfrm>
-          <a:prstGeom prst="roundRect">
-            <a:avLst/>
-          </a:prstGeom>
-          <a:solidFill>
-            <a:schemeClr val="bg1"/>
-          </a:solidFill>
-          <a:ln w="9525" cap="flat" cmpd="sng" algn="ctr">
-            <a:solidFill>
-              <a:schemeClr val="tx1"/>
-            </a:solidFill>
-            <a:prstDash val="solid"/>
-            <a:round/>
-            <a:headEnd type="none" w="med" len="med"/>
-            <a:tailEnd type="none" w="med" len="med"/>
-          </a:ln>
-          <a:effectLst/>
-        </p:spPr>
-        <p:txBody>
-          <a:bodyPr vert="horz" wrap="square" lIns="91440" tIns="45720" rIns="91440" bIns="45720" numCol="1" rtlCol="0" anchor="t" anchorCtr="0" compatLnSpc="1"/>
-          <a:lstStyle/>
-          <a:p>
-            <a:pPr marL="0" marR="0" indent="0" algn="l" defTabSz="914400" rtl="0" eaLnBrk="0" fontAlgn="base" latinLnBrk="0" hangingPunct="0">
-              <a:lnSpc>
-                <a:spcPct val="100000"/>
-              </a:lnSpc>
-              <a:spcBef>
-                <a:spcPct val="0"/>
-              </a:spcBef>
-              <a:spcAft>
-                <a:spcPct val="0"/>
-              </a:spcAft>
-              <a:buClrTx/>
-              <a:buSzTx/>
-              <a:buFontTx/>
-              <a:buNone/>
-            </a:pPr>
-            <a:endParaRPr kumimoji="0" lang="zh-CN" altLang="en-US" sz="1800" b="0" i="0" u="none" strike="noStrike" cap="none" normalizeH="0" baseline="0">
-              <a:ln>
-                <a:noFill/>
-              </a:ln>
-              <a:solidFill>
-                <a:schemeClr val="tx1"/>
-              </a:solidFill>
-              <a:effectLst/>
-              <a:latin typeface="Arial" panose="020B0604020202020204" pitchFamily="34" charset="0"/>
-            </a:endParaRPr>
-          </a:p>
-        </p:txBody>
-      </p:sp>
-      <p:sp>
-        <p:nvSpPr>
-          <p:cNvPr id="66" name="矩形 65"/>
-          <p:cNvSpPr/>
-          <p:nvPr/>
-        </p:nvSpPr>
-        <p:spPr>
-          <a:xfrm>
-            <a:off x="6101329" y="5224256"/>
-            <a:ext cx="1662905" cy="584775"/>
-          </a:xfrm>
-          <a:prstGeom prst="rect">
-            <a:avLst/>
-          </a:prstGeom>
-          <a:noFill/>
-          <a:ln w="28575">
-            <a:noFill/>
-            <a:prstDash val="sysDash"/>
-          </a:ln>
-        </p:spPr>
-        <p:txBody>
-          <a:bodyPr wrap="square">
-            <a:spAutoFit/>
-          </a:bodyPr>
-          <a:lstStyle>
-            <a:lvl1pPr>
-              <a:defRPr>
-                <a:solidFill>
-                  <a:schemeClr val="tx1"/>
-                </a:solidFill>
-                <a:latin typeface="Arial" panose="020B0604020202020204" pitchFamily="34" charset="0"/>
-                <a:ea typeface="宋体" panose="02010600030101010101" pitchFamily="2" charset="-122"/>
-              </a:defRPr>
-            </a:lvl1pPr>
-            <a:lvl2pPr marL="742950" indent="-285750">
-              <a:defRPr>
-                <a:solidFill>
-                  <a:schemeClr val="tx1"/>
-                </a:solidFill>
-                <a:latin typeface="Arial" panose="020B0604020202020204" pitchFamily="34" charset="0"/>
-                <a:ea typeface="宋体" panose="02010600030101010101" pitchFamily="2" charset="-122"/>
-              </a:defRPr>
-            </a:lvl2pPr>
-            <a:lvl3pPr marL="1143000" indent="-228600">
-              <a:defRPr>
-                <a:solidFill>
-                  <a:schemeClr val="tx1"/>
-                </a:solidFill>
-                <a:latin typeface="Arial" panose="020B0604020202020204" pitchFamily="34" charset="0"/>
-                <a:ea typeface="宋体" panose="02010600030101010101" pitchFamily="2" charset="-122"/>
-              </a:defRPr>
-            </a:lvl3pPr>
-            <a:lvl4pPr marL="1600200" indent="-228600">
-              <a:defRPr>
-                <a:solidFill>
-                  <a:schemeClr val="tx1"/>
-                </a:solidFill>
-                <a:latin typeface="Arial" panose="020B0604020202020204" pitchFamily="34" charset="0"/>
-                <a:ea typeface="宋体" panose="02010600030101010101" pitchFamily="2" charset="-122"/>
-              </a:defRPr>
-            </a:lvl4pPr>
-            <a:lvl5pPr marL="2057400" indent="-228600">
-              <a:defRPr>
-                <a:solidFill>
-                  <a:schemeClr val="tx1"/>
-                </a:solidFill>
-                <a:latin typeface="Arial" panose="020B0604020202020204" pitchFamily="34" charset="0"/>
-                <a:ea typeface="宋体" panose="02010600030101010101" pitchFamily="2" charset="-122"/>
-              </a:defRPr>
-            </a:lvl5pPr>
-            <a:lvl6pPr marL="2514600" indent="-228600" eaLnBrk="0" fontAlgn="base" hangingPunct="0">
-              <a:spcBef>
-                <a:spcPct val="0"/>
-              </a:spcBef>
-              <a:spcAft>
-                <a:spcPct val="0"/>
-              </a:spcAft>
-              <a:defRPr>
-                <a:solidFill>
-                  <a:schemeClr val="tx1"/>
-                </a:solidFill>
-                <a:latin typeface="Arial" panose="020B0604020202020204" pitchFamily="34" charset="0"/>
-                <a:ea typeface="宋体" panose="02010600030101010101" pitchFamily="2" charset="-122"/>
-              </a:defRPr>
-            </a:lvl6pPr>
-            <a:lvl7pPr marL="2971800" indent="-228600" eaLnBrk="0" fontAlgn="base" hangingPunct="0">
-              <a:spcBef>
-                <a:spcPct val="0"/>
-              </a:spcBef>
-              <a:spcAft>
-                <a:spcPct val="0"/>
-              </a:spcAft>
-              <a:defRPr>
-                <a:solidFill>
-                  <a:schemeClr val="tx1"/>
-                </a:solidFill>
-                <a:latin typeface="Arial" panose="020B0604020202020204" pitchFamily="34" charset="0"/>
-                <a:ea typeface="宋体" panose="02010600030101010101" pitchFamily="2" charset="-122"/>
-              </a:defRPr>
-            </a:lvl7pPr>
-            <a:lvl8pPr marL="3429000" indent="-228600" eaLnBrk="0" fontAlgn="base" hangingPunct="0">
-              <a:spcBef>
-                <a:spcPct val="0"/>
-              </a:spcBef>
-              <a:spcAft>
-                <a:spcPct val="0"/>
-              </a:spcAft>
-              <a:defRPr>
-                <a:solidFill>
-                  <a:schemeClr val="tx1"/>
-                </a:solidFill>
-                <a:latin typeface="Arial" panose="020B0604020202020204" pitchFamily="34" charset="0"/>
-                <a:ea typeface="宋体" panose="02010600030101010101" pitchFamily="2" charset="-122"/>
-              </a:defRPr>
-            </a:lvl8pPr>
-            <a:lvl9pPr marL="3886200" indent="-228600" eaLnBrk="0" fontAlgn="base" hangingPunct="0">
-              <a:spcBef>
-                <a:spcPct val="0"/>
-              </a:spcBef>
-              <a:spcAft>
-                <a:spcPct val="0"/>
-              </a:spcAft>
-              <a:defRPr>
-                <a:solidFill>
-                  <a:schemeClr val="tx1"/>
-                </a:solidFill>
-                <a:latin typeface="Arial" panose="020B0604020202020204" pitchFamily="34" charset="0"/>
-                <a:ea typeface="宋体" panose="02010600030101010101" pitchFamily="2" charset="-122"/>
-              </a:defRPr>
-            </a:lvl9pPr>
-          </a:lstStyle>
-          <a:p>
-            <a:pPr algn="ctr">
-              <a:spcBef>
-                <a:spcPts val="300"/>
-              </a:spcBef>
-            </a:pPr>
-            <a:r>
-              <a:rPr lang="zh-CN" altLang="en-US" sz="1600" b="1" dirty="0">
-                <a:latin typeface="微软雅黑" panose="020B0503020204020204" pitchFamily="34" charset="-122"/>
-                <a:ea typeface="微软雅黑" panose="020B0503020204020204" pitchFamily="34" charset="-122"/>
-              </a:rPr>
-              <a:t>设计统一的信息补偿策略</a:t>
             </a:r>
           </a:p>
         </p:txBody>
